--- a/Receipt_Images_Processing.pptx
+++ b/Receipt_Images_Processing.pptx
@@ -5,7 +5,15 @@
     <p:sldMasterId id="2147483648" r:id="rId1"/>
   </p:sldMasterIdLst>
   <p:sldIdLst>
-    <p:sldId id="256" r:id="rId2"/>
+    <p:sldId id="259" r:id="rId2"/>
+    <p:sldId id="256" r:id="rId3"/>
+    <p:sldId id="257" r:id="rId4"/>
+    <p:sldId id="258" r:id="rId5"/>
+    <p:sldId id="260" r:id="rId6"/>
+    <p:sldId id="261" r:id="rId7"/>
+    <p:sldId id="263" r:id="rId8"/>
+    <p:sldId id="264" r:id="rId9"/>
+    <p:sldId id="262" r:id="rId10"/>
   </p:sldIdLst>
   <p:sldSz cx="12192000" cy="6858000"/>
   <p:notesSz cx="6858000" cy="9144000"/>
@@ -3326,6 +3334,92 @@
           <p:cNvPr id="2" name="Title 1">
             <a:extLst>
               <a:ext uri="{FF2B5EF4-FFF2-40B4-BE49-F238E27FC236}">
+                <a16:creationId xmlns:a16="http://schemas.microsoft.com/office/drawing/2014/main" id="{8A8AB73C-BE43-9E2B-94F7-D8B275BDEA81}"/>
+              </a:ext>
+            </a:extLst>
+          </p:cNvPr>
+          <p:cNvSpPr>
+            <a:spLocks noGrp="1"/>
+          </p:cNvSpPr>
+          <p:nvPr>
+            <p:ph type="ctrTitle"/>
+          </p:nvPr>
+        </p:nvSpPr>
+        <p:spPr/>
+        <p:txBody>
+          <a:bodyPr/>
+          <a:lstStyle/>
+          <a:p>
+            <a:r>
+              <a:rPr lang="en-US" dirty="0"/>
+              <a:t>Receipt Data Extraction and Classification</a:t>
+            </a:r>
+          </a:p>
+        </p:txBody>
+      </p:sp>
+      <p:sp>
+        <p:nvSpPr>
+          <p:cNvPr id="3" name="Subtitle 2">
+            <a:extLst>
+              <a:ext uri="{FF2B5EF4-FFF2-40B4-BE49-F238E27FC236}">
+                <a16:creationId xmlns:a16="http://schemas.microsoft.com/office/drawing/2014/main" id="{733DB740-4CCA-665C-28AB-C757CDFFD7D5}"/>
+              </a:ext>
+            </a:extLst>
+          </p:cNvPr>
+          <p:cNvSpPr>
+            <a:spLocks noGrp="1"/>
+          </p:cNvSpPr>
+          <p:nvPr>
+            <p:ph type="subTitle" idx="1"/>
+          </p:nvPr>
+        </p:nvSpPr>
+        <p:spPr/>
+        <p:txBody>
+          <a:bodyPr/>
+          <a:lstStyle/>
+          <a:p>
+            <a:r>
+              <a:rPr lang="en-US" dirty="0"/>
+              <a:t>Albert IRADUKUNDA</a:t>
+            </a:r>
+          </a:p>
+        </p:txBody>
+      </p:sp>
+    </p:spTree>
+    <p:extLst>
+      <p:ext uri="{BB962C8B-B14F-4D97-AF65-F5344CB8AC3E}">
+        <p14:creationId xmlns:p14="http://schemas.microsoft.com/office/powerpoint/2010/main" val="1696106199"/>
+      </p:ext>
+    </p:extLst>
+  </p:cSld>
+  <p:clrMapOvr>
+    <a:masterClrMapping/>
+  </p:clrMapOvr>
+</p:sld>
+</file>
+
+<file path=ppt/slides/slide2.xml><?xml version="1.0" encoding="utf-8"?>
+<p:sld xmlns:a="http://schemas.openxmlformats.org/drawingml/2006/main" xmlns:r="http://schemas.openxmlformats.org/officeDocument/2006/relationships" xmlns:p="http://schemas.openxmlformats.org/presentationml/2006/main">
+  <p:cSld>
+    <p:spTree>
+      <p:nvGrpSpPr>
+        <p:cNvPr id="1" name=""/>
+        <p:cNvGrpSpPr/>
+        <p:nvPr/>
+      </p:nvGrpSpPr>
+      <p:grpSpPr>
+        <a:xfrm>
+          <a:off x="0" y="0"/>
+          <a:ext cx="0" cy="0"/>
+          <a:chOff x="0" y="0"/>
+          <a:chExt cx="0" cy="0"/>
+        </a:xfrm>
+      </p:grpSpPr>
+      <p:sp>
+        <p:nvSpPr>
+          <p:cNvPr id="2" name="Title 1">
+            <a:extLst>
+              <a:ext uri="{FF2B5EF4-FFF2-40B4-BE49-F238E27FC236}">
                 <a16:creationId xmlns:a16="http://schemas.microsoft.com/office/drawing/2014/main" id="{0FD1AB3D-72EB-F170-D803-EC6FFC901CAA}"/>
               </a:ext>
             </a:extLst>
@@ -3337,14 +3431,21 @@
             <p:ph type="ctrTitle"/>
           </p:nvPr>
         </p:nvSpPr>
-        <p:spPr/>
-        <p:txBody>
-          <a:bodyPr/>
+        <p:spPr>
+          <a:xfrm>
+            <a:off x="1524000" y="1122363"/>
+            <a:ext cx="9144000" cy="844089"/>
+          </a:xfrm>
+        </p:spPr>
+        <p:txBody>
+          <a:bodyPr>
+            <a:normAutofit fontScale="90000"/>
+          </a:bodyPr>
           <a:lstStyle/>
           <a:p>
             <a:r>
               <a:rPr lang="en-US" dirty="0"/>
-              <a:t>Receipt Data and Items Classification</a:t>
+              <a:t>Goals</a:t>
             </a:r>
           </a:p>
         </p:txBody>
@@ -3365,32 +3466,37 @@
             <p:ph type="subTitle" idx="1"/>
           </p:nvPr>
         </p:nvSpPr>
-        <p:spPr/>
+        <p:spPr>
+          <a:xfrm>
+            <a:off x="1524000" y="2438400"/>
+            <a:ext cx="9144000" cy="2802194"/>
+          </a:xfrm>
+        </p:spPr>
         <p:txBody>
           <a:bodyPr>
             <a:normAutofit/>
           </a:bodyPr>
           <a:lstStyle/>
           <a:p>
-            <a:pPr marL="457200" indent="-457200">
+            <a:pPr marL="457200" indent="-457200" algn="l">
               <a:buAutoNum type="arabicPeriod"/>
             </a:pPr>
             <a:r>
               <a:rPr lang="en-US" dirty="0"/>
-              <a:t>Data Extraction with Vision</a:t>
-            </a:r>
-          </a:p>
-          <a:p>
-            <a:pPr marL="457200" indent="-457200">
+              <a:t>Data Extraction with Vision </a:t>
+            </a:r>
+          </a:p>
+          <a:p>
+            <a:pPr marL="457200" indent="-457200" algn="l">
               <a:buAutoNum type="arabicPeriod"/>
             </a:pPr>
             <a:r>
               <a:rPr lang="en-US" dirty="0"/>
-              <a:t>Items Classification (K-NN &amp; Logistic Regression)</a:t>
-            </a:r>
-          </a:p>
-          <a:p>
-            <a:pPr marL="457200" indent="-457200">
+              <a:t>Receipt Items Classification (K-NN &amp; NN)</a:t>
+            </a:r>
+          </a:p>
+          <a:p>
+            <a:pPr marL="457200" indent="-457200" algn="l">
               <a:buAutoNum type="arabicPeriod"/>
             </a:pPr>
             <a:r>
@@ -3404,6 +3510,2154 @@
     <p:extLst>
       <p:ext uri="{BB962C8B-B14F-4D97-AF65-F5344CB8AC3E}">
         <p14:creationId xmlns:p14="http://schemas.microsoft.com/office/powerpoint/2010/main" val="3973483428"/>
+      </p:ext>
+    </p:extLst>
+  </p:cSld>
+  <p:clrMapOvr>
+    <a:masterClrMapping/>
+  </p:clrMapOvr>
+</p:sld>
+</file>
+
+<file path=ppt/slides/slide3.xml><?xml version="1.0" encoding="utf-8"?>
+<p:sld xmlns:a="http://schemas.openxmlformats.org/drawingml/2006/main" xmlns:r="http://schemas.openxmlformats.org/officeDocument/2006/relationships" xmlns:p="http://schemas.openxmlformats.org/presentationml/2006/main">
+  <p:cSld>
+    <p:spTree>
+      <p:nvGrpSpPr>
+        <p:cNvPr id="1" name=""/>
+        <p:cNvGrpSpPr/>
+        <p:nvPr/>
+      </p:nvGrpSpPr>
+      <p:grpSpPr>
+        <a:xfrm>
+          <a:off x="0" y="0"/>
+          <a:ext cx="0" cy="0"/>
+          <a:chOff x="0" y="0"/>
+          <a:chExt cx="0" cy="0"/>
+        </a:xfrm>
+      </p:grpSpPr>
+      <p:sp>
+        <p:nvSpPr>
+          <p:cNvPr id="2" name="Title 1">
+            <a:extLst>
+              <a:ext uri="{FF2B5EF4-FFF2-40B4-BE49-F238E27FC236}">
+                <a16:creationId xmlns:a16="http://schemas.microsoft.com/office/drawing/2014/main" id="{3A452D88-3B6A-9513-4E36-7AAE77B6A471}"/>
+              </a:ext>
+            </a:extLst>
+          </p:cNvPr>
+          <p:cNvSpPr>
+            <a:spLocks noGrp="1"/>
+          </p:cNvSpPr>
+          <p:nvPr>
+            <p:ph type="title"/>
+          </p:nvPr>
+        </p:nvSpPr>
+        <p:spPr/>
+        <p:txBody>
+          <a:bodyPr/>
+          <a:lstStyle/>
+          <a:p>
+            <a:r>
+              <a:rPr lang="en-US" dirty="0"/>
+              <a:t>Data Annotation</a:t>
+            </a:r>
+          </a:p>
+        </p:txBody>
+      </p:sp>
+      <p:sp>
+        <p:nvSpPr>
+          <p:cNvPr id="6" name="Content Placeholder 5">
+            <a:extLst>
+              <a:ext uri="{FF2B5EF4-FFF2-40B4-BE49-F238E27FC236}">
+                <a16:creationId xmlns:a16="http://schemas.microsoft.com/office/drawing/2014/main" id="{99B75255-541E-DEAD-DE25-90B37214A8EB}"/>
+              </a:ext>
+            </a:extLst>
+          </p:cNvPr>
+          <p:cNvSpPr>
+            <a:spLocks noGrp="1"/>
+          </p:cNvSpPr>
+          <p:nvPr>
+            <p:ph sz="quarter" idx="4"/>
+          </p:nvPr>
+        </p:nvSpPr>
+        <p:spPr>
+          <a:xfrm>
+            <a:off x="6101080" y="1584960"/>
+            <a:ext cx="5183188" cy="3684588"/>
+          </a:xfrm>
+        </p:spPr>
+        <p:txBody>
+          <a:bodyPr>
+            <a:normAutofit fontScale="40000" lnSpcReduction="20000"/>
+          </a:bodyPr>
+          <a:lstStyle/>
+          <a:p>
+            <a:pPr>
+              <a:lnSpc>
+                <a:spcPts val="1425"/>
+              </a:lnSpc>
+            </a:pPr>
+            <a:r>
+              <a:rPr lang="en-US" b="0" dirty="0">
+                <a:solidFill>
+                  <a:srgbClr val="CCCCCC"/>
+                </a:solidFill>
+                <a:effectLst/>
+                <a:latin typeface="Consolas" panose="020B0609020204030204" pitchFamily="49" charset="0"/>
+              </a:rPr>
+              <a:t>{</a:t>
+            </a:r>
+          </a:p>
+          <a:p>
+            <a:pPr>
+              <a:lnSpc>
+                <a:spcPts val="1425"/>
+              </a:lnSpc>
+            </a:pPr>
+            <a:r>
+              <a:rPr lang="en-US" b="0" dirty="0">
+                <a:solidFill>
+                  <a:srgbClr val="CCCCCC"/>
+                </a:solidFill>
+                <a:effectLst/>
+                <a:latin typeface="Consolas" panose="020B0609020204030204" pitchFamily="49" charset="0"/>
+              </a:rPr>
+              <a:t>        </a:t>
+            </a:r>
+            <a:r>
+              <a:rPr lang="en-US" b="0" dirty="0">
+                <a:solidFill>
+                  <a:srgbClr val="9CDCFE"/>
+                </a:solidFill>
+                <a:effectLst/>
+                <a:latin typeface="Consolas" panose="020B0609020204030204" pitchFamily="49" charset="0"/>
+              </a:rPr>
+              <a:t>"id"</a:t>
+            </a:r>
+            <a:r>
+              <a:rPr lang="en-US" b="0" dirty="0">
+                <a:solidFill>
+                  <a:srgbClr val="CCCCCC"/>
+                </a:solidFill>
+                <a:effectLst/>
+                <a:latin typeface="Consolas" panose="020B0609020204030204" pitchFamily="49" charset="0"/>
+              </a:rPr>
+              <a:t>: </a:t>
+            </a:r>
+            <a:r>
+              <a:rPr lang="en-US" b="0" dirty="0">
+                <a:solidFill>
+                  <a:srgbClr val="B5CEA8"/>
+                </a:solidFill>
+                <a:effectLst/>
+                <a:latin typeface="Consolas" panose="020B0609020204030204" pitchFamily="49" charset="0"/>
+              </a:rPr>
+              <a:t>0</a:t>
+            </a:r>
+            <a:r>
+              <a:rPr lang="en-US" b="0" dirty="0">
+                <a:solidFill>
+                  <a:srgbClr val="CCCCCC"/>
+                </a:solidFill>
+                <a:effectLst/>
+                <a:latin typeface="Consolas" panose="020B0609020204030204" pitchFamily="49" charset="0"/>
+              </a:rPr>
+              <a:t>,</a:t>
+            </a:r>
+          </a:p>
+          <a:p>
+            <a:pPr>
+              <a:lnSpc>
+                <a:spcPts val="1425"/>
+              </a:lnSpc>
+            </a:pPr>
+            <a:r>
+              <a:rPr lang="en-US" b="0" dirty="0">
+                <a:solidFill>
+                  <a:srgbClr val="CCCCCC"/>
+                </a:solidFill>
+                <a:effectLst/>
+                <a:latin typeface="Consolas" panose="020B0609020204030204" pitchFamily="49" charset="0"/>
+              </a:rPr>
+              <a:t>        </a:t>
+            </a:r>
+            <a:r>
+              <a:rPr lang="en-US" b="0" dirty="0">
+                <a:solidFill>
+                  <a:srgbClr val="9CDCFE"/>
+                </a:solidFill>
+                <a:effectLst/>
+                <a:latin typeface="Consolas" panose="020B0609020204030204" pitchFamily="49" charset="0"/>
+              </a:rPr>
+              <a:t>"text"</a:t>
+            </a:r>
+            <a:r>
+              <a:rPr lang="en-US" b="0" dirty="0">
+                <a:solidFill>
+                  <a:srgbClr val="CCCCCC"/>
+                </a:solidFill>
+                <a:effectLst/>
+                <a:latin typeface="Consolas" panose="020B0609020204030204" pitchFamily="49" charset="0"/>
+              </a:rPr>
+              <a:t>: </a:t>
+            </a:r>
+            <a:r>
+              <a:rPr lang="en-US" b="0" dirty="0">
+                <a:solidFill>
+                  <a:srgbClr val="CE9178"/>
+                </a:solidFill>
+                <a:effectLst/>
+                <a:latin typeface="Consolas" panose="020B0609020204030204" pitchFamily="49" charset="0"/>
+              </a:rPr>
+              <a:t>"2001 Greenville Ave, Dallas, TX 75206"</a:t>
+            </a:r>
+            <a:r>
+              <a:rPr lang="en-US" b="0" dirty="0">
+                <a:solidFill>
+                  <a:srgbClr val="CCCCCC"/>
+                </a:solidFill>
+                <a:effectLst/>
+                <a:latin typeface="Consolas" panose="020B0609020204030204" pitchFamily="49" charset="0"/>
+              </a:rPr>
+              <a:t>,</a:t>
+            </a:r>
+          </a:p>
+          <a:p>
+            <a:pPr>
+              <a:lnSpc>
+                <a:spcPts val="1425"/>
+              </a:lnSpc>
+            </a:pPr>
+            <a:r>
+              <a:rPr lang="en-US" b="0" dirty="0">
+                <a:solidFill>
+                  <a:srgbClr val="CCCCCC"/>
+                </a:solidFill>
+                <a:effectLst/>
+                <a:latin typeface="Consolas" panose="020B0609020204030204" pitchFamily="49" charset="0"/>
+              </a:rPr>
+              <a:t>        </a:t>
+            </a:r>
+            <a:r>
+              <a:rPr lang="en-US" b="0" dirty="0">
+                <a:solidFill>
+                  <a:srgbClr val="9CDCFE"/>
+                </a:solidFill>
+                <a:effectLst/>
+                <a:latin typeface="Consolas" panose="020B0609020204030204" pitchFamily="49" charset="0"/>
+              </a:rPr>
+              <a:t>"label"</a:t>
+            </a:r>
+            <a:r>
+              <a:rPr lang="en-US" b="0" dirty="0">
+                <a:solidFill>
+                  <a:srgbClr val="CCCCCC"/>
+                </a:solidFill>
+                <a:effectLst/>
+                <a:latin typeface="Consolas" panose="020B0609020204030204" pitchFamily="49" charset="0"/>
+              </a:rPr>
+              <a:t>: </a:t>
+            </a:r>
+            <a:r>
+              <a:rPr lang="en-US" b="0" dirty="0">
+                <a:solidFill>
+                  <a:srgbClr val="CE9178"/>
+                </a:solidFill>
+                <a:effectLst/>
+                <a:latin typeface="Consolas" panose="020B0609020204030204" pitchFamily="49" charset="0"/>
+              </a:rPr>
+              <a:t>"location"</a:t>
+            </a:r>
+            <a:r>
+              <a:rPr lang="en-US" b="0" dirty="0">
+                <a:solidFill>
+                  <a:srgbClr val="CCCCCC"/>
+                </a:solidFill>
+                <a:effectLst/>
+                <a:latin typeface="Consolas" panose="020B0609020204030204" pitchFamily="49" charset="0"/>
+              </a:rPr>
+              <a:t>,</a:t>
+            </a:r>
+          </a:p>
+          <a:p>
+            <a:pPr>
+              <a:lnSpc>
+                <a:spcPts val="1425"/>
+              </a:lnSpc>
+            </a:pPr>
+            <a:r>
+              <a:rPr lang="en-US" b="0" dirty="0">
+                <a:solidFill>
+                  <a:srgbClr val="CCCCCC"/>
+                </a:solidFill>
+                <a:effectLst/>
+                <a:latin typeface="Consolas" panose="020B0609020204030204" pitchFamily="49" charset="0"/>
+              </a:rPr>
+              <a:t>        </a:t>
+            </a:r>
+            <a:r>
+              <a:rPr lang="en-US" b="0" dirty="0">
+                <a:solidFill>
+                  <a:srgbClr val="9CDCFE"/>
+                </a:solidFill>
+                <a:effectLst/>
+                <a:latin typeface="Consolas" panose="020B0609020204030204" pitchFamily="49" charset="0"/>
+              </a:rPr>
+              <a:t>"box"</a:t>
+            </a:r>
+            <a:r>
+              <a:rPr lang="en-US" b="0" dirty="0">
+                <a:solidFill>
+                  <a:srgbClr val="CCCCCC"/>
+                </a:solidFill>
+                <a:effectLst/>
+                <a:latin typeface="Consolas" panose="020B0609020204030204" pitchFamily="49" charset="0"/>
+              </a:rPr>
+              <a:t>: [</a:t>
+            </a:r>
+          </a:p>
+          <a:p>
+            <a:pPr>
+              <a:lnSpc>
+                <a:spcPts val="1425"/>
+              </a:lnSpc>
+            </a:pPr>
+            <a:r>
+              <a:rPr lang="en-US" b="0" dirty="0">
+                <a:solidFill>
+                  <a:srgbClr val="CCCCCC"/>
+                </a:solidFill>
+                <a:effectLst/>
+                <a:latin typeface="Consolas" panose="020B0609020204030204" pitchFamily="49" charset="0"/>
+              </a:rPr>
+              <a:t>            </a:t>
+            </a:r>
+            <a:r>
+              <a:rPr lang="en-US" b="0" dirty="0">
+                <a:solidFill>
+                  <a:srgbClr val="B5CEA8"/>
+                </a:solidFill>
+                <a:effectLst/>
+                <a:latin typeface="Consolas" panose="020B0609020204030204" pitchFamily="49" charset="0"/>
+              </a:rPr>
+              <a:t>100</a:t>
+            </a:r>
+            <a:r>
+              <a:rPr lang="en-US" b="0" dirty="0">
+                <a:solidFill>
+                  <a:srgbClr val="CCCCCC"/>
+                </a:solidFill>
+                <a:effectLst/>
+                <a:latin typeface="Consolas" panose="020B0609020204030204" pitchFamily="49" charset="0"/>
+              </a:rPr>
+              <a:t>,</a:t>
+            </a:r>
+          </a:p>
+          <a:p>
+            <a:pPr>
+              <a:lnSpc>
+                <a:spcPts val="1425"/>
+              </a:lnSpc>
+            </a:pPr>
+            <a:r>
+              <a:rPr lang="en-US" b="0" dirty="0">
+                <a:solidFill>
+                  <a:srgbClr val="CCCCCC"/>
+                </a:solidFill>
+                <a:effectLst/>
+                <a:latin typeface="Consolas" panose="020B0609020204030204" pitchFamily="49" charset="0"/>
+              </a:rPr>
+              <a:t>            </a:t>
+            </a:r>
+            <a:r>
+              <a:rPr lang="en-US" b="0" dirty="0">
+                <a:solidFill>
+                  <a:srgbClr val="B5CEA8"/>
+                </a:solidFill>
+                <a:effectLst/>
+                <a:latin typeface="Consolas" panose="020B0609020204030204" pitchFamily="49" charset="0"/>
+              </a:rPr>
+              <a:t>200</a:t>
+            </a:r>
+            <a:r>
+              <a:rPr lang="en-US" b="0" dirty="0">
+                <a:solidFill>
+                  <a:srgbClr val="CCCCCC"/>
+                </a:solidFill>
+                <a:effectLst/>
+                <a:latin typeface="Consolas" panose="020B0609020204030204" pitchFamily="49" charset="0"/>
+              </a:rPr>
+              <a:t>,</a:t>
+            </a:r>
+          </a:p>
+          <a:p>
+            <a:pPr>
+              <a:lnSpc>
+                <a:spcPts val="1425"/>
+              </a:lnSpc>
+            </a:pPr>
+            <a:r>
+              <a:rPr lang="en-US" b="0" dirty="0">
+                <a:solidFill>
+                  <a:srgbClr val="CCCCCC"/>
+                </a:solidFill>
+                <a:effectLst/>
+                <a:latin typeface="Consolas" panose="020B0609020204030204" pitchFamily="49" charset="0"/>
+              </a:rPr>
+              <a:t>            </a:t>
+            </a:r>
+            <a:r>
+              <a:rPr lang="en-US" b="0" dirty="0">
+                <a:solidFill>
+                  <a:srgbClr val="B5CEA8"/>
+                </a:solidFill>
+                <a:effectLst/>
+                <a:latin typeface="Consolas" panose="020B0609020204030204" pitchFamily="49" charset="0"/>
+              </a:rPr>
+              <a:t>400</a:t>
+            </a:r>
+            <a:r>
+              <a:rPr lang="en-US" b="0" dirty="0">
+                <a:solidFill>
+                  <a:srgbClr val="CCCCCC"/>
+                </a:solidFill>
+                <a:effectLst/>
+                <a:latin typeface="Consolas" panose="020B0609020204030204" pitchFamily="49" charset="0"/>
+              </a:rPr>
+              <a:t>,</a:t>
+            </a:r>
+          </a:p>
+          <a:p>
+            <a:pPr>
+              <a:lnSpc>
+                <a:spcPts val="1425"/>
+              </a:lnSpc>
+            </a:pPr>
+            <a:r>
+              <a:rPr lang="en-US" b="0" dirty="0">
+                <a:solidFill>
+                  <a:srgbClr val="CCCCCC"/>
+                </a:solidFill>
+                <a:effectLst/>
+                <a:latin typeface="Consolas" panose="020B0609020204030204" pitchFamily="49" charset="0"/>
+              </a:rPr>
+              <a:t>            </a:t>
+            </a:r>
+            <a:r>
+              <a:rPr lang="en-US" b="0" dirty="0">
+                <a:solidFill>
+                  <a:srgbClr val="B5CEA8"/>
+                </a:solidFill>
+                <a:effectLst/>
+                <a:latin typeface="Consolas" panose="020B0609020204030204" pitchFamily="49" charset="0"/>
+              </a:rPr>
+              <a:t>220</a:t>
+            </a:r>
+            <a:endParaRPr lang="en-US" b="0" dirty="0">
+              <a:solidFill>
+                <a:srgbClr val="CCCCCC"/>
+              </a:solidFill>
+              <a:effectLst/>
+              <a:latin typeface="Consolas" panose="020B0609020204030204" pitchFamily="49" charset="0"/>
+            </a:endParaRPr>
+          </a:p>
+          <a:p>
+            <a:pPr>
+              <a:lnSpc>
+                <a:spcPts val="1425"/>
+              </a:lnSpc>
+            </a:pPr>
+            <a:r>
+              <a:rPr lang="en-US" b="0" dirty="0">
+                <a:solidFill>
+                  <a:srgbClr val="CCCCCC"/>
+                </a:solidFill>
+                <a:effectLst/>
+                <a:latin typeface="Consolas" panose="020B0609020204030204" pitchFamily="49" charset="0"/>
+              </a:rPr>
+              <a:t>        ],</a:t>
+            </a:r>
+          </a:p>
+          <a:p>
+            <a:pPr>
+              <a:lnSpc>
+                <a:spcPts val="1425"/>
+              </a:lnSpc>
+            </a:pPr>
+            <a:r>
+              <a:rPr lang="en-US" b="0" dirty="0">
+                <a:solidFill>
+                  <a:srgbClr val="CCCCCC"/>
+                </a:solidFill>
+                <a:effectLst/>
+                <a:latin typeface="Consolas" panose="020B0609020204030204" pitchFamily="49" charset="0"/>
+              </a:rPr>
+              <a:t>        </a:t>
+            </a:r>
+            <a:r>
+              <a:rPr lang="en-US" b="0" dirty="0">
+                <a:solidFill>
+                  <a:srgbClr val="9CDCFE"/>
+                </a:solidFill>
+                <a:effectLst/>
+                <a:latin typeface="Consolas" panose="020B0609020204030204" pitchFamily="49" charset="0"/>
+              </a:rPr>
+              <a:t>"linking"</a:t>
+            </a:r>
+            <a:r>
+              <a:rPr lang="en-US" b="0" dirty="0">
+                <a:solidFill>
+                  <a:srgbClr val="CCCCCC"/>
+                </a:solidFill>
+                <a:effectLst/>
+                <a:latin typeface="Consolas" panose="020B0609020204030204" pitchFamily="49" charset="0"/>
+              </a:rPr>
+              <a:t>: []</a:t>
+            </a:r>
+          </a:p>
+          <a:p>
+            <a:pPr>
+              <a:lnSpc>
+                <a:spcPts val="1425"/>
+              </a:lnSpc>
+            </a:pPr>
+            <a:r>
+              <a:rPr lang="en-US" b="0" dirty="0">
+                <a:solidFill>
+                  <a:srgbClr val="CCCCCC"/>
+                </a:solidFill>
+                <a:effectLst/>
+                <a:latin typeface="Consolas" panose="020B0609020204030204" pitchFamily="49" charset="0"/>
+              </a:rPr>
+              <a:t>    }</a:t>
+            </a:r>
+          </a:p>
+          <a:p>
+            <a:endParaRPr lang="en-US" dirty="0"/>
+          </a:p>
+        </p:txBody>
+      </p:sp>
+      <p:pic>
+        <p:nvPicPr>
+          <p:cNvPr id="12" name="Content Placeholder 11" descr="A receipt on a fabric surface&#10;&#10;Description automatically generated">
+            <a:extLst>
+              <a:ext uri="{FF2B5EF4-FFF2-40B4-BE49-F238E27FC236}">
+                <a16:creationId xmlns:a16="http://schemas.microsoft.com/office/drawing/2014/main" id="{AAAEDE6E-D249-CEBF-08A8-25645CE31DD6}"/>
+              </a:ext>
+            </a:extLst>
+          </p:cNvPr>
+          <p:cNvPicPr>
+            <a:picLocks noGrp="1" noChangeAspect="1"/>
+          </p:cNvPicPr>
+          <p:nvPr>
+            <p:ph sz="half" idx="2"/>
+          </p:nvPr>
+        </p:nvPicPr>
+        <p:blipFill>
+          <a:blip r:embed="rId2">
+            <a:extLst>
+              <a:ext uri="{28A0092B-C50C-407E-A947-70E740481C1C}">
+                <a14:useLocalDpi xmlns:a14="http://schemas.microsoft.com/office/drawing/2010/main" val="0"/>
+              </a:ext>
+            </a:extLst>
+          </a:blip>
+          <a:stretch>
+            <a:fillRect/>
+          </a:stretch>
+        </p:blipFill>
+        <p:spPr>
+          <a:xfrm>
+            <a:off x="907732" y="1584960"/>
+            <a:ext cx="3202067" cy="4269423"/>
+          </a:xfrm>
+        </p:spPr>
+      </p:pic>
+    </p:spTree>
+    <p:extLst>
+      <p:ext uri="{BB962C8B-B14F-4D97-AF65-F5344CB8AC3E}">
+        <p14:creationId xmlns:p14="http://schemas.microsoft.com/office/powerpoint/2010/main" val="227909310"/>
+      </p:ext>
+    </p:extLst>
+  </p:cSld>
+  <p:clrMapOvr>
+    <a:masterClrMapping/>
+  </p:clrMapOvr>
+</p:sld>
+</file>
+
+<file path=ppt/slides/slide4.xml><?xml version="1.0" encoding="utf-8"?>
+<p:sld xmlns:a="http://schemas.openxmlformats.org/drawingml/2006/main" xmlns:r="http://schemas.openxmlformats.org/officeDocument/2006/relationships" xmlns:p="http://schemas.openxmlformats.org/presentationml/2006/main">
+  <p:cSld>
+    <p:spTree>
+      <p:nvGrpSpPr>
+        <p:cNvPr id="1" name=""/>
+        <p:cNvGrpSpPr/>
+        <p:nvPr/>
+      </p:nvGrpSpPr>
+      <p:grpSpPr>
+        <a:xfrm>
+          <a:off x="0" y="0"/>
+          <a:ext cx="0" cy="0"/>
+          <a:chOff x="0" y="0"/>
+          <a:chExt cx="0" cy="0"/>
+        </a:xfrm>
+      </p:grpSpPr>
+      <p:sp>
+        <p:nvSpPr>
+          <p:cNvPr id="2" name="Title 1">
+            <a:extLst>
+              <a:ext uri="{FF2B5EF4-FFF2-40B4-BE49-F238E27FC236}">
+                <a16:creationId xmlns:a16="http://schemas.microsoft.com/office/drawing/2014/main" id="{BED5E76B-9527-6E39-D89F-15FC2E02094C}"/>
+              </a:ext>
+            </a:extLst>
+          </p:cNvPr>
+          <p:cNvSpPr>
+            <a:spLocks noGrp="1"/>
+          </p:cNvSpPr>
+          <p:nvPr>
+            <p:ph type="title"/>
+          </p:nvPr>
+        </p:nvSpPr>
+        <p:spPr/>
+        <p:txBody>
+          <a:bodyPr/>
+          <a:lstStyle/>
+          <a:p>
+            <a:r>
+              <a:rPr lang="en-US" dirty="0"/>
+              <a:t>Pre-processing</a:t>
+            </a:r>
+          </a:p>
+        </p:txBody>
+      </p:sp>
+      <p:sp>
+        <p:nvSpPr>
+          <p:cNvPr id="4" name="Content Placeholder 3">
+            <a:extLst>
+              <a:ext uri="{FF2B5EF4-FFF2-40B4-BE49-F238E27FC236}">
+                <a16:creationId xmlns:a16="http://schemas.microsoft.com/office/drawing/2014/main" id="{7AB8F2E9-EF0C-E979-481E-61D7ADF4BF66}"/>
+              </a:ext>
+            </a:extLst>
+          </p:cNvPr>
+          <p:cNvSpPr>
+            <a:spLocks noGrp="1"/>
+          </p:cNvSpPr>
+          <p:nvPr>
+            <p:ph sz="half" idx="1"/>
+          </p:nvPr>
+        </p:nvSpPr>
+        <p:spPr/>
+        <p:txBody>
+          <a:bodyPr>
+            <a:normAutofit fontScale="25000" lnSpcReduction="20000"/>
+          </a:bodyPr>
+          <a:lstStyle/>
+          <a:p>
+            <a:pPr>
+              <a:lnSpc>
+                <a:spcPts val="1425"/>
+              </a:lnSpc>
+            </a:pPr>
+            <a:r>
+              <a:rPr lang="en-US" b="0" dirty="0">
+                <a:solidFill>
+                  <a:srgbClr val="CCCCCC"/>
+                </a:solidFill>
+                <a:effectLst/>
+                <a:latin typeface="Consolas" panose="020B0609020204030204" pitchFamily="49" charset="0"/>
+              </a:rPr>
+              <a:t>{</a:t>
+            </a:r>
+          </a:p>
+          <a:p>
+            <a:pPr>
+              <a:lnSpc>
+                <a:spcPts val="1425"/>
+              </a:lnSpc>
+            </a:pPr>
+            <a:r>
+              <a:rPr lang="en-US" b="0" dirty="0">
+                <a:solidFill>
+                  <a:srgbClr val="CCCCCC"/>
+                </a:solidFill>
+                <a:effectLst/>
+                <a:latin typeface="Consolas" panose="020B0609020204030204" pitchFamily="49" charset="0"/>
+              </a:rPr>
+              <a:t>    </a:t>
+            </a:r>
+            <a:r>
+              <a:rPr lang="en-US" b="0" dirty="0">
+                <a:solidFill>
+                  <a:srgbClr val="9CDCFE"/>
+                </a:solidFill>
+                <a:effectLst/>
+                <a:latin typeface="Consolas" panose="020B0609020204030204" pitchFamily="49" charset="0"/>
+              </a:rPr>
+              <a:t>"location"</a:t>
+            </a:r>
+            <a:r>
+              <a:rPr lang="en-US" b="0" dirty="0">
+                <a:solidFill>
+                  <a:srgbClr val="CCCCCC"/>
+                </a:solidFill>
+                <a:effectLst/>
+                <a:latin typeface="Consolas" panose="020B0609020204030204" pitchFamily="49" charset="0"/>
+              </a:rPr>
+              <a:t>: </a:t>
+            </a:r>
+            <a:r>
+              <a:rPr lang="en-US" b="0" dirty="0">
+                <a:solidFill>
+                  <a:srgbClr val="CE9178"/>
+                </a:solidFill>
+                <a:effectLst/>
+                <a:latin typeface="Consolas" panose="020B0609020204030204" pitchFamily="49" charset="0"/>
+              </a:rPr>
+              <a:t>"3201 Manawa Centre Dr, Council Bluffs, IA 51501"</a:t>
+            </a:r>
+            <a:r>
+              <a:rPr lang="en-US" b="0" dirty="0">
+                <a:solidFill>
+                  <a:srgbClr val="CCCCCC"/>
+                </a:solidFill>
+                <a:effectLst/>
+                <a:latin typeface="Consolas" panose="020B0609020204030204" pitchFamily="49" charset="0"/>
+              </a:rPr>
+              <a:t>,</a:t>
+            </a:r>
+          </a:p>
+          <a:p>
+            <a:pPr>
+              <a:lnSpc>
+                <a:spcPts val="1425"/>
+              </a:lnSpc>
+            </a:pPr>
+            <a:r>
+              <a:rPr lang="en-US" b="0" dirty="0">
+                <a:solidFill>
+                  <a:srgbClr val="CCCCCC"/>
+                </a:solidFill>
+                <a:effectLst/>
+                <a:latin typeface="Consolas" panose="020B0609020204030204" pitchFamily="49" charset="0"/>
+              </a:rPr>
+              <a:t>    </a:t>
+            </a:r>
+            <a:r>
+              <a:rPr lang="en-US" b="0" dirty="0">
+                <a:solidFill>
+                  <a:srgbClr val="9CDCFE"/>
+                </a:solidFill>
+                <a:effectLst/>
+                <a:latin typeface="Consolas" panose="020B0609020204030204" pitchFamily="49" charset="0"/>
+              </a:rPr>
+              <a:t>"shop"</a:t>
+            </a:r>
+            <a:r>
+              <a:rPr lang="en-US" b="0" dirty="0">
+                <a:solidFill>
+                  <a:srgbClr val="CCCCCC"/>
+                </a:solidFill>
+                <a:effectLst/>
+                <a:latin typeface="Consolas" panose="020B0609020204030204" pitchFamily="49" charset="0"/>
+              </a:rPr>
+              <a:t>: </a:t>
+            </a:r>
+            <a:r>
+              <a:rPr lang="en-US" b="0" dirty="0">
+                <a:solidFill>
+                  <a:srgbClr val="CE9178"/>
+                </a:solidFill>
+                <a:effectLst/>
+                <a:latin typeface="Consolas" panose="020B0609020204030204" pitchFamily="49" charset="0"/>
+              </a:rPr>
+              <a:t>"WALMART"</a:t>
+            </a:r>
+            <a:r>
+              <a:rPr lang="en-US" b="0" dirty="0">
+                <a:solidFill>
+                  <a:srgbClr val="CCCCCC"/>
+                </a:solidFill>
+                <a:effectLst/>
+                <a:latin typeface="Consolas" panose="020B0609020204030204" pitchFamily="49" charset="0"/>
+              </a:rPr>
+              <a:t>,</a:t>
+            </a:r>
+          </a:p>
+          <a:p>
+            <a:pPr>
+              <a:lnSpc>
+                <a:spcPts val="1425"/>
+              </a:lnSpc>
+            </a:pPr>
+            <a:r>
+              <a:rPr lang="en-US" b="0" dirty="0">
+                <a:solidFill>
+                  <a:srgbClr val="CCCCCC"/>
+                </a:solidFill>
+                <a:effectLst/>
+                <a:latin typeface="Consolas" panose="020B0609020204030204" pitchFamily="49" charset="0"/>
+              </a:rPr>
+              <a:t>    </a:t>
+            </a:r>
+            <a:r>
+              <a:rPr lang="en-US" b="0" dirty="0">
+                <a:solidFill>
+                  <a:srgbClr val="9CDCFE"/>
+                </a:solidFill>
+                <a:effectLst/>
+                <a:latin typeface="Consolas" panose="020B0609020204030204" pitchFamily="49" charset="0"/>
+              </a:rPr>
+              <a:t>"datetime"</a:t>
+            </a:r>
+            <a:r>
+              <a:rPr lang="en-US" b="0" dirty="0">
+                <a:solidFill>
+                  <a:srgbClr val="CCCCCC"/>
+                </a:solidFill>
+                <a:effectLst/>
+                <a:latin typeface="Consolas" panose="020B0609020204030204" pitchFamily="49" charset="0"/>
+              </a:rPr>
+              <a:t>: </a:t>
+            </a:r>
+            <a:r>
+              <a:rPr lang="en-US" b="0" dirty="0">
+                <a:solidFill>
+                  <a:srgbClr val="CE9178"/>
+                </a:solidFill>
+                <a:effectLst/>
+                <a:latin typeface="Consolas" panose="020B0609020204030204" pitchFamily="49" charset="0"/>
+              </a:rPr>
+              <a:t>"12-08-15 12:39:24"</a:t>
+            </a:r>
+            <a:r>
+              <a:rPr lang="en-US" b="0" dirty="0">
+                <a:solidFill>
+                  <a:srgbClr val="CCCCCC"/>
+                </a:solidFill>
+                <a:effectLst/>
+                <a:latin typeface="Consolas" panose="020B0609020204030204" pitchFamily="49" charset="0"/>
+              </a:rPr>
+              <a:t>,</a:t>
+            </a:r>
+          </a:p>
+          <a:p>
+            <a:pPr>
+              <a:lnSpc>
+                <a:spcPts val="1425"/>
+              </a:lnSpc>
+            </a:pPr>
+            <a:r>
+              <a:rPr lang="en-US" b="0" dirty="0">
+                <a:solidFill>
+                  <a:srgbClr val="CCCCCC"/>
+                </a:solidFill>
+                <a:effectLst/>
+                <a:latin typeface="Consolas" panose="020B0609020204030204" pitchFamily="49" charset="0"/>
+              </a:rPr>
+              <a:t>    </a:t>
+            </a:r>
+            <a:r>
+              <a:rPr lang="en-US" b="0" dirty="0">
+                <a:solidFill>
+                  <a:srgbClr val="9CDCFE"/>
+                </a:solidFill>
+                <a:effectLst/>
+                <a:latin typeface="Consolas" panose="020B0609020204030204" pitchFamily="49" charset="0"/>
+              </a:rPr>
+              <a:t>"items"</a:t>
+            </a:r>
+            <a:r>
+              <a:rPr lang="en-US" b="0" dirty="0">
+                <a:solidFill>
+                  <a:srgbClr val="CCCCCC"/>
+                </a:solidFill>
+                <a:effectLst/>
+                <a:latin typeface="Consolas" panose="020B0609020204030204" pitchFamily="49" charset="0"/>
+              </a:rPr>
+              <a:t>: [</a:t>
+            </a:r>
+          </a:p>
+          <a:p>
+            <a:pPr>
+              <a:lnSpc>
+                <a:spcPts val="1425"/>
+              </a:lnSpc>
+            </a:pPr>
+            <a:r>
+              <a:rPr lang="en-US" b="0" dirty="0">
+                <a:solidFill>
+                  <a:srgbClr val="CCCCCC"/>
+                </a:solidFill>
+                <a:effectLst/>
+                <a:latin typeface="Consolas" panose="020B0609020204030204" pitchFamily="49" charset="0"/>
+              </a:rPr>
+              <a:t>        {</a:t>
+            </a:r>
+          </a:p>
+          <a:p>
+            <a:pPr>
+              <a:lnSpc>
+                <a:spcPts val="1425"/>
+              </a:lnSpc>
+            </a:pPr>
+            <a:r>
+              <a:rPr lang="en-US" b="0" dirty="0">
+                <a:solidFill>
+                  <a:srgbClr val="CCCCCC"/>
+                </a:solidFill>
+                <a:effectLst/>
+                <a:latin typeface="Consolas" panose="020B0609020204030204" pitchFamily="49" charset="0"/>
+              </a:rPr>
+              <a:t>            </a:t>
+            </a:r>
+            <a:r>
+              <a:rPr lang="en-US" b="0" dirty="0">
+                <a:solidFill>
+                  <a:srgbClr val="9CDCFE"/>
+                </a:solidFill>
+                <a:effectLst/>
+                <a:latin typeface="Consolas" panose="020B0609020204030204" pitchFamily="49" charset="0"/>
+              </a:rPr>
+              <a:t>"name"</a:t>
+            </a:r>
+            <a:r>
+              <a:rPr lang="en-US" b="0" dirty="0">
+                <a:solidFill>
+                  <a:srgbClr val="CCCCCC"/>
+                </a:solidFill>
+                <a:effectLst/>
+                <a:latin typeface="Consolas" panose="020B0609020204030204" pitchFamily="49" charset="0"/>
+              </a:rPr>
+              <a:t>: </a:t>
+            </a:r>
+            <a:r>
+              <a:rPr lang="en-US" b="0" dirty="0">
+                <a:solidFill>
+                  <a:srgbClr val="CE9178"/>
+                </a:solidFill>
+                <a:effectLst/>
+                <a:latin typeface="Consolas" panose="020B0609020204030204" pitchFamily="49" charset="0"/>
+              </a:rPr>
+              <a:t>"ST# 01966 OP# 002033 TE# 20 TR# 05145"</a:t>
+            </a:r>
+            <a:r>
+              <a:rPr lang="en-US" b="0" dirty="0">
+                <a:solidFill>
+                  <a:srgbClr val="CCCCCC"/>
+                </a:solidFill>
+                <a:effectLst/>
+                <a:latin typeface="Consolas" panose="020B0609020204030204" pitchFamily="49" charset="0"/>
+              </a:rPr>
+              <a:t>,</a:t>
+            </a:r>
+          </a:p>
+          <a:p>
+            <a:pPr>
+              <a:lnSpc>
+                <a:spcPts val="1425"/>
+              </a:lnSpc>
+            </a:pPr>
+            <a:r>
+              <a:rPr lang="en-US" b="0" dirty="0">
+                <a:solidFill>
+                  <a:srgbClr val="CCCCCC"/>
+                </a:solidFill>
+                <a:effectLst/>
+                <a:latin typeface="Consolas" panose="020B0609020204030204" pitchFamily="49" charset="0"/>
+              </a:rPr>
+              <a:t>            </a:t>
+            </a:r>
+            <a:r>
+              <a:rPr lang="en-US" b="0" dirty="0">
+                <a:solidFill>
+                  <a:srgbClr val="9CDCFE"/>
+                </a:solidFill>
+                <a:effectLst/>
+                <a:latin typeface="Consolas" panose="020B0609020204030204" pitchFamily="49" charset="0"/>
+              </a:rPr>
+              <a:t>"quantity"</a:t>
+            </a:r>
+            <a:r>
+              <a:rPr lang="en-US" b="0" dirty="0">
+                <a:solidFill>
+                  <a:srgbClr val="CCCCCC"/>
+                </a:solidFill>
+                <a:effectLst/>
+                <a:latin typeface="Consolas" panose="020B0609020204030204" pitchFamily="49" charset="0"/>
+              </a:rPr>
+              <a:t>: </a:t>
+            </a:r>
+            <a:r>
+              <a:rPr lang="en-US" b="0" dirty="0">
+                <a:solidFill>
+                  <a:srgbClr val="B5CEA8"/>
+                </a:solidFill>
+                <a:effectLst/>
+                <a:latin typeface="Consolas" panose="020B0609020204030204" pitchFamily="49" charset="0"/>
+              </a:rPr>
+              <a:t>1</a:t>
+            </a:r>
+            <a:r>
+              <a:rPr lang="en-US" b="0" dirty="0">
+                <a:solidFill>
+                  <a:srgbClr val="CCCCCC"/>
+                </a:solidFill>
+                <a:effectLst/>
+                <a:latin typeface="Consolas" panose="020B0609020204030204" pitchFamily="49" charset="0"/>
+              </a:rPr>
+              <a:t>,</a:t>
+            </a:r>
+          </a:p>
+          <a:p>
+            <a:pPr>
+              <a:lnSpc>
+                <a:spcPts val="1425"/>
+              </a:lnSpc>
+            </a:pPr>
+            <a:r>
+              <a:rPr lang="en-US" b="0" dirty="0">
+                <a:solidFill>
+                  <a:srgbClr val="CCCCCC"/>
+                </a:solidFill>
+                <a:effectLst/>
+                <a:latin typeface="Consolas" panose="020B0609020204030204" pitchFamily="49" charset="0"/>
+              </a:rPr>
+              <a:t>            </a:t>
+            </a:r>
+            <a:r>
+              <a:rPr lang="en-US" b="0" dirty="0">
+                <a:solidFill>
+                  <a:srgbClr val="9CDCFE"/>
+                </a:solidFill>
+                <a:effectLst/>
+                <a:latin typeface="Consolas" panose="020B0609020204030204" pitchFamily="49" charset="0"/>
+              </a:rPr>
+              <a:t>"</a:t>
+            </a:r>
+            <a:r>
+              <a:rPr lang="en-US" b="0" dirty="0" err="1">
+                <a:solidFill>
+                  <a:srgbClr val="9CDCFE"/>
+                </a:solidFill>
+                <a:effectLst/>
+                <a:latin typeface="Consolas" panose="020B0609020204030204" pitchFamily="49" charset="0"/>
+              </a:rPr>
+              <a:t>unitprice</a:t>
+            </a:r>
+            <a:r>
+              <a:rPr lang="en-US" b="0" dirty="0">
+                <a:solidFill>
+                  <a:srgbClr val="9CDCFE"/>
+                </a:solidFill>
+                <a:effectLst/>
+                <a:latin typeface="Consolas" panose="020B0609020204030204" pitchFamily="49" charset="0"/>
+              </a:rPr>
+              <a:t>"</a:t>
+            </a:r>
+            <a:r>
+              <a:rPr lang="en-US" b="0" dirty="0">
+                <a:solidFill>
+                  <a:srgbClr val="CCCCCC"/>
+                </a:solidFill>
+                <a:effectLst/>
+                <a:latin typeface="Consolas" panose="020B0609020204030204" pitchFamily="49" charset="0"/>
+              </a:rPr>
+              <a:t>: </a:t>
+            </a:r>
+            <a:r>
+              <a:rPr lang="en-US" b="0" dirty="0">
+                <a:solidFill>
+                  <a:srgbClr val="B5CEA8"/>
+                </a:solidFill>
+                <a:effectLst/>
+                <a:latin typeface="Consolas" panose="020B0609020204030204" pitchFamily="49" charset="0"/>
+              </a:rPr>
+              <a:t>6.94</a:t>
+            </a:r>
+            <a:r>
+              <a:rPr lang="en-US" b="0" dirty="0">
+                <a:solidFill>
+                  <a:srgbClr val="CCCCCC"/>
+                </a:solidFill>
+                <a:effectLst/>
+                <a:latin typeface="Consolas" panose="020B0609020204030204" pitchFamily="49" charset="0"/>
+              </a:rPr>
+              <a:t>,</a:t>
+            </a:r>
+          </a:p>
+          <a:p>
+            <a:pPr>
+              <a:lnSpc>
+                <a:spcPts val="1425"/>
+              </a:lnSpc>
+            </a:pPr>
+            <a:r>
+              <a:rPr lang="en-US" b="0" dirty="0">
+                <a:solidFill>
+                  <a:srgbClr val="CCCCCC"/>
+                </a:solidFill>
+                <a:effectLst/>
+                <a:latin typeface="Consolas" panose="020B0609020204030204" pitchFamily="49" charset="0"/>
+              </a:rPr>
+              <a:t>            </a:t>
+            </a:r>
+            <a:r>
+              <a:rPr lang="en-US" b="0" dirty="0">
+                <a:solidFill>
+                  <a:srgbClr val="9CDCFE"/>
+                </a:solidFill>
+                <a:effectLst/>
+                <a:latin typeface="Consolas" panose="020B0609020204030204" pitchFamily="49" charset="0"/>
+              </a:rPr>
+              <a:t>"amount"</a:t>
+            </a:r>
+            <a:r>
+              <a:rPr lang="en-US" b="0" dirty="0">
+                <a:solidFill>
+                  <a:srgbClr val="CCCCCC"/>
+                </a:solidFill>
+                <a:effectLst/>
+                <a:latin typeface="Consolas" panose="020B0609020204030204" pitchFamily="49" charset="0"/>
+              </a:rPr>
+              <a:t>: </a:t>
+            </a:r>
+            <a:r>
+              <a:rPr lang="en-US" b="0" dirty="0">
+                <a:solidFill>
+                  <a:srgbClr val="B5CEA8"/>
+                </a:solidFill>
+                <a:effectLst/>
+                <a:latin typeface="Consolas" panose="020B0609020204030204" pitchFamily="49" charset="0"/>
+              </a:rPr>
+              <a:t>6.94</a:t>
+            </a:r>
+            <a:r>
+              <a:rPr lang="en-US" b="0" dirty="0">
+                <a:solidFill>
+                  <a:srgbClr val="CCCCCC"/>
+                </a:solidFill>
+                <a:effectLst/>
+                <a:latin typeface="Consolas" panose="020B0609020204030204" pitchFamily="49" charset="0"/>
+              </a:rPr>
+              <a:t>,</a:t>
+            </a:r>
+          </a:p>
+          <a:p>
+            <a:pPr>
+              <a:lnSpc>
+                <a:spcPts val="1425"/>
+              </a:lnSpc>
+            </a:pPr>
+            <a:r>
+              <a:rPr lang="en-US" b="0" dirty="0">
+                <a:solidFill>
+                  <a:srgbClr val="CCCCCC"/>
+                </a:solidFill>
+                <a:effectLst/>
+                <a:latin typeface="Consolas" panose="020B0609020204030204" pitchFamily="49" charset="0"/>
+              </a:rPr>
+              <a:t>            </a:t>
+            </a:r>
+            <a:r>
+              <a:rPr lang="en-US" b="0" dirty="0">
+                <a:solidFill>
+                  <a:srgbClr val="9CDCFE"/>
+                </a:solidFill>
+                <a:effectLst/>
+                <a:latin typeface="Consolas" panose="020B0609020204030204" pitchFamily="49" charset="0"/>
+              </a:rPr>
+              <a:t>"category"</a:t>
+            </a:r>
+            <a:r>
+              <a:rPr lang="en-US" b="0" dirty="0">
+                <a:solidFill>
+                  <a:srgbClr val="CCCCCC"/>
+                </a:solidFill>
+                <a:effectLst/>
+                <a:latin typeface="Consolas" panose="020B0609020204030204" pitchFamily="49" charset="0"/>
+              </a:rPr>
+              <a:t>: </a:t>
+            </a:r>
+            <a:r>
+              <a:rPr lang="en-US" b="0" dirty="0">
+                <a:solidFill>
+                  <a:srgbClr val="CE9178"/>
+                </a:solidFill>
+                <a:effectLst/>
+                <a:latin typeface="Consolas" panose="020B0609020204030204" pitchFamily="49" charset="0"/>
+              </a:rPr>
+              <a:t>"</a:t>
+            </a:r>
+            <a:r>
+              <a:rPr lang="en-US" b="0" dirty="0" err="1">
+                <a:solidFill>
+                  <a:srgbClr val="CE9178"/>
+                </a:solidFill>
+                <a:effectLst/>
+                <a:latin typeface="Consolas" panose="020B0609020204030204" pitchFamily="49" charset="0"/>
+              </a:rPr>
+              <a:t>misc</a:t>
+            </a:r>
+            <a:r>
+              <a:rPr lang="en-US" b="0" dirty="0">
+                <a:solidFill>
+                  <a:srgbClr val="CE9178"/>
+                </a:solidFill>
+                <a:effectLst/>
+                <a:latin typeface="Consolas" panose="020B0609020204030204" pitchFamily="49" charset="0"/>
+              </a:rPr>
+              <a:t>"</a:t>
+            </a:r>
+            <a:endParaRPr lang="en-US" b="0" dirty="0">
+              <a:solidFill>
+                <a:srgbClr val="CCCCCC"/>
+              </a:solidFill>
+              <a:effectLst/>
+              <a:latin typeface="Consolas" panose="020B0609020204030204" pitchFamily="49" charset="0"/>
+            </a:endParaRPr>
+          </a:p>
+          <a:p>
+            <a:pPr>
+              <a:lnSpc>
+                <a:spcPts val="1425"/>
+              </a:lnSpc>
+            </a:pPr>
+            <a:r>
+              <a:rPr lang="en-US" b="0" dirty="0">
+                <a:solidFill>
+                  <a:srgbClr val="CCCCCC"/>
+                </a:solidFill>
+                <a:effectLst/>
+                <a:latin typeface="Consolas" panose="020B0609020204030204" pitchFamily="49" charset="0"/>
+              </a:rPr>
+              <a:t>        }</a:t>
+            </a:r>
+          </a:p>
+          <a:p>
+            <a:pPr>
+              <a:lnSpc>
+                <a:spcPts val="1425"/>
+              </a:lnSpc>
+            </a:pPr>
+            <a:r>
+              <a:rPr lang="en-US" b="0" dirty="0">
+                <a:solidFill>
+                  <a:srgbClr val="CCCCCC"/>
+                </a:solidFill>
+                <a:effectLst/>
+                <a:latin typeface="Consolas" panose="020B0609020204030204" pitchFamily="49" charset="0"/>
+              </a:rPr>
+              <a:t>    ],</a:t>
+            </a:r>
+          </a:p>
+          <a:p>
+            <a:pPr>
+              <a:lnSpc>
+                <a:spcPts val="1425"/>
+              </a:lnSpc>
+            </a:pPr>
+            <a:r>
+              <a:rPr lang="en-US" b="0" dirty="0">
+                <a:solidFill>
+                  <a:srgbClr val="CCCCCC"/>
+                </a:solidFill>
+                <a:effectLst/>
+                <a:latin typeface="Consolas" panose="020B0609020204030204" pitchFamily="49" charset="0"/>
+              </a:rPr>
+              <a:t>    </a:t>
+            </a:r>
+            <a:r>
+              <a:rPr lang="en-US" b="0" dirty="0">
+                <a:solidFill>
+                  <a:srgbClr val="9CDCFE"/>
+                </a:solidFill>
+                <a:effectLst/>
+                <a:latin typeface="Consolas" panose="020B0609020204030204" pitchFamily="49" charset="0"/>
+              </a:rPr>
+              <a:t>"total"</a:t>
+            </a:r>
+            <a:r>
+              <a:rPr lang="en-US" b="0" dirty="0">
+                <a:solidFill>
+                  <a:srgbClr val="CCCCCC"/>
+                </a:solidFill>
+                <a:effectLst/>
+                <a:latin typeface="Consolas" panose="020B0609020204030204" pitchFamily="49" charset="0"/>
+              </a:rPr>
+              <a:t>: </a:t>
+            </a:r>
+            <a:r>
+              <a:rPr lang="en-US" b="0" dirty="0">
+                <a:solidFill>
+                  <a:srgbClr val="B5CEA8"/>
+                </a:solidFill>
+                <a:effectLst/>
+                <a:latin typeface="Consolas" panose="020B0609020204030204" pitchFamily="49" charset="0"/>
+              </a:rPr>
+              <a:t>7.43</a:t>
+            </a:r>
+            <a:endParaRPr lang="en-US" b="0" dirty="0">
+              <a:solidFill>
+                <a:srgbClr val="CCCCCC"/>
+              </a:solidFill>
+              <a:effectLst/>
+              <a:latin typeface="Consolas" panose="020B0609020204030204" pitchFamily="49" charset="0"/>
+            </a:endParaRPr>
+          </a:p>
+          <a:p>
+            <a:pPr>
+              <a:lnSpc>
+                <a:spcPts val="1425"/>
+              </a:lnSpc>
+            </a:pPr>
+            <a:r>
+              <a:rPr lang="en-US" b="0" dirty="0">
+                <a:solidFill>
+                  <a:srgbClr val="CCCCCC"/>
+                </a:solidFill>
+                <a:effectLst/>
+                <a:latin typeface="Consolas" panose="020B0609020204030204" pitchFamily="49" charset="0"/>
+              </a:rPr>
+              <a:t>}</a:t>
+            </a:r>
+          </a:p>
+          <a:p>
+            <a:endParaRPr lang="en-US" dirty="0"/>
+          </a:p>
+        </p:txBody>
+      </p:sp>
+      <p:pic>
+        <p:nvPicPr>
+          <p:cNvPr id="7" name="Content Placeholder 6">
+            <a:extLst>
+              <a:ext uri="{FF2B5EF4-FFF2-40B4-BE49-F238E27FC236}">
+                <a16:creationId xmlns:a16="http://schemas.microsoft.com/office/drawing/2014/main" id="{CED27479-4239-838F-2BE7-CB4929781528}"/>
+              </a:ext>
+            </a:extLst>
+          </p:cNvPr>
+          <p:cNvPicPr>
+            <a:picLocks noGrp="1" noChangeAspect="1"/>
+          </p:cNvPicPr>
+          <p:nvPr>
+            <p:ph sz="half" idx="2"/>
+          </p:nvPr>
+        </p:nvPicPr>
+        <p:blipFill>
+          <a:blip r:embed="rId2"/>
+          <a:stretch>
+            <a:fillRect/>
+          </a:stretch>
+        </p:blipFill>
+        <p:spPr>
+          <a:xfrm>
+            <a:off x="4618703" y="2605549"/>
+            <a:ext cx="6805340" cy="2237874"/>
+          </a:xfrm>
+        </p:spPr>
+      </p:pic>
+    </p:spTree>
+    <p:extLst>
+      <p:ext uri="{BB962C8B-B14F-4D97-AF65-F5344CB8AC3E}">
+        <p14:creationId xmlns:p14="http://schemas.microsoft.com/office/powerpoint/2010/main" val="74778697"/>
+      </p:ext>
+    </p:extLst>
+  </p:cSld>
+  <p:clrMapOvr>
+    <a:masterClrMapping/>
+  </p:clrMapOvr>
+</p:sld>
+</file>
+
+<file path=ppt/slides/slide5.xml><?xml version="1.0" encoding="utf-8"?>
+<p:sld xmlns:a="http://schemas.openxmlformats.org/drawingml/2006/main" xmlns:r="http://schemas.openxmlformats.org/officeDocument/2006/relationships" xmlns:p="http://schemas.openxmlformats.org/presentationml/2006/main">
+  <p:cSld>
+    <p:spTree>
+      <p:nvGrpSpPr>
+        <p:cNvPr id="1" name=""/>
+        <p:cNvGrpSpPr/>
+        <p:nvPr/>
+      </p:nvGrpSpPr>
+      <p:grpSpPr>
+        <a:xfrm>
+          <a:off x="0" y="0"/>
+          <a:ext cx="0" cy="0"/>
+          <a:chOff x="0" y="0"/>
+          <a:chExt cx="0" cy="0"/>
+        </a:xfrm>
+      </p:grpSpPr>
+      <p:sp>
+        <p:nvSpPr>
+          <p:cNvPr id="2" name="Title 1">
+            <a:extLst>
+              <a:ext uri="{FF2B5EF4-FFF2-40B4-BE49-F238E27FC236}">
+                <a16:creationId xmlns:a16="http://schemas.microsoft.com/office/drawing/2014/main" id="{05B5337A-3562-2B87-A8FA-E8CCBA57D2D4}"/>
+              </a:ext>
+            </a:extLst>
+          </p:cNvPr>
+          <p:cNvSpPr>
+            <a:spLocks noGrp="1"/>
+          </p:cNvSpPr>
+          <p:nvPr>
+            <p:ph type="title"/>
+          </p:nvPr>
+        </p:nvSpPr>
+        <p:spPr/>
+        <p:txBody>
+          <a:bodyPr/>
+          <a:lstStyle/>
+          <a:p>
+            <a:r>
+              <a:rPr lang="en-US" dirty="0"/>
+              <a:t>Feature Extraction using a Pretrained CV Model</a:t>
+            </a:r>
+          </a:p>
+        </p:txBody>
+      </p:sp>
+      <p:sp>
+        <p:nvSpPr>
+          <p:cNvPr id="3" name="Content Placeholder 2">
+            <a:extLst>
+              <a:ext uri="{FF2B5EF4-FFF2-40B4-BE49-F238E27FC236}">
+                <a16:creationId xmlns:a16="http://schemas.microsoft.com/office/drawing/2014/main" id="{228C738C-858B-B880-BEAB-33A82C5F6DF7}"/>
+              </a:ext>
+            </a:extLst>
+          </p:cNvPr>
+          <p:cNvSpPr>
+            <a:spLocks noGrp="1"/>
+          </p:cNvSpPr>
+          <p:nvPr>
+            <p:ph sz="half" idx="1"/>
+          </p:nvPr>
+        </p:nvSpPr>
+        <p:spPr/>
+        <p:txBody>
+          <a:bodyPr/>
+          <a:lstStyle/>
+          <a:p>
+            <a:r>
+              <a:rPr lang="en-US" dirty="0" err="1"/>
+              <a:t>Fune</a:t>
+            </a:r>
+            <a:r>
+              <a:rPr lang="en-US" dirty="0"/>
+              <a:t>-Tuning </a:t>
+            </a:r>
+            <a:r>
+              <a:rPr lang="en-US" dirty="0" err="1"/>
+              <a:t>pytorch</a:t>
+            </a:r>
+            <a:r>
+              <a:rPr lang="en-US" dirty="0"/>
+              <a:t> vision model for data extraction </a:t>
+            </a:r>
+          </a:p>
+          <a:p>
+            <a:endParaRPr lang="en-US" dirty="0"/>
+          </a:p>
+        </p:txBody>
+      </p:sp>
+      <p:sp>
+        <p:nvSpPr>
+          <p:cNvPr id="4" name="Content Placeholder 3">
+            <a:extLst>
+              <a:ext uri="{FF2B5EF4-FFF2-40B4-BE49-F238E27FC236}">
+                <a16:creationId xmlns:a16="http://schemas.microsoft.com/office/drawing/2014/main" id="{CE9DE236-53D4-8846-E005-5408603F0434}"/>
+              </a:ext>
+            </a:extLst>
+          </p:cNvPr>
+          <p:cNvSpPr>
+            <a:spLocks noGrp="1"/>
+          </p:cNvSpPr>
+          <p:nvPr>
+            <p:ph sz="half" idx="2"/>
+          </p:nvPr>
+        </p:nvSpPr>
+        <p:spPr/>
+        <p:txBody>
+          <a:bodyPr/>
+          <a:lstStyle/>
+          <a:p>
+            <a:endParaRPr lang="en-US"/>
+          </a:p>
+        </p:txBody>
+      </p:sp>
+    </p:spTree>
+    <p:extLst>
+      <p:ext uri="{BB962C8B-B14F-4D97-AF65-F5344CB8AC3E}">
+        <p14:creationId xmlns:p14="http://schemas.microsoft.com/office/powerpoint/2010/main" val="4249119227"/>
+      </p:ext>
+    </p:extLst>
+  </p:cSld>
+  <p:clrMapOvr>
+    <a:masterClrMapping/>
+  </p:clrMapOvr>
+</p:sld>
+</file>
+
+<file path=ppt/slides/slide6.xml><?xml version="1.0" encoding="utf-8"?>
+<p:sld xmlns:a="http://schemas.openxmlformats.org/drawingml/2006/main" xmlns:r="http://schemas.openxmlformats.org/officeDocument/2006/relationships" xmlns:p="http://schemas.openxmlformats.org/presentationml/2006/main">
+  <p:cSld>
+    <p:spTree>
+      <p:nvGrpSpPr>
+        <p:cNvPr id="1" name=""/>
+        <p:cNvGrpSpPr/>
+        <p:nvPr/>
+      </p:nvGrpSpPr>
+      <p:grpSpPr>
+        <a:xfrm>
+          <a:off x="0" y="0"/>
+          <a:ext cx="0" cy="0"/>
+          <a:chOff x="0" y="0"/>
+          <a:chExt cx="0" cy="0"/>
+        </a:xfrm>
+      </p:grpSpPr>
+      <p:sp>
+        <p:nvSpPr>
+          <p:cNvPr id="2" name="Title 1">
+            <a:extLst>
+              <a:ext uri="{FF2B5EF4-FFF2-40B4-BE49-F238E27FC236}">
+                <a16:creationId xmlns:a16="http://schemas.microsoft.com/office/drawing/2014/main" id="{C64741C3-BCBF-1D59-83AD-F3A9CB017B7C}"/>
+              </a:ext>
+            </a:extLst>
+          </p:cNvPr>
+          <p:cNvSpPr>
+            <a:spLocks noGrp="1"/>
+          </p:cNvSpPr>
+          <p:nvPr>
+            <p:ph type="title"/>
+          </p:nvPr>
+        </p:nvSpPr>
+        <p:spPr/>
+        <p:txBody>
+          <a:bodyPr/>
+          <a:lstStyle/>
+          <a:p>
+            <a:r>
+              <a:rPr lang="en-US" dirty="0"/>
+              <a:t>Receipt Item Classification</a:t>
+            </a:r>
+          </a:p>
+        </p:txBody>
+      </p:sp>
+      <p:sp>
+        <p:nvSpPr>
+          <p:cNvPr id="5" name="Text Placeholder 4">
+            <a:extLst>
+              <a:ext uri="{FF2B5EF4-FFF2-40B4-BE49-F238E27FC236}">
+                <a16:creationId xmlns:a16="http://schemas.microsoft.com/office/drawing/2014/main" id="{D5EDEEB8-A88E-0492-AF0C-3492C3BC7F8B}"/>
+              </a:ext>
+            </a:extLst>
+          </p:cNvPr>
+          <p:cNvSpPr>
+            <a:spLocks noGrp="1"/>
+          </p:cNvSpPr>
+          <p:nvPr>
+            <p:ph type="body" idx="1"/>
+          </p:nvPr>
+        </p:nvSpPr>
+        <p:spPr>
+          <a:xfrm>
+            <a:off x="839788" y="1681163"/>
+            <a:ext cx="9995360" cy="570424"/>
+          </a:xfrm>
+        </p:spPr>
+        <p:txBody>
+          <a:bodyPr/>
+          <a:lstStyle/>
+          <a:p>
+            <a:r>
+              <a:rPr lang="en-US" dirty="0"/>
+              <a:t>Classify receipt items into 9 categories: Produce, Dairy, Beverages , </a:t>
+            </a:r>
+            <a:r>
+              <a:rPr lang="en-US" dirty="0" err="1"/>
+              <a:t>etc</a:t>
+            </a:r>
+            <a:endParaRPr lang="en-US" dirty="0"/>
+          </a:p>
+        </p:txBody>
+      </p:sp>
+      <p:sp>
+        <p:nvSpPr>
+          <p:cNvPr id="3" name="Content Placeholder 2">
+            <a:extLst>
+              <a:ext uri="{FF2B5EF4-FFF2-40B4-BE49-F238E27FC236}">
+                <a16:creationId xmlns:a16="http://schemas.microsoft.com/office/drawing/2014/main" id="{516C654B-EEC5-A2DA-9E0E-E28C02686269}"/>
+              </a:ext>
+            </a:extLst>
+          </p:cNvPr>
+          <p:cNvSpPr>
+            <a:spLocks noGrp="1"/>
+          </p:cNvSpPr>
+          <p:nvPr>
+            <p:ph sz="half" idx="2"/>
+          </p:nvPr>
+        </p:nvSpPr>
+        <p:spPr>
+          <a:xfrm>
+            <a:off x="839788" y="2753032"/>
+            <a:ext cx="4912083" cy="3436630"/>
+          </a:xfrm>
+        </p:spPr>
+        <p:txBody>
+          <a:bodyPr/>
+          <a:lstStyle/>
+          <a:p>
+            <a:r>
+              <a:rPr lang="en-US" dirty="0"/>
+              <a:t>Logistic Regression</a:t>
+            </a:r>
+          </a:p>
+          <a:p>
+            <a:pPr marL="0" indent="0">
+              <a:buNone/>
+            </a:pPr>
+            <a:endParaRPr lang="en-US" dirty="0"/>
+          </a:p>
+          <a:p>
+            <a:pPr marL="0" indent="0">
+              <a:buNone/>
+            </a:pPr>
+            <a:r>
+              <a:rPr lang="en-US" dirty="0"/>
+              <a:t>Training Data</a:t>
+            </a:r>
+          </a:p>
+        </p:txBody>
+      </p:sp>
+      <p:sp>
+        <p:nvSpPr>
+          <p:cNvPr id="4" name="Content Placeholder 3">
+            <a:extLst>
+              <a:ext uri="{FF2B5EF4-FFF2-40B4-BE49-F238E27FC236}">
+                <a16:creationId xmlns:a16="http://schemas.microsoft.com/office/drawing/2014/main" id="{9C2F2FC8-7244-EFAE-A6DD-70A4BBACCA95}"/>
+              </a:ext>
+            </a:extLst>
+          </p:cNvPr>
+          <p:cNvSpPr>
+            <a:spLocks noGrp="1"/>
+          </p:cNvSpPr>
+          <p:nvPr>
+            <p:ph sz="quarter" idx="4"/>
+          </p:nvPr>
+        </p:nvSpPr>
+        <p:spPr>
+          <a:xfrm>
+            <a:off x="6172200" y="2753032"/>
+            <a:ext cx="5183188" cy="3436629"/>
+          </a:xfrm>
+        </p:spPr>
+        <p:txBody>
+          <a:bodyPr/>
+          <a:lstStyle/>
+          <a:p>
+            <a:r>
+              <a:rPr lang="en-US" dirty="0"/>
+              <a:t>K-nearest Neighbors </a:t>
+            </a:r>
+          </a:p>
+        </p:txBody>
+      </p:sp>
+      <p:pic>
+        <p:nvPicPr>
+          <p:cNvPr id="10" name="Picture 9">
+            <a:extLst>
+              <a:ext uri="{FF2B5EF4-FFF2-40B4-BE49-F238E27FC236}">
+                <a16:creationId xmlns:a16="http://schemas.microsoft.com/office/drawing/2014/main" id="{F7D93C47-69A1-1BCA-003C-CC90D24F3D66}"/>
+              </a:ext>
+            </a:extLst>
+          </p:cNvPr>
+          <p:cNvPicPr>
+            <a:picLocks noChangeAspect="1"/>
+          </p:cNvPicPr>
+          <p:nvPr/>
+        </p:nvPicPr>
+        <p:blipFill>
+          <a:blip r:embed="rId2"/>
+          <a:stretch>
+            <a:fillRect/>
+          </a:stretch>
+        </p:blipFill>
+        <p:spPr>
+          <a:xfrm>
+            <a:off x="1075825" y="4232514"/>
+            <a:ext cx="7068536" cy="2324424"/>
+          </a:xfrm>
+          <a:prstGeom prst="rect">
+            <a:avLst/>
+          </a:prstGeom>
+        </p:spPr>
+      </p:pic>
+    </p:spTree>
+    <p:extLst>
+      <p:ext uri="{BB962C8B-B14F-4D97-AF65-F5344CB8AC3E}">
+        <p14:creationId xmlns:p14="http://schemas.microsoft.com/office/powerpoint/2010/main" val="392741181"/>
+      </p:ext>
+    </p:extLst>
+  </p:cSld>
+  <p:clrMapOvr>
+    <a:masterClrMapping/>
+  </p:clrMapOvr>
+</p:sld>
+</file>
+
+<file path=ppt/slides/slide7.xml><?xml version="1.0" encoding="utf-8"?>
+<p:sld xmlns:a="http://schemas.openxmlformats.org/drawingml/2006/main" xmlns:r="http://schemas.openxmlformats.org/officeDocument/2006/relationships" xmlns:p="http://schemas.openxmlformats.org/presentationml/2006/main">
+  <p:cSld>
+    <p:spTree>
+      <p:nvGrpSpPr>
+        <p:cNvPr id="1" name=""/>
+        <p:cNvGrpSpPr/>
+        <p:nvPr/>
+      </p:nvGrpSpPr>
+      <p:grpSpPr>
+        <a:xfrm>
+          <a:off x="0" y="0"/>
+          <a:ext cx="0" cy="0"/>
+          <a:chOff x="0" y="0"/>
+          <a:chExt cx="0" cy="0"/>
+        </a:xfrm>
+      </p:grpSpPr>
+      <p:sp>
+        <p:nvSpPr>
+          <p:cNvPr id="2" name="Title 1">
+            <a:extLst>
+              <a:ext uri="{FF2B5EF4-FFF2-40B4-BE49-F238E27FC236}">
+                <a16:creationId xmlns:a16="http://schemas.microsoft.com/office/drawing/2014/main" id="{BD19CAFA-0FED-1A65-9205-9C9F1811E87B}"/>
+              </a:ext>
+            </a:extLst>
+          </p:cNvPr>
+          <p:cNvSpPr>
+            <a:spLocks noGrp="1"/>
+          </p:cNvSpPr>
+          <p:nvPr>
+            <p:ph type="title"/>
+          </p:nvPr>
+        </p:nvSpPr>
+        <p:spPr>
+          <a:xfrm>
+            <a:off x="839788" y="275303"/>
+            <a:ext cx="10379250" cy="1415385"/>
+          </a:xfrm>
+        </p:spPr>
+        <p:txBody>
+          <a:bodyPr>
+            <a:normAutofit/>
+          </a:bodyPr>
+          <a:lstStyle/>
+          <a:p>
+            <a:r>
+              <a:rPr lang="en-US" sz="3600" dirty="0"/>
+              <a:t>Logistic </a:t>
+            </a:r>
+            <a:r>
+              <a:rPr lang="en-US" sz="3600" dirty="0" err="1"/>
+              <a:t>Regresssion</a:t>
+            </a:r>
+            <a:r>
+              <a:rPr lang="en-US" sz="3600" dirty="0"/>
+              <a:t> NN without Text Processing</a:t>
+            </a:r>
+          </a:p>
+        </p:txBody>
+      </p:sp>
+      <p:sp>
+        <p:nvSpPr>
+          <p:cNvPr id="4" name="Content Placeholder 3">
+            <a:extLst>
+              <a:ext uri="{FF2B5EF4-FFF2-40B4-BE49-F238E27FC236}">
+                <a16:creationId xmlns:a16="http://schemas.microsoft.com/office/drawing/2014/main" id="{AEF680F1-A137-2606-2A99-689C177A204F}"/>
+              </a:ext>
+            </a:extLst>
+          </p:cNvPr>
+          <p:cNvSpPr>
+            <a:spLocks noGrp="1"/>
+          </p:cNvSpPr>
+          <p:nvPr>
+            <p:ph sz="half" idx="2"/>
+          </p:nvPr>
+        </p:nvSpPr>
+        <p:spPr>
+          <a:xfrm>
+            <a:off x="839788" y="1690688"/>
+            <a:ext cx="5157787" cy="4498975"/>
+          </a:xfrm>
+        </p:spPr>
+        <p:txBody>
+          <a:bodyPr>
+            <a:normAutofit lnSpcReduction="10000"/>
+          </a:bodyPr>
+          <a:lstStyle/>
+          <a:p>
+            <a:pPr marL="0" indent="0">
+              <a:buNone/>
+            </a:pPr>
+            <a:r>
+              <a:rPr lang="en-US" b="1" dirty="0"/>
+              <a:t>Model Description </a:t>
+            </a:r>
+          </a:p>
+          <a:p>
+            <a:r>
+              <a:rPr lang="en-US" dirty="0"/>
+              <a:t>No. of Hidden Layers: 64</a:t>
+            </a:r>
+          </a:p>
+          <a:p>
+            <a:r>
+              <a:rPr lang="en-US" dirty="0"/>
+              <a:t>Learning Rate: 0.01</a:t>
+            </a:r>
+          </a:p>
+          <a:p>
+            <a:r>
+              <a:rPr lang="en-US" dirty="0"/>
+              <a:t>No of Epochs: 100</a:t>
+            </a:r>
+          </a:p>
+          <a:p>
+            <a:pPr marL="0" indent="0">
+              <a:buNone/>
+            </a:pPr>
+            <a:endParaRPr lang="en-US" dirty="0"/>
+          </a:p>
+          <a:p>
+            <a:pPr marL="0" indent="0">
+              <a:buNone/>
+            </a:pPr>
+            <a:r>
+              <a:rPr lang="en-US" b="1" dirty="0"/>
+              <a:t>Performance</a:t>
+            </a:r>
+          </a:p>
+          <a:p>
+            <a:pPr marL="0" indent="0">
+              <a:buNone/>
+            </a:pPr>
+            <a:r>
+              <a:rPr lang="en-US" dirty="0"/>
+              <a:t>Accuracy: 40%</a:t>
+            </a:r>
+          </a:p>
+          <a:p>
+            <a:pPr marL="0" indent="0">
+              <a:buNone/>
+            </a:pPr>
+            <a:r>
+              <a:rPr lang="en-US" dirty="0"/>
+              <a:t>Precision:</a:t>
+            </a:r>
+          </a:p>
+          <a:p>
+            <a:pPr marL="0" indent="0">
+              <a:buNone/>
+            </a:pPr>
+            <a:r>
+              <a:rPr lang="en-US" dirty="0"/>
+              <a:t>Recall: </a:t>
+            </a:r>
+          </a:p>
+        </p:txBody>
+      </p:sp>
+      <p:pic>
+        <p:nvPicPr>
+          <p:cNvPr id="10" name="Content Placeholder 9">
+            <a:extLst>
+              <a:ext uri="{FF2B5EF4-FFF2-40B4-BE49-F238E27FC236}">
+                <a16:creationId xmlns:a16="http://schemas.microsoft.com/office/drawing/2014/main" id="{4B2F3F62-8785-3EF3-9DFF-843AFDF34A77}"/>
+              </a:ext>
+            </a:extLst>
+          </p:cNvPr>
+          <p:cNvPicPr>
+            <a:picLocks noGrp="1" noChangeAspect="1"/>
+          </p:cNvPicPr>
+          <p:nvPr>
+            <p:ph sz="quarter" idx="4"/>
+          </p:nvPr>
+        </p:nvPicPr>
+        <p:blipFill>
+          <a:blip r:embed="rId2"/>
+          <a:stretch>
+            <a:fillRect/>
+          </a:stretch>
+        </p:blipFill>
+        <p:spPr>
+          <a:xfrm>
+            <a:off x="6308550" y="2123768"/>
+            <a:ext cx="5418660" cy="4065895"/>
+          </a:xfrm>
+        </p:spPr>
+      </p:pic>
+    </p:spTree>
+    <p:extLst>
+      <p:ext uri="{BB962C8B-B14F-4D97-AF65-F5344CB8AC3E}">
+        <p14:creationId xmlns:p14="http://schemas.microsoft.com/office/powerpoint/2010/main" val="2650955776"/>
+      </p:ext>
+    </p:extLst>
+  </p:cSld>
+  <p:clrMapOvr>
+    <a:masterClrMapping/>
+  </p:clrMapOvr>
+</p:sld>
+</file>
+
+<file path=ppt/slides/slide8.xml><?xml version="1.0" encoding="utf-8"?>
+<p:sld xmlns:a="http://schemas.openxmlformats.org/drawingml/2006/main" xmlns:r="http://schemas.openxmlformats.org/officeDocument/2006/relationships" xmlns:p="http://schemas.openxmlformats.org/presentationml/2006/main">
+  <p:cSld>
+    <p:spTree>
+      <p:nvGrpSpPr>
+        <p:cNvPr id="1" name=""/>
+        <p:cNvGrpSpPr/>
+        <p:nvPr/>
+      </p:nvGrpSpPr>
+      <p:grpSpPr>
+        <a:xfrm>
+          <a:off x="0" y="0"/>
+          <a:ext cx="0" cy="0"/>
+          <a:chOff x="0" y="0"/>
+          <a:chExt cx="0" cy="0"/>
+        </a:xfrm>
+      </p:grpSpPr>
+      <p:sp>
+        <p:nvSpPr>
+          <p:cNvPr id="2" name="Title 1">
+            <a:extLst>
+              <a:ext uri="{FF2B5EF4-FFF2-40B4-BE49-F238E27FC236}">
+                <a16:creationId xmlns:a16="http://schemas.microsoft.com/office/drawing/2014/main" id="{66C0D1E2-56AE-89FC-33AB-907CFC436B65}"/>
+              </a:ext>
+            </a:extLst>
+          </p:cNvPr>
+          <p:cNvSpPr>
+            <a:spLocks noGrp="1"/>
+          </p:cNvSpPr>
+          <p:nvPr>
+            <p:ph type="title"/>
+          </p:nvPr>
+        </p:nvSpPr>
+        <p:spPr/>
+        <p:txBody>
+          <a:bodyPr/>
+          <a:lstStyle/>
+          <a:p>
+            <a:r>
+              <a:rPr lang="en-US" dirty="0"/>
+              <a:t>Classification With K-NN Algorithm</a:t>
+            </a:r>
+          </a:p>
+        </p:txBody>
+      </p:sp>
+      <p:sp>
+        <p:nvSpPr>
+          <p:cNvPr id="3" name="Text Placeholder 2">
+            <a:extLst>
+              <a:ext uri="{FF2B5EF4-FFF2-40B4-BE49-F238E27FC236}">
+                <a16:creationId xmlns:a16="http://schemas.microsoft.com/office/drawing/2014/main" id="{344DFDBC-A4F3-4091-7F7F-ADBD61DDBA16}"/>
+              </a:ext>
+            </a:extLst>
+          </p:cNvPr>
+          <p:cNvSpPr>
+            <a:spLocks noGrp="1"/>
+          </p:cNvSpPr>
+          <p:nvPr>
+            <p:ph type="body" idx="1"/>
+          </p:nvPr>
+        </p:nvSpPr>
+        <p:spPr/>
+        <p:txBody>
+          <a:bodyPr/>
+          <a:lstStyle/>
+          <a:p>
+            <a:endParaRPr lang="en-US"/>
+          </a:p>
+        </p:txBody>
+      </p:sp>
+      <p:sp>
+        <p:nvSpPr>
+          <p:cNvPr id="4" name="Content Placeholder 3">
+            <a:extLst>
+              <a:ext uri="{FF2B5EF4-FFF2-40B4-BE49-F238E27FC236}">
+                <a16:creationId xmlns:a16="http://schemas.microsoft.com/office/drawing/2014/main" id="{AF262310-4A24-DC63-DF4D-AD61CF2F5EAD}"/>
+              </a:ext>
+            </a:extLst>
+          </p:cNvPr>
+          <p:cNvSpPr>
+            <a:spLocks noGrp="1"/>
+          </p:cNvSpPr>
+          <p:nvPr>
+            <p:ph sz="half" idx="2"/>
+          </p:nvPr>
+        </p:nvSpPr>
+        <p:spPr/>
+        <p:txBody>
+          <a:bodyPr/>
+          <a:lstStyle/>
+          <a:p>
+            <a:endParaRPr lang="en-US" dirty="0"/>
+          </a:p>
+        </p:txBody>
+      </p:sp>
+      <p:sp>
+        <p:nvSpPr>
+          <p:cNvPr id="5" name="Text Placeholder 4">
+            <a:extLst>
+              <a:ext uri="{FF2B5EF4-FFF2-40B4-BE49-F238E27FC236}">
+                <a16:creationId xmlns:a16="http://schemas.microsoft.com/office/drawing/2014/main" id="{709175DE-7E6E-1D18-D740-60DE976C2C10}"/>
+              </a:ext>
+            </a:extLst>
+          </p:cNvPr>
+          <p:cNvSpPr>
+            <a:spLocks noGrp="1"/>
+          </p:cNvSpPr>
+          <p:nvPr>
+            <p:ph type="body" sz="quarter" idx="3"/>
+          </p:nvPr>
+        </p:nvSpPr>
+        <p:spPr/>
+        <p:txBody>
+          <a:bodyPr/>
+          <a:lstStyle/>
+          <a:p>
+            <a:endParaRPr lang="en-US"/>
+          </a:p>
+        </p:txBody>
+      </p:sp>
+      <p:sp>
+        <p:nvSpPr>
+          <p:cNvPr id="6" name="Content Placeholder 5">
+            <a:extLst>
+              <a:ext uri="{FF2B5EF4-FFF2-40B4-BE49-F238E27FC236}">
+                <a16:creationId xmlns:a16="http://schemas.microsoft.com/office/drawing/2014/main" id="{A48B14A8-574C-8D58-24AF-00A85833729F}"/>
+              </a:ext>
+            </a:extLst>
+          </p:cNvPr>
+          <p:cNvSpPr>
+            <a:spLocks noGrp="1"/>
+          </p:cNvSpPr>
+          <p:nvPr>
+            <p:ph sz="quarter" idx="4"/>
+          </p:nvPr>
+        </p:nvSpPr>
+        <p:spPr/>
+        <p:txBody>
+          <a:bodyPr/>
+          <a:lstStyle/>
+          <a:p>
+            <a:endParaRPr lang="en-US"/>
+          </a:p>
+        </p:txBody>
+      </p:sp>
+    </p:spTree>
+    <p:extLst>
+      <p:ext uri="{BB962C8B-B14F-4D97-AF65-F5344CB8AC3E}">
+        <p14:creationId xmlns:p14="http://schemas.microsoft.com/office/powerpoint/2010/main" val="497266998"/>
+      </p:ext>
+    </p:extLst>
+  </p:cSld>
+  <p:clrMapOvr>
+    <a:masterClrMapping/>
+  </p:clrMapOvr>
+</p:sld>
+</file>
+
+<file path=ppt/slides/slide9.xml><?xml version="1.0" encoding="utf-8"?>
+<p:sld xmlns:a="http://schemas.openxmlformats.org/drawingml/2006/main" xmlns:r="http://schemas.openxmlformats.org/officeDocument/2006/relationships" xmlns:p="http://schemas.openxmlformats.org/presentationml/2006/main">
+  <p:cSld>
+    <p:spTree>
+      <p:nvGrpSpPr>
+        <p:cNvPr id="1" name=""/>
+        <p:cNvGrpSpPr/>
+        <p:nvPr/>
+      </p:nvGrpSpPr>
+      <p:grpSpPr>
+        <a:xfrm>
+          <a:off x="0" y="0"/>
+          <a:ext cx="0" cy="0"/>
+          <a:chOff x="0" y="0"/>
+          <a:chExt cx="0" cy="0"/>
+        </a:xfrm>
+      </p:grpSpPr>
+      <p:sp>
+        <p:nvSpPr>
+          <p:cNvPr id="2" name="Title 1">
+            <a:extLst>
+              <a:ext uri="{FF2B5EF4-FFF2-40B4-BE49-F238E27FC236}">
+                <a16:creationId xmlns:a16="http://schemas.microsoft.com/office/drawing/2014/main" id="{E2FB605B-5887-6C82-A942-1F8238CBDF9F}"/>
+              </a:ext>
+            </a:extLst>
+          </p:cNvPr>
+          <p:cNvSpPr>
+            <a:spLocks noGrp="1"/>
+          </p:cNvSpPr>
+          <p:nvPr>
+            <p:ph type="title"/>
+          </p:nvPr>
+        </p:nvSpPr>
+        <p:spPr/>
+        <p:txBody>
+          <a:bodyPr/>
+          <a:lstStyle/>
+          <a:p>
+            <a:r>
+              <a:rPr lang="en-US" dirty="0"/>
+              <a:t>Finding Similar Items with K-means Clustering</a:t>
+            </a:r>
+          </a:p>
+        </p:txBody>
+      </p:sp>
+      <p:sp>
+        <p:nvSpPr>
+          <p:cNvPr id="3" name="Content Placeholder 2">
+            <a:extLst>
+              <a:ext uri="{FF2B5EF4-FFF2-40B4-BE49-F238E27FC236}">
+                <a16:creationId xmlns:a16="http://schemas.microsoft.com/office/drawing/2014/main" id="{847FC3E3-D025-5925-9045-EF71912315EF}"/>
+              </a:ext>
+            </a:extLst>
+          </p:cNvPr>
+          <p:cNvSpPr>
+            <a:spLocks noGrp="1"/>
+          </p:cNvSpPr>
+          <p:nvPr>
+            <p:ph sz="half" idx="1"/>
+          </p:nvPr>
+        </p:nvSpPr>
+        <p:spPr/>
+        <p:txBody>
+          <a:bodyPr/>
+          <a:lstStyle/>
+          <a:p>
+            <a:endParaRPr lang="en-US" dirty="0"/>
+          </a:p>
+        </p:txBody>
+      </p:sp>
+      <p:sp>
+        <p:nvSpPr>
+          <p:cNvPr id="4" name="Content Placeholder 3">
+            <a:extLst>
+              <a:ext uri="{FF2B5EF4-FFF2-40B4-BE49-F238E27FC236}">
+                <a16:creationId xmlns:a16="http://schemas.microsoft.com/office/drawing/2014/main" id="{B307F09C-C945-57C5-C499-6CD29DD774E1}"/>
+              </a:ext>
+            </a:extLst>
+          </p:cNvPr>
+          <p:cNvSpPr>
+            <a:spLocks noGrp="1"/>
+          </p:cNvSpPr>
+          <p:nvPr>
+            <p:ph sz="half" idx="2"/>
+          </p:nvPr>
+        </p:nvSpPr>
+        <p:spPr/>
+        <p:txBody>
+          <a:bodyPr/>
+          <a:lstStyle/>
+          <a:p>
+            <a:endParaRPr lang="en-US"/>
+          </a:p>
+        </p:txBody>
+      </p:sp>
+    </p:spTree>
+    <p:extLst>
+      <p:ext uri="{BB962C8B-B14F-4D97-AF65-F5344CB8AC3E}">
+        <p14:creationId xmlns:p14="http://schemas.microsoft.com/office/powerpoint/2010/main" val="2492020109"/>
       </p:ext>
     </p:extLst>
   </p:cSld>

--- a/Receipt_Images_Processing.pptx
+++ b/Receipt_Images_Processing.pptx
@@ -112,6 +112,11 @@
       </a:defRPr>
     </a:lvl9pPr>
   </p:defaultTextStyle>
+  <p:extLst>
+    <p:ext uri="{EFAFB233-063F-42B5-8137-9DF3F51BA10A}">
+      <p15:sldGuideLst xmlns:p15="http://schemas.microsoft.com/office/powerpoint/2012/main"/>
+    </p:ext>
+  </p:extLst>
 </p:presentation>
 </file>
 
@@ -262,7 +267,7 @@
           <a:p>
             <a:fld id="{084BA2CE-A671-4136-BECD-053B2241B2EC}" type="datetimeFigureOut">
               <a:rPr lang="en-US" smtClean="0"/>
-              <a:t>12/16/2024</a:t>
+              <a:t>12/17/2024</a:t>
             </a:fld>
             <a:endParaRPr lang="en-US"/>
           </a:p>
@@ -460,7 +465,7 @@
           <a:p>
             <a:fld id="{084BA2CE-A671-4136-BECD-053B2241B2EC}" type="datetimeFigureOut">
               <a:rPr lang="en-US" smtClean="0"/>
-              <a:t>12/16/2024</a:t>
+              <a:t>12/17/2024</a:t>
             </a:fld>
             <a:endParaRPr lang="en-US"/>
           </a:p>
@@ -668,7 +673,7 @@
           <a:p>
             <a:fld id="{084BA2CE-A671-4136-BECD-053B2241B2EC}" type="datetimeFigureOut">
               <a:rPr lang="en-US" smtClean="0"/>
-              <a:t>12/16/2024</a:t>
+              <a:t>12/17/2024</a:t>
             </a:fld>
             <a:endParaRPr lang="en-US"/>
           </a:p>
@@ -866,7 +871,7 @@
           <a:p>
             <a:fld id="{084BA2CE-A671-4136-BECD-053B2241B2EC}" type="datetimeFigureOut">
               <a:rPr lang="en-US" smtClean="0"/>
-              <a:t>12/16/2024</a:t>
+              <a:t>12/17/2024</a:t>
             </a:fld>
             <a:endParaRPr lang="en-US"/>
           </a:p>
@@ -1141,7 +1146,7 @@
           <a:p>
             <a:fld id="{084BA2CE-A671-4136-BECD-053B2241B2EC}" type="datetimeFigureOut">
               <a:rPr lang="en-US" smtClean="0"/>
-              <a:t>12/16/2024</a:t>
+              <a:t>12/17/2024</a:t>
             </a:fld>
             <a:endParaRPr lang="en-US"/>
           </a:p>
@@ -1406,7 +1411,7 @@
           <a:p>
             <a:fld id="{084BA2CE-A671-4136-BECD-053B2241B2EC}" type="datetimeFigureOut">
               <a:rPr lang="en-US" smtClean="0"/>
-              <a:t>12/16/2024</a:t>
+              <a:t>12/17/2024</a:t>
             </a:fld>
             <a:endParaRPr lang="en-US"/>
           </a:p>
@@ -1818,7 +1823,7 @@
           <a:p>
             <a:fld id="{084BA2CE-A671-4136-BECD-053B2241B2EC}" type="datetimeFigureOut">
               <a:rPr lang="en-US" smtClean="0"/>
-              <a:t>12/16/2024</a:t>
+              <a:t>12/17/2024</a:t>
             </a:fld>
             <a:endParaRPr lang="en-US"/>
           </a:p>
@@ -1959,7 +1964,7 @@
           <a:p>
             <a:fld id="{084BA2CE-A671-4136-BECD-053B2241B2EC}" type="datetimeFigureOut">
               <a:rPr lang="en-US" smtClean="0"/>
-              <a:t>12/16/2024</a:t>
+              <a:t>12/17/2024</a:t>
             </a:fld>
             <a:endParaRPr lang="en-US"/>
           </a:p>
@@ -2072,7 +2077,7 @@
           <a:p>
             <a:fld id="{084BA2CE-A671-4136-BECD-053B2241B2EC}" type="datetimeFigureOut">
               <a:rPr lang="en-US" smtClean="0"/>
-              <a:t>12/16/2024</a:t>
+              <a:t>12/17/2024</a:t>
             </a:fld>
             <a:endParaRPr lang="en-US"/>
           </a:p>
@@ -2383,7 +2388,7 @@
           <a:p>
             <a:fld id="{084BA2CE-A671-4136-BECD-053B2241B2EC}" type="datetimeFigureOut">
               <a:rPr lang="en-US" smtClean="0"/>
-              <a:t>12/16/2024</a:t>
+              <a:t>12/17/2024</a:t>
             </a:fld>
             <a:endParaRPr lang="en-US"/>
           </a:p>
@@ -2671,7 +2676,7 @@
           <a:p>
             <a:fld id="{084BA2CE-A671-4136-BECD-053B2241B2EC}" type="datetimeFigureOut">
               <a:rPr lang="en-US" smtClean="0"/>
-              <a:t>12/16/2024</a:t>
+              <a:t>12/17/2024</a:t>
             </a:fld>
             <a:endParaRPr lang="en-US"/>
           </a:p>
@@ -2912,7 +2917,7 @@
           <a:p>
             <a:fld id="{084BA2CE-A671-4136-BECD-053B2241B2EC}" type="datetimeFigureOut">
               <a:rPr lang="en-US" smtClean="0"/>
-              <a:t>12/16/2024</a:t>
+              <a:t>12/17/2024</a:t>
             </a:fld>
             <a:endParaRPr lang="en-US"/>
           </a:p>
@@ -3352,7 +3357,7 @@
           <a:p>
             <a:r>
               <a:rPr lang="en-US" dirty="0"/>
-              <a:t>Receipt Data Extraction and Classification</a:t>
+              <a:t>Receipt Data Extraction and Item Classification</a:t>
             </a:r>
           </a:p>
         </p:txBody>
@@ -3483,7 +3488,7 @@
             </a:pPr>
             <a:r>
               <a:rPr lang="en-US" dirty="0"/>
-              <a:t>Data Extraction with Vision </a:t>
+              <a:t>Data Extraction</a:t>
             </a:r>
           </a:p>
           <a:p>
@@ -3492,7 +3497,7 @@
             </a:pPr>
             <a:r>
               <a:rPr lang="en-US" dirty="0"/>
-              <a:t>Receipt Items Classification (K-NN &amp; NN)</a:t>
+              <a:t>Receipt Items Classification </a:t>
             </a:r>
           </a:p>
           <a:p>
@@ -3501,7 +3506,7 @@
             </a:pPr>
             <a:r>
               <a:rPr lang="en-US" dirty="0"/>
-              <a:t>Finding similar Items using K-means clustering</a:t>
+              <a:t>Finding similar Items</a:t>
             </a:r>
           </a:p>
         </p:txBody>

--- a/Receipt_Images_Processing.pptx
+++ b/Receipt_Images_Processing.pptx
@@ -7,13 +7,17 @@
   <p:sldIdLst>
     <p:sldId id="259" r:id="rId2"/>
     <p:sldId id="256" r:id="rId3"/>
-    <p:sldId id="257" r:id="rId4"/>
-    <p:sldId id="258" r:id="rId5"/>
-    <p:sldId id="260" r:id="rId6"/>
-    <p:sldId id="261" r:id="rId7"/>
-    <p:sldId id="263" r:id="rId8"/>
-    <p:sldId id="264" r:id="rId9"/>
-    <p:sldId id="262" r:id="rId10"/>
+    <p:sldId id="267" r:id="rId4"/>
+    <p:sldId id="257" r:id="rId5"/>
+    <p:sldId id="258" r:id="rId6"/>
+    <p:sldId id="265" r:id="rId7"/>
+    <p:sldId id="260" r:id="rId8"/>
+    <p:sldId id="268" r:id="rId9"/>
+    <p:sldId id="261" r:id="rId10"/>
+    <p:sldId id="264" r:id="rId11"/>
+    <p:sldId id="269" r:id="rId12"/>
+    <p:sldId id="262" r:id="rId13"/>
+    <p:sldId id="266" r:id="rId14"/>
   </p:sldIdLst>
   <p:sldSz cx="12192000" cy="6858000"/>
   <p:notesSz cx="6858000" cy="9144000"/>
@@ -267,7 +271,7 @@
           <a:p>
             <a:fld id="{084BA2CE-A671-4136-BECD-053B2241B2EC}" type="datetimeFigureOut">
               <a:rPr lang="en-US" smtClean="0"/>
-              <a:t>12/17/2024</a:t>
+              <a:t>1/5/2025</a:t>
             </a:fld>
             <a:endParaRPr lang="en-US"/>
           </a:p>
@@ -465,7 +469,7 @@
           <a:p>
             <a:fld id="{084BA2CE-A671-4136-BECD-053B2241B2EC}" type="datetimeFigureOut">
               <a:rPr lang="en-US" smtClean="0"/>
-              <a:t>12/17/2024</a:t>
+              <a:t>1/5/2025</a:t>
             </a:fld>
             <a:endParaRPr lang="en-US"/>
           </a:p>
@@ -673,7 +677,7 @@
           <a:p>
             <a:fld id="{084BA2CE-A671-4136-BECD-053B2241B2EC}" type="datetimeFigureOut">
               <a:rPr lang="en-US" smtClean="0"/>
-              <a:t>12/17/2024</a:t>
+              <a:t>1/5/2025</a:t>
             </a:fld>
             <a:endParaRPr lang="en-US"/>
           </a:p>
@@ -871,7 +875,7 @@
           <a:p>
             <a:fld id="{084BA2CE-A671-4136-BECD-053B2241B2EC}" type="datetimeFigureOut">
               <a:rPr lang="en-US" smtClean="0"/>
-              <a:t>12/17/2024</a:t>
+              <a:t>1/5/2025</a:t>
             </a:fld>
             <a:endParaRPr lang="en-US"/>
           </a:p>
@@ -1146,7 +1150,7 @@
           <a:p>
             <a:fld id="{084BA2CE-A671-4136-BECD-053B2241B2EC}" type="datetimeFigureOut">
               <a:rPr lang="en-US" smtClean="0"/>
-              <a:t>12/17/2024</a:t>
+              <a:t>1/5/2025</a:t>
             </a:fld>
             <a:endParaRPr lang="en-US"/>
           </a:p>
@@ -1411,7 +1415,7 @@
           <a:p>
             <a:fld id="{084BA2CE-A671-4136-BECD-053B2241B2EC}" type="datetimeFigureOut">
               <a:rPr lang="en-US" smtClean="0"/>
-              <a:t>12/17/2024</a:t>
+              <a:t>1/5/2025</a:t>
             </a:fld>
             <a:endParaRPr lang="en-US"/>
           </a:p>
@@ -1823,7 +1827,7 @@
           <a:p>
             <a:fld id="{084BA2CE-A671-4136-BECD-053B2241B2EC}" type="datetimeFigureOut">
               <a:rPr lang="en-US" smtClean="0"/>
-              <a:t>12/17/2024</a:t>
+              <a:t>1/5/2025</a:t>
             </a:fld>
             <a:endParaRPr lang="en-US"/>
           </a:p>
@@ -1964,7 +1968,7 @@
           <a:p>
             <a:fld id="{084BA2CE-A671-4136-BECD-053B2241B2EC}" type="datetimeFigureOut">
               <a:rPr lang="en-US" smtClean="0"/>
-              <a:t>12/17/2024</a:t>
+              <a:t>1/5/2025</a:t>
             </a:fld>
             <a:endParaRPr lang="en-US"/>
           </a:p>
@@ -2077,7 +2081,7 @@
           <a:p>
             <a:fld id="{084BA2CE-A671-4136-BECD-053B2241B2EC}" type="datetimeFigureOut">
               <a:rPr lang="en-US" smtClean="0"/>
-              <a:t>12/17/2024</a:t>
+              <a:t>1/5/2025</a:t>
             </a:fld>
             <a:endParaRPr lang="en-US"/>
           </a:p>
@@ -2388,7 +2392,7 @@
           <a:p>
             <a:fld id="{084BA2CE-A671-4136-BECD-053B2241B2EC}" type="datetimeFigureOut">
               <a:rPr lang="en-US" smtClean="0"/>
-              <a:t>12/17/2024</a:t>
+              <a:t>1/5/2025</a:t>
             </a:fld>
             <a:endParaRPr lang="en-US"/>
           </a:p>
@@ -2676,7 +2680,7 @@
           <a:p>
             <a:fld id="{084BA2CE-A671-4136-BECD-053B2241B2EC}" type="datetimeFigureOut">
               <a:rPr lang="en-US" smtClean="0"/>
-              <a:t>12/17/2024</a:t>
+              <a:t>1/5/2025</a:t>
             </a:fld>
             <a:endParaRPr lang="en-US"/>
           </a:p>
@@ -2917,7 +2921,7 @@
           <a:p>
             <a:fld id="{084BA2CE-A671-4136-BECD-053B2241B2EC}" type="datetimeFigureOut">
               <a:rPr lang="en-US" smtClean="0"/>
-              <a:t>12/17/2024</a:t>
+              <a:t>1/5/2025</a:t>
             </a:fld>
             <a:endParaRPr lang="en-US"/>
           </a:p>
@@ -3403,6 +3407,634 @@
 </p:sld>
 </file>
 
+<file path=ppt/slides/slide10.xml><?xml version="1.0" encoding="utf-8"?>
+<p:sld xmlns:a="http://schemas.openxmlformats.org/drawingml/2006/main" xmlns:r="http://schemas.openxmlformats.org/officeDocument/2006/relationships" xmlns:p="http://schemas.openxmlformats.org/presentationml/2006/main">
+  <p:cSld>
+    <p:spTree>
+      <p:nvGrpSpPr>
+        <p:cNvPr id="1" name=""/>
+        <p:cNvGrpSpPr/>
+        <p:nvPr/>
+      </p:nvGrpSpPr>
+      <p:grpSpPr>
+        <a:xfrm>
+          <a:off x="0" y="0"/>
+          <a:ext cx="0" cy="0"/>
+          <a:chOff x="0" y="0"/>
+          <a:chExt cx="0" cy="0"/>
+        </a:xfrm>
+      </p:grpSpPr>
+      <p:sp>
+        <p:nvSpPr>
+          <p:cNvPr id="2" name="Title 1">
+            <a:extLst>
+              <a:ext uri="{FF2B5EF4-FFF2-40B4-BE49-F238E27FC236}">
+                <a16:creationId xmlns:a16="http://schemas.microsoft.com/office/drawing/2014/main" id="{66C0D1E2-56AE-89FC-33AB-907CFC436B65}"/>
+              </a:ext>
+            </a:extLst>
+          </p:cNvPr>
+          <p:cNvSpPr>
+            <a:spLocks noGrp="1"/>
+          </p:cNvSpPr>
+          <p:nvPr>
+            <p:ph type="title"/>
+          </p:nvPr>
+        </p:nvSpPr>
+        <p:spPr/>
+        <p:txBody>
+          <a:bodyPr/>
+          <a:lstStyle/>
+          <a:p>
+            <a:r>
+              <a:rPr lang="en-US" dirty="0"/>
+              <a:t>Classification With K-NN Algorithm</a:t>
+            </a:r>
+          </a:p>
+        </p:txBody>
+      </p:sp>
+      <p:sp>
+        <p:nvSpPr>
+          <p:cNvPr id="3" name="Text Placeholder 2">
+            <a:extLst>
+              <a:ext uri="{FF2B5EF4-FFF2-40B4-BE49-F238E27FC236}">
+                <a16:creationId xmlns:a16="http://schemas.microsoft.com/office/drawing/2014/main" id="{344DFDBC-A4F3-4091-7F7F-ADBD61DDBA16}"/>
+              </a:ext>
+            </a:extLst>
+          </p:cNvPr>
+          <p:cNvSpPr>
+            <a:spLocks noGrp="1"/>
+          </p:cNvSpPr>
+          <p:nvPr>
+            <p:ph type="body" idx="1"/>
+          </p:nvPr>
+        </p:nvSpPr>
+        <p:spPr>
+          <a:xfrm>
+            <a:off x="839789" y="1858297"/>
+            <a:ext cx="4912784" cy="646778"/>
+          </a:xfrm>
+        </p:spPr>
+        <p:txBody>
+          <a:bodyPr/>
+          <a:lstStyle/>
+          <a:p>
+            <a:r>
+              <a:rPr lang="en-US" dirty="0"/>
+              <a:t>Optimal K: 5 Neighbors</a:t>
+            </a:r>
+          </a:p>
+        </p:txBody>
+      </p:sp>
+      <p:sp>
+        <p:nvSpPr>
+          <p:cNvPr id="5" name="Text Placeholder 4">
+            <a:extLst>
+              <a:ext uri="{FF2B5EF4-FFF2-40B4-BE49-F238E27FC236}">
+                <a16:creationId xmlns:a16="http://schemas.microsoft.com/office/drawing/2014/main" id="{709175DE-7E6E-1D18-D740-60DE976C2C10}"/>
+              </a:ext>
+            </a:extLst>
+          </p:cNvPr>
+          <p:cNvSpPr>
+            <a:spLocks noGrp="1"/>
+          </p:cNvSpPr>
+          <p:nvPr>
+            <p:ph type="body" sz="quarter" idx="3"/>
+          </p:nvPr>
+        </p:nvSpPr>
+        <p:spPr/>
+        <p:txBody>
+          <a:bodyPr/>
+          <a:lstStyle/>
+          <a:p>
+            <a:r>
+              <a:rPr lang="en-US" dirty="0"/>
+              <a:t>Results on Test Data</a:t>
+            </a:r>
+          </a:p>
+        </p:txBody>
+      </p:sp>
+      <p:sp>
+        <p:nvSpPr>
+          <p:cNvPr id="6" name="Content Placeholder 5">
+            <a:extLst>
+              <a:ext uri="{FF2B5EF4-FFF2-40B4-BE49-F238E27FC236}">
+                <a16:creationId xmlns:a16="http://schemas.microsoft.com/office/drawing/2014/main" id="{A48B14A8-574C-8D58-24AF-00A85833729F}"/>
+              </a:ext>
+            </a:extLst>
+          </p:cNvPr>
+          <p:cNvSpPr>
+            <a:spLocks noGrp="1"/>
+          </p:cNvSpPr>
+          <p:nvPr>
+            <p:ph sz="quarter" idx="4"/>
+          </p:nvPr>
+        </p:nvSpPr>
+        <p:spPr>
+          <a:xfrm>
+            <a:off x="6243484" y="2672683"/>
+            <a:ext cx="5111904" cy="3516979"/>
+          </a:xfrm>
+        </p:spPr>
+        <p:txBody>
+          <a:bodyPr>
+            <a:normAutofit/>
+          </a:bodyPr>
+          <a:lstStyle/>
+          <a:p>
+            <a:r>
+              <a:rPr lang="en-US" dirty="0"/>
+              <a:t>Accuracy: 55.6 %</a:t>
+            </a:r>
+          </a:p>
+          <a:p>
+            <a:r>
+              <a:rPr lang="en-US" dirty="0"/>
+              <a:t>Precision: 59.6% %</a:t>
+            </a:r>
+          </a:p>
+          <a:p>
+            <a:r>
+              <a:rPr lang="en-US" dirty="0"/>
+              <a:t>Recall: 55.6 %</a:t>
+            </a:r>
+          </a:p>
+          <a:p>
+            <a:r>
+              <a:rPr lang="en-US" dirty="0"/>
+              <a:t>F1-Score: 54.24 %</a:t>
+            </a:r>
+          </a:p>
+        </p:txBody>
+      </p:sp>
+      <p:pic>
+        <p:nvPicPr>
+          <p:cNvPr id="2050" name="Picture 2">
+            <a:extLst>
+              <a:ext uri="{FF2B5EF4-FFF2-40B4-BE49-F238E27FC236}">
+                <a16:creationId xmlns:a16="http://schemas.microsoft.com/office/drawing/2014/main" id="{05ED0A98-D632-9929-8A6C-20AE0DDDEE9C}"/>
+              </a:ext>
+            </a:extLst>
+          </p:cNvPr>
+          <p:cNvPicPr>
+            <a:picLocks noGrp="1" noChangeAspect="1" noChangeArrowheads="1"/>
+          </p:cNvPicPr>
+          <p:nvPr>
+            <p:ph sz="half" idx="2"/>
+          </p:nvPr>
+        </p:nvPicPr>
+        <p:blipFill>
+          <a:blip r:embed="rId2">
+            <a:extLst>
+              <a:ext uri="{28A0092B-C50C-407E-A947-70E740481C1C}">
+                <a14:useLocalDpi xmlns:a14="http://schemas.microsoft.com/office/drawing/2010/main" val="0"/>
+              </a:ext>
+            </a:extLst>
+          </a:blip>
+          <a:srcRect/>
+          <a:stretch>
+            <a:fillRect/>
+          </a:stretch>
+        </p:blipFill>
+        <p:spPr bwMode="auto">
+          <a:xfrm>
+            <a:off x="637824" y="2672684"/>
+            <a:ext cx="4912783" cy="3684588"/>
+          </a:xfrm>
+          <a:prstGeom prst="rect">
+            <a:avLst/>
+          </a:prstGeom>
+          <a:noFill/>
+          <a:extLst>
+            <a:ext uri="{909E8E84-426E-40DD-AFC4-6F175D3DCCD1}">
+              <a14:hiddenFill xmlns:a14="http://schemas.microsoft.com/office/drawing/2010/main">
+                <a:solidFill>
+                  <a:srgbClr val="FFFFFF"/>
+                </a:solidFill>
+              </a14:hiddenFill>
+            </a:ext>
+          </a:extLst>
+        </p:spPr>
+      </p:pic>
+    </p:spTree>
+    <p:extLst>
+      <p:ext uri="{BB962C8B-B14F-4D97-AF65-F5344CB8AC3E}">
+        <p14:creationId xmlns:p14="http://schemas.microsoft.com/office/powerpoint/2010/main" val="497266998"/>
+      </p:ext>
+    </p:extLst>
+  </p:cSld>
+  <p:clrMapOvr>
+    <a:masterClrMapping/>
+  </p:clrMapOvr>
+</p:sld>
+</file>
+
+<file path=ppt/slides/slide11.xml><?xml version="1.0" encoding="utf-8"?>
+<p:sld xmlns:a="http://schemas.openxmlformats.org/drawingml/2006/main" xmlns:r="http://schemas.openxmlformats.org/officeDocument/2006/relationships" xmlns:p="http://schemas.openxmlformats.org/presentationml/2006/main">
+  <p:cSld>
+    <p:spTree>
+      <p:nvGrpSpPr>
+        <p:cNvPr id="1" name=""/>
+        <p:cNvGrpSpPr/>
+        <p:nvPr/>
+      </p:nvGrpSpPr>
+      <p:grpSpPr>
+        <a:xfrm>
+          <a:off x="0" y="0"/>
+          <a:ext cx="0" cy="0"/>
+          <a:chOff x="0" y="0"/>
+          <a:chExt cx="0" cy="0"/>
+        </a:xfrm>
+      </p:grpSpPr>
+      <p:sp>
+        <p:nvSpPr>
+          <p:cNvPr id="2" name="Title 1">
+            <a:extLst>
+              <a:ext uri="{FF2B5EF4-FFF2-40B4-BE49-F238E27FC236}">
+                <a16:creationId xmlns:a16="http://schemas.microsoft.com/office/drawing/2014/main" id="{4AB58D22-6161-950D-088D-EDC1D7844EA1}"/>
+              </a:ext>
+            </a:extLst>
+          </p:cNvPr>
+          <p:cNvSpPr>
+            <a:spLocks noGrp="1"/>
+          </p:cNvSpPr>
+          <p:nvPr>
+            <p:ph type="title"/>
+          </p:nvPr>
+        </p:nvSpPr>
+        <p:spPr/>
+        <p:txBody>
+          <a:bodyPr/>
+          <a:lstStyle/>
+          <a:p>
+            <a:r>
+              <a:rPr lang="en-US" dirty="0"/>
+              <a:t>Classification with RNN</a:t>
+            </a:r>
+          </a:p>
+        </p:txBody>
+      </p:sp>
+      <p:sp>
+        <p:nvSpPr>
+          <p:cNvPr id="3" name="Text Placeholder 2">
+            <a:extLst>
+              <a:ext uri="{FF2B5EF4-FFF2-40B4-BE49-F238E27FC236}">
+                <a16:creationId xmlns:a16="http://schemas.microsoft.com/office/drawing/2014/main" id="{ED780728-1FC9-C1A0-631A-4CE97347C9A4}"/>
+              </a:ext>
+            </a:extLst>
+          </p:cNvPr>
+          <p:cNvSpPr>
+            <a:spLocks noGrp="1"/>
+          </p:cNvSpPr>
+          <p:nvPr>
+            <p:ph type="body" idx="1"/>
+          </p:nvPr>
+        </p:nvSpPr>
+        <p:spPr/>
+        <p:txBody>
+          <a:bodyPr/>
+          <a:lstStyle/>
+          <a:p>
+            <a:r>
+              <a:rPr lang="en-US" dirty="0"/>
+              <a:t>Training</a:t>
+            </a:r>
+          </a:p>
+        </p:txBody>
+      </p:sp>
+      <p:sp>
+        <p:nvSpPr>
+          <p:cNvPr id="4" name="Content Placeholder 3">
+            <a:extLst>
+              <a:ext uri="{FF2B5EF4-FFF2-40B4-BE49-F238E27FC236}">
+                <a16:creationId xmlns:a16="http://schemas.microsoft.com/office/drawing/2014/main" id="{95546FBE-C4E1-8569-ACE0-37792C11AE65}"/>
+              </a:ext>
+            </a:extLst>
+          </p:cNvPr>
+          <p:cNvSpPr>
+            <a:spLocks noGrp="1"/>
+          </p:cNvSpPr>
+          <p:nvPr>
+            <p:ph sz="half" idx="2"/>
+          </p:nvPr>
+        </p:nvSpPr>
+        <p:spPr/>
+        <p:txBody>
+          <a:bodyPr/>
+          <a:lstStyle/>
+          <a:p>
+            <a:r>
+              <a:rPr lang="en-US" dirty="0"/>
+              <a:t>Number of Epochs: 50</a:t>
+            </a:r>
+          </a:p>
+          <a:p>
+            <a:r>
+              <a:rPr lang="en-US" dirty="0"/>
+              <a:t>Learning: 0.01</a:t>
+            </a:r>
+          </a:p>
+          <a:p>
+            <a:r>
+              <a:rPr lang="en-US" dirty="0"/>
+              <a:t>Number of Hidden Layers: 2</a:t>
+            </a:r>
+          </a:p>
+        </p:txBody>
+      </p:sp>
+      <p:sp>
+        <p:nvSpPr>
+          <p:cNvPr id="5" name="Text Placeholder 4">
+            <a:extLst>
+              <a:ext uri="{FF2B5EF4-FFF2-40B4-BE49-F238E27FC236}">
+                <a16:creationId xmlns:a16="http://schemas.microsoft.com/office/drawing/2014/main" id="{7D84464A-7C4B-2CD4-070E-86BFC8377786}"/>
+              </a:ext>
+            </a:extLst>
+          </p:cNvPr>
+          <p:cNvSpPr>
+            <a:spLocks noGrp="1"/>
+          </p:cNvSpPr>
+          <p:nvPr>
+            <p:ph type="body" sz="quarter" idx="3"/>
+          </p:nvPr>
+        </p:nvSpPr>
+        <p:spPr/>
+        <p:txBody>
+          <a:bodyPr/>
+          <a:lstStyle/>
+          <a:p>
+            <a:r>
+              <a:rPr lang="en-US" dirty="0"/>
+              <a:t>Results</a:t>
+            </a:r>
+          </a:p>
+        </p:txBody>
+      </p:sp>
+      <p:sp>
+        <p:nvSpPr>
+          <p:cNvPr id="6" name="Content Placeholder 5">
+            <a:extLst>
+              <a:ext uri="{FF2B5EF4-FFF2-40B4-BE49-F238E27FC236}">
+                <a16:creationId xmlns:a16="http://schemas.microsoft.com/office/drawing/2014/main" id="{EC21BA4E-5EFE-C483-A43C-5B33A158D26B}"/>
+              </a:ext>
+            </a:extLst>
+          </p:cNvPr>
+          <p:cNvSpPr>
+            <a:spLocks noGrp="1"/>
+          </p:cNvSpPr>
+          <p:nvPr>
+            <p:ph sz="quarter" idx="4"/>
+          </p:nvPr>
+        </p:nvSpPr>
+        <p:spPr/>
+        <p:txBody>
+          <a:bodyPr/>
+          <a:lstStyle/>
+          <a:p>
+            <a:r>
+              <a:rPr lang="en-US" dirty="0"/>
+              <a:t>Accuracy: 48.2 %</a:t>
+            </a:r>
+          </a:p>
+        </p:txBody>
+      </p:sp>
+    </p:spTree>
+    <p:extLst>
+      <p:ext uri="{BB962C8B-B14F-4D97-AF65-F5344CB8AC3E}">
+        <p14:creationId xmlns:p14="http://schemas.microsoft.com/office/powerpoint/2010/main" val="2131378773"/>
+      </p:ext>
+    </p:extLst>
+  </p:cSld>
+  <p:clrMapOvr>
+    <a:masterClrMapping/>
+  </p:clrMapOvr>
+</p:sld>
+</file>
+
+<file path=ppt/slides/slide12.xml><?xml version="1.0" encoding="utf-8"?>
+<p:sld xmlns:a="http://schemas.openxmlformats.org/drawingml/2006/main" xmlns:r="http://schemas.openxmlformats.org/officeDocument/2006/relationships" xmlns:p="http://schemas.openxmlformats.org/presentationml/2006/main">
+  <p:cSld>
+    <p:spTree>
+      <p:nvGrpSpPr>
+        <p:cNvPr id="1" name=""/>
+        <p:cNvGrpSpPr/>
+        <p:nvPr/>
+      </p:nvGrpSpPr>
+      <p:grpSpPr>
+        <a:xfrm>
+          <a:off x="0" y="0"/>
+          <a:ext cx="0" cy="0"/>
+          <a:chOff x="0" y="0"/>
+          <a:chExt cx="0" cy="0"/>
+        </a:xfrm>
+      </p:grpSpPr>
+      <p:sp>
+        <p:nvSpPr>
+          <p:cNvPr id="2" name="Title 1">
+            <a:extLst>
+              <a:ext uri="{FF2B5EF4-FFF2-40B4-BE49-F238E27FC236}">
+                <a16:creationId xmlns:a16="http://schemas.microsoft.com/office/drawing/2014/main" id="{E2FB605B-5887-6C82-A942-1F8238CBDF9F}"/>
+              </a:ext>
+            </a:extLst>
+          </p:cNvPr>
+          <p:cNvSpPr>
+            <a:spLocks noGrp="1"/>
+          </p:cNvSpPr>
+          <p:nvPr>
+            <p:ph type="title"/>
+          </p:nvPr>
+        </p:nvSpPr>
+        <p:spPr/>
+        <p:txBody>
+          <a:bodyPr/>
+          <a:lstStyle/>
+          <a:p>
+            <a:r>
+              <a:rPr lang="en-US" dirty="0"/>
+              <a:t>Clustering: Retrieving Similar Receipts</a:t>
+            </a:r>
+          </a:p>
+        </p:txBody>
+      </p:sp>
+      <p:sp>
+        <p:nvSpPr>
+          <p:cNvPr id="3" name="Content Placeholder 2">
+            <a:extLst>
+              <a:ext uri="{FF2B5EF4-FFF2-40B4-BE49-F238E27FC236}">
+                <a16:creationId xmlns:a16="http://schemas.microsoft.com/office/drawing/2014/main" id="{847FC3E3-D025-5925-9045-EF71912315EF}"/>
+              </a:ext>
+            </a:extLst>
+          </p:cNvPr>
+          <p:cNvSpPr>
+            <a:spLocks noGrp="1"/>
+          </p:cNvSpPr>
+          <p:nvPr>
+            <p:ph sz="half" idx="1"/>
+          </p:nvPr>
+        </p:nvSpPr>
+        <p:spPr/>
+        <p:txBody>
+          <a:bodyPr/>
+          <a:lstStyle/>
+          <a:p>
+            <a:r>
+              <a:rPr lang="en-US" dirty="0"/>
+              <a:t>K-Means</a:t>
+            </a:r>
+          </a:p>
+        </p:txBody>
+      </p:sp>
+      <p:sp>
+        <p:nvSpPr>
+          <p:cNvPr id="4" name="Content Placeholder 3">
+            <a:extLst>
+              <a:ext uri="{FF2B5EF4-FFF2-40B4-BE49-F238E27FC236}">
+                <a16:creationId xmlns:a16="http://schemas.microsoft.com/office/drawing/2014/main" id="{B307F09C-C945-57C5-C499-6CD29DD774E1}"/>
+              </a:ext>
+            </a:extLst>
+          </p:cNvPr>
+          <p:cNvSpPr>
+            <a:spLocks noGrp="1"/>
+          </p:cNvSpPr>
+          <p:nvPr>
+            <p:ph sz="half" idx="2"/>
+          </p:nvPr>
+        </p:nvSpPr>
+        <p:spPr/>
+        <p:txBody>
+          <a:bodyPr/>
+          <a:lstStyle/>
+          <a:p>
+            <a:pPr marL="0" indent="0">
+              <a:buNone/>
+            </a:pPr>
+            <a:endParaRPr lang="en-US" dirty="0"/>
+          </a:p>
+        </p:txBody>
+      </p:sp>
+    </p:spTree>
+    <p:extLst>
+      <p:ext uri="{BB962C8B-B14F-4D97-AF65-F5344CB8AC3E}">
+        <p14:creationId xmlns:p14="http://schemas.microsoft.com/office/powerpoint/2010/main" val="2492020109"/>
+      </p:ext>
+    </p:extLst>
+  </p:cSld>
+  <p:clrMapOvr>
+    <a:masterClrMapping/>
+  </p:clrMapOvr>
+</p:sld>
+</file>
+
+<file path=ppt/slides/slide13.xml><?xml version="1.0" encoding="utf-8"?>
+<p:sld xmlns:a="http://schemas.openxmlformats.org/drawingml/2006/main" xmlns:r="http://schemas.openxmlformats.org/officeDocument/2006/relationships" xmlns:p="http://schemas.openxmlformats.org/presentationml/2006/main">
+  <p:cSld>
+    <p:spTree>
+      <p:nvGrpSpPr>
+        <p:cNvPr id="1" name=""/>
+        <p:cNvGrpSpPr/>
+        <p:nvPr/>
+      </p:nvGrpSpPr>
+      <p:grpSpPr>
+        <a:xfrm>
+          <a:off x="0" y="0"/>
+          <a:ext cx="0" cy="0"/>
+          <a:chOff x="0" y="0"/>
+          <a:chExt cx="0" cy="0"/>
+        </a:xfrm>
+      </p:grpSpPr>
+      <p:sp>
+        <p:nvSpPr>
+          <p:cNvPr id="2" name="Title 1">
+            <a:extLst>
+              <a:ext uri="{FF2B5EF4-FFF2-40B4-BE49-F238E27FC236}">
+                <a16:creationId xmlns:a16="http://schemas.microsoft.com/office/drawing/2014/main" id="{0343EE3B-14CA-616E-E3D4-6CFCB81CE442}"/>
+              </a:ext>
+            </a:extLst>
+          </p:cNvPr>
+          <p:cNvSpPr>
+            <a:spLocks noGrp="1"/>
+          </p:cNvSpPr>
+          <p:nvPr>
+            <p:ph type="title"/>
+          </p:nvPr>
+        </p:nvSpPr>
+        <p:spPr/>
+        <p:txBody>
+          <a:bodyPr/>
+          <a:lstStyle/>
+          <a:p>
+            <a:r>
+              <a:rPr lang="en-US" dirty="0"/>
+              <a:t>Retrieving Similar Items</a:t>
+            </a:r>
+          </a:p>
+        </p:txBody>
+      </p:sp>
+      <p:sp>
+        <p:nvSpPr>
+          <p:cNvPr id="3" name="Content Placeholder 2">
+            <a:extLst>
+              <a:ext uri="{FF2B5EF4-FFF2-40B4-BE49-F238E27FC236}">
+                <a16:creationId xmlns:a16="http://schemas.microsoft.com/office/drawing/2014/main" id="{522B2D71-A1A3-614F-87A8-5FB88F66E184}"/>
+              </a:ext>
+            </a:extLst>
+          </p:cNvPr>
+          <p:cNvSpPr>
+            <a:spLocks noGrp="1"/>
+          </p:cNvSpPr>
+          <p:nvPr>
+            <p:ph sz="half" idx="1"/>
+          </p:nvPr>
+        </p:nvSpPr>
+        <p:spPr/>
+        <p:txBody>
+          <a:bodyPr/>
+          <a:lstStyle/>
+          <a:p>
+            <a:r>
+              <a:rPr lang="en-US" dirty="0"/>
+              <a:t>Given an item, retrieve similar items </a:t>
+            </a:r>
+          </a:p>
+        </p:txBody>
+      </p:sp>
+      <p:sp>
+        <p:nvSpPr>
+          <p:cNvPr id="4" name="Content Placeholder 3">
+            <a:extLst>
+              <a:ext uri="{FF2B5EF4-FFF2-40B4-BE49-F238E27FC236}">
+                <a16:creationId xmlns:a16="http://schemas.microsoft.com/office/drawing/2014/main" id="{6D184B92-FEDC-7504-362D-F06A0F85D921}"/>
+              </a:ext>
+            </a:extLst>
+          </p:cNvPr>
+          <p:cNvSpPr>
+            <a:spLocks noGrp="1"/>
+          </p:cNvSpPr>
+          <p:nvPr>
+            <p:ph sz="half" idx="2"/>
+          </p:nvPr>
+        </p:nvSpPr>
+        <p:spPr/>
+        <p:txBody>
+          <a:bodyPr/>
+          <a:lstStyle/>
+          <a:p>
+            <a:endParaRPr lang="en-US" dirty="0"/>
+          </a:p>
+        </p:txBody>
+      </p:sp>
+    </p:spTree>
+    <p:extLst>
+      <p:ext uri="{BB962C8B-B14F-4D97-AF65-F5344CB8AC3E}">
+        <p14:creationId xmlns:p14="http://schemas.microsoft.com/office/powerpoint/2010/main" val="3278824005"/>
+      </p:ext>
+    </p:extLst>
+  </p:cSld>
+  <p:clrMapOvr>
+    <a:masterClrMapping/>
+  </p:clrMapOvr>
+</p:sld>
+</file>
+
 <file path=ppt/slides/slide2.xml><?xml version="1.0" encoding="utf-8"?>
 <p:sld xmlns:a="http://schemas.openxmlformats.org/drawingml/2006/main" xmlns:r="http://schemas.openxmlformats.org/officeDocument/2006/relationships" xmlns:p="http://schemas.openxmlformats.org/presentationml/2006/main">
   <p:cSld>
@@ -3488,7 +4120,7 @@
             </a:pPr>
             <a:r>
               <a:rPr lang="en-US" dirty="0"/>
-              <a:t>Data Extraction</a:t>
+              <a:t>Extracting Data </a:t>
             </a:r>
           </a:p>
           <a:p>
@@ -3546,7 +4178,7 @@
           <p:cNvPr id="2" name="Title 1">
             <a:extLst>
               <a:ext uri="{FF2B5EF4-FFF2-40B4-BE49-F238E27FC236}">
-                <a16:creationId xmlns:a16="http://schemas.microsoft.com/office/drawing/2014/main" id="{3A452D88-3B6A-9513-4E36-7AAE77B6A471}"/>
+                <a16:creationId xmlns:a16="http://schemas.microsoft.com/office/drawing/2014/main" id="{69CCB762-FE10-78B0-5A29-CF4FD98BC8CC}"/>
               </a:ext>
             </a:extLst>
           </p:cNvPr>
@@ -3564,499 +4196,63 @@
           <a:p>
             <a:r>
               <a:rPr lang="en-US" dirty="0"/>
-              <a:t>Data Annotation</a:t>
-            </a:r>
-          </a:p>
-        </p:txBody>
-      </p:sp>
-      <p:sp>
-        <p:nvSpPr>
-          <p:cNvPr id="6" name="Content Placeholder 5">
-            <a:extLst>
-              <a:ext uri="{FF2B5EF4-FFF2-40B4-BE49-F238E27FC236}">
-                <a16:creationId xmlns:a16="http://schemas.microsoft.com/office/drawing/2014/main" id="{99B75255-541E-DEAD-DE25-90B37214A8EB}"/>
-              </a:ext>
-            </a:extLst>
-          </p:cNvPr>
-          <p:cNvSpPr>
-            <a:spLocks noGrp="1"/>
-          </p:cNvSpPr>
-          <p:nvPr>
-            <p:ph sz="quarter" idx="4"/>
-          </p:nvPr>
-        </p:nvSpPr>
-        <p:spPr>
-          <a:xfrm>
-            <a:off x="6101080" y="1584960"/>
-            <a:ext cx="5183188" cy="3684588"/>
-          </a:xfrm>
-        </p:spPr>
-        <p:txBody>
-          <a:bodyPr>
-            <a:normAutofit fontScale="40000" lnSpcReduction="20000"/>
-          </a:bodyPr>
-          <a:lstStyle/>
-          <a:p>
-            <a:pPr>
-              <a:lnSpc>
-                <a:spcPts val="1425"/>
-              </a:lnSpc>
-            </a:pPr>
-            <a:r>
-              <a:rPr lang="en-US" b="0" dirty="0">
-                <a:solidFill>
-                  <a:srgbClr val="CCCCCC"/>
-                </a:solidFill>
-                <a:effectLst/>
-                <a:latin typeface="Consolas" panose="020B0609020204030204" pitchFamily="49" charset="0"/>
-              </a:rPr>
-              <a:t>{</a:t>
-            </a:r>
-          </a:p>
-          <a:p>
-            <a:pPr>
-              <a:lnSpc>
-                <a:spcPts val="1425"/>
-              </a:lnSpc>
-            </a:pPr>
-            <a:r>
-              <a:rPr lang="en-US" b="0" dirty="0">
-                <a:solidFill>
-                  <a:srgbClr val="CCCCCC"/>
-                </a:solidFill>
-                <a:effectLst/>
-                <a:latin typeface="Consolas" panose="020B0609020204030204" pitchFamily="49" charset="0"/>
-              </a:rPr>
-              <a:t>        </a:t>
-            </a:r>
-            <a:r>
-              <a:rPr lang="en-US" b="0" dirty="0">
-                <a:solidFill>
-                  <a:srgbClr val="9CDCFE"/>
-                </a:solidFill>
-                <a:effectLst/>
-                <a:latin typeface="Consolas" panose="020B0609020204030204" pitchFamily="49" charset="0"/>
-              </a:rPr>
-              <a:t>"id"</a:t>
-            </a:r>
-            <a:r>
-              <a:rPr lang="en-US" b="0" dirty="0">
-                <a:solidFill>
-                  <a:srgbClr val="CCCCCC"/>
-                </a:solidFill>
-                <a:effectLst/>
-                <a:latin typeface="Consolas" panose="020B0609020204030204" pitchFamily="49" charset="0"/>
-              </a:rPr>
-              <a:t>: </a:t>
-            </a:r>
-            <a:r>
-              <a:rPr lang="en-US" b="0" dirty="0">
-                <a:solidFill>
-                  <a:srgbClr val="B5CEA8"/>
-                </a:solidFill>
-                <a:effectLst/>
-                <a:latin typeface="Consolas" panose="020B0609020204030204" pitchFamily="49" charset="0"/>
-              </a:rPr>
-              <a:t>0</a:t>
-            </a:r>
-            <a:r>
-              <a:rPr lang="en-US" b="0" dirty="0">
-                <a:solidFill>
-                  <a:srgbClr val="CCCCCC"/>
-                </a:solidFill>
-                <a:effectLst/>
-                <a:latin typeface="Consolas" panose="020B0609020204030204" pitchFamily="49" charset="0"/>
-              </a:rPr>
-              <a:t>,</a:t>
-            </a:r>
-          </a:p>
-          <a:p>
-            <a:pPr>
-              <a:lnSpc>
-                <a:spcPts val="1425"/>
-              </a:lnSpc>
-            </a:pPr>
-            <a:r>
-              <a:rPr lang="en-US" b="0" dirty="0">
-                <a:solidFill>
-                  <a:srgbClr val="CCCCCC"/>
-                </a:solidFill>
-                <a:effectLst/>
-                <a:latin typeface="Consolas" panose="020B0609020204030204" pitchFamily="49" charset="0"/>
-              </a:rPr>
-              <a:t>        </a:t>
-            </a:r>
-            <a:r>
-              <a:rPr lang="en-US" b="0" dirty="0">
-                <a:solidFill>
-                  <a:srgbClr val="9CDCFE"/>
-                </a:solidFill>
-                <a:effectLst/>
-                <a:latin typeface="Consolas" panose="020B0609020204030204" pitchFamily="49" charset="0"/>
-              </a:rPr>
-              <a:t>"text"</a:t>
-            </a:r>
-            <a:r>
-              <a:rPr lang="en-US" b="0" dirty="0">
-                <a:solidFill>
-                  <a:srgbClr val="CCCCCC"/>
-                </a:solidFill>
-                <a:effectLst/>
-                <a:latin typeface="Consolas" panose="020B0609020204030204" pitchFamily="49" charset="0"/>
-              </a:rPr>
-              <a:t>: </a:t>
-            </a:r>
-            <a:r>
-              <a:rPr lang="en-US" b="0" dirty="0">
-                <a:solidFill>
-                  <a:srgbClr val="CE9178"/>
-                </a:solidFill>
-                <a:effectLst/>
-                <a:latin typeface="Consolas" panose="020B0609020204030204" pitchFamily="49" charset="0"/>
-              </a:rPr>
-              <a:t>"2001 Greenville Ave, Dallas, TX 75206"</a:t>
-            </a:r>
-            <a:r>
-              <a:rPr lang="en-US" b="0" dirty="0">
-                <a:solidFill>
-                  <a:srgbClr val="CCCCCC"/>
-                </a:solidFill>
-                <a:effectLst/>
-                <a:latin typeface="Consolas" panose="020B0609020204030204" pitchFamily="49" charset="0"/>
-              </a:rPr>
-              <a:t>,</a:t>
-            </a:r>
-          </a:p>
-          <a:p>
-            <a:pPr>
-              <a:lnSpc>
-                <a:spcPts val="1425"/>
-              </a:lnSpc>
-            </a:pPr>
-            <a:r>
-              <a:rPr lang="en-US" b="0" dirty="0">
-                <a:solidFill>
-                  <a:srgbClr val="CCCCCC"/>
-                </a:solidFill>
-                <a:effectLst/>
-                <a:latin typeface="Consolas" panose="020B0609020204030204" pitchFamily="49" charset="0"/>
-              </a:rPr>
-              <a:t>        </a:t>
-            </a:r>
-            <a:r>
-              <a:rPr lang="en-US" b="0" dirty="0">
-                <a:solidFill>
-                  <a:srgbClr val="9CDCFE"/>
-                </a:solidFill>
-                <a:effectLst/>
-                <a:latin typeface="Consolas" panose="020B0609020204030204" pitchFamily="49" charset="0"/>
-              </a:rPr>
-              <a:t>"label"</a:t>
-            </a:r>
-            <a:r>
-              <a:rPr lang="en-US" b="0" dirty="0">
-                <a:solidFill>
-                  <a:srgbClr val="CCCCCC"/>
-                </a:solidFill>
-                <a:effectLst/>
-                <a:latin typeface="Consolas" panose="020B0609020204030204" pitchFamily="49" charset="0"/>
-              </a:rPr>
-              <a:t>: </a:t>
-            </a:r>
-            <a:r>
-              <a:rPr lang="en-US" b="0" dirty="0">
-                <a:solidFill>
-                  <a:srgbClr val="CE9178"/>
-                </a:solidFill>
-                <a:effectLst/>
-                <a:latin typeface="Consolas" panose="020B0609020204030204" pitchFamily="49" charset="0"/>
-              </a:rPr>
-              <a:t>"location"</a:t>
-            </a:r>
-            <a:r>
-              <a:rPr lang="en-US" b="0" dirty="0">
-                <a:solidFill>
-                  <a:srgbClr val="CCCCCC"/>
-                </a:solidFill>
-                <a:effectLst/>
-                <a:latin typeface="Consolas" panose="020B0609020204030204" pitchFamily="49" charset="0"/>
-              </a:rPr>
-              <a:t>,</a:t>
-            </a:r>
-          </a:p>
-          <a:p>
-            <a:pPr>
-              <a:lnSpc>
-                <a:spcPts val="1425"/>
-              </a:lnSpc>
-            </a:pPr>
-            <a:r>
-              <a:rPr lang="en-US" b="0" dirty="0">
-                <a:solidFill>
-                  <a:srgbClr val="CCCCCC"/>
-                </a:solidFill>
-                <a:effectLst/>
-                <a:latin typeface="Consolas" panose="020B0609020204030204" pitchFamily="49" charset="0"/>
-              </a:rPr>
-              <a:t>        </a:t>
-            </a:r>
-            <a:r>
-              <a:rPr lang="en-US" b="0" dirty="0">
-                <a:solidFill>
-                  <a:srgbClr val="9CDCFE"/>
-                </a:solidFill>
-                <a:effectLst/>
-                <a:latin typeface="Consolas" panose="020B0609020204030204" pitchFamily="49" charset="0"/>
-              </a:rPr>
-              <a:t>"box"</a:t>
-            </a:r>
-            <a:r>
-              <a:rPr lang="en-US" b="0" dirty="0">
-                <a:solidFill>
-                  <a:srgbClr val="CCCCCC"/>
-                </a:solidFill>
-                <a:effectLst/>
-                <a:latin typeface="Consolas" panose="020B0609020204030204" pitchFamily="49" charset="0"/>
-              </a:rPr>
-              <a:t>: [</a:t>
-            </a:r>
-          </a:p>
-          <a:p>
-            <a:pPr>
-              <a:lnSpc>
-                <a:spcPts val="1425"/>
-              </a:lnSpc>
-            </a:pPr>
-            <a:r>
-              <a:rPr lang="en-US" b="0" dirty="0">
-                <a:solidFill>
-                  <a:srgbClr val="CCCCCC"/>
-                </a:solidFill>
-                <a:effectLst/>
-                <a:latin typeface="Consolas" panose="020B0609020204030204" pitchFamily="49" charset="0"/>
-              </a:rPr>
-              <a:t>            </a:t>
-            </a:r>
-            <a:r>
-              <a:rPr lang="en-US" b="0" dirty="0">
-                <a:solidFill>
-                  <a:srgbClr val="B5CEA8"/>
-                </a:solidFill>
-                <a:effectLst/>
-                <a:latin typeface="Consolas" panose="020B0609020204030204" pitchFamily="49" charset="0"/>
-              </a:rPr>
-              <a:t>100</a:t>
-            </a:r>
-            <a:r>
-              <a:rPr lang="en-US" b="0" dirty="0">
-                <a:solidFill>
-                  <a:srgbClr val="CCCCCC"/>
-                </a:solidFill>
-                <a:effectLst/>
-                <a:latin typeface="Consolas" panose="020B0609020204030204" pitchFamily="49" charset="0"/>
-              </a:rPr>
-              <a:t>,</a:t>
-            </a:r>
-          </a:p>
-          <a:p>
-            <a:pPr>
-              <a:lnSpc>
-                <a:spcPts val="1425"/>
-              </a:lnSpc>
-            </a:pPr>
-            <a:r>
-              <a:rPr lang="en-US" b="0" dirty="0">
-                <a:solidFill>
-                  <a:srgbClr val="CCCCCC"/>
-                </a:solidFill>
-                <a:effectLst/>
-                <a:latin typeface="Consolas" panose="020B0609020204030204" pitchFamily="49" charset="0"/>
-              </a:rPr>
-              <a:t>            </a:t>
-            </a:r>
-            <a:r>
-              <a:rPr lang="en-US" b="0" dirty="0">
-                <a:solidFill>
-                  <a:srgbClr val="B5CEA8"/>
-                </a:solidFill>
-                <a:effectLst/>
-                <a:latin typeface="Consolas" panose="020B0609020204030204" pitchFamily="49" charset="0"/>
-              </a:rPr>
-              <a:t>200</a:t>
-            </a:r>
-            <a:r>
-              <a:rPr lang="en-US" b="0" dirty="0">
-                <a:solidFill>
-                  <a:srgbClr val="CCCCCC"/>
-                </a:solidFill>
-                <a:effectLst/>
-                <a:latin typeface="Consolas" panose="020B0609020204030204" pitchFamily="49" charset="0"/>
-              </a:rPr>
-              <a:t>,</a:t>
-            </a:r>
-          </a:p>
-          <a:p>
-            <a:pPr>
-              <a:lnSpc>
-                <a:spcPts val="1425"/>
-              </a:lnSpc>
-            </a:pPr>
-            <a:r>
-              <a:rPr lang="en-US" b="0" dirty="0">
-                <a:solidFill>
-                  <a:srgbClr val="CCCCCC"/>
-                </a:solidFill>
-                <a:effectLst/>
-                <a:latin typeface="Consolas" panose="020B0609020204030204" pitchFamily="49" charset="0"/>
-              </a:rPr>
-              <a:t>            </a:t>
-            </a:r>
-            <a:r>
-              <a:rPr lang="en-US" b="0" dirty="0">
-                <a:solidFill>
-                  <a:srgbClr val="B5CEA8"/>
-                </a:solidFill>
-                <a:effectLst/>
-                <a:latin typeface="Consolas" panose="020B0609020204030204" pitchFamily="49" charset="0"/>
-              </a:rPr>
-              <a:t>400</a:t>
-            </a:r>
-            <a:r>
-              <a:rPr lang="en-US" b="0" dirty="0">
-                <a:solidFill>
-                  <a:srgbClr val="CCCCCC"/>
-                </a:solidFill>
-                <a:effectLst/>
-                <a:latin typeface="Consolas" panose="020B0609020204030204" pitchFamily="49" charset="0"/>
-              </a:rPr>
-              <a:t>,</a:t>
-            </a:r>
-          </a:p>
-          <a:p>
-            <a:pPr>
-              <a:lnSpc>
-                <a:spcPts val="1425"/>
-              </a:lnSpc>
-            </a:pPr>
-            <a:r>
-              <a:rPr lang="en-US" b="0" dirty="0">
-                <a:solidFill>
-                  <a:srgbClr val="CCCCCC"/>
-                </a:solidFill>
-                <a:effectLst/>
-                <a:latin typeface="Consolas" panose="020B0609020204030204" pitchFamily="49" charset="0"/>
-              </a:rPr>
-              <a:t>            </a:t>
-            </a:r>
-            <a:r>
-              <a:rPr lang="en-US" b="0" dirty="0">
-                <a:solidFill>
-                  <a:srgbClr val="B5CEA8"/>
-                </a:solidFill>
-                <a:effectLst/>
-                <a:latin typeface="Consolas" panose="020B0609020204030204" pitchFamily="49" charset="0"/>
-              </a:rPr>
-              <a:t>220</a:t>
-            </a:r>
-            <a:endParaRPr lang="en-US" b="0" dirty="0">
-              <a:solidFill>
-                <a:srgbClr val="CCCCCC"/>
-              </a:solidFill>
-              <a:effectLst/>
-              <a:latin typeface="Consolas" panose="020B0609020204030204" pitchFamily="49" charset="0"/>
-            </a:endParaRPr>
-          </a:p>
-          <a:p>
-            <a:pPr>
-              <a:lnSpc>
-                <a:spcPts val="1425"/>
-              </a:lnSpc>
-            </a:pPr>
-            <a:r>
-              <a:rPr lang="en-US" b="0" dirty="0">
-                <a:solidFill>
-                  <a:srgbClr val="CCCCCC"/>
-                </a:solidFill>
-                <a:effectLst/>
-                <a:latin typeface="Consolas" panose="020B0609020204030204" pitchFamily="49" charset="0"/>
-              </a:rPr>
-              <a:t>        ],</a:t>
-            </a:r>
-          </a:p>
-          <a:p>
-            <a:pPr>
-              <a:lnSpc>
-                <a:spcPts val="1425"/>
-              </a:lnSpc>
-            </a:pPr>
-            <a:r>
-              <a:rPr lang="en-US" b="0" dirty="0">
-                <a:solidFill>
-                  <a:srgbClr val="CCCCCC"/>
-                </a:solidFill>
-                <a:effectLst/>
-                <a:latin typeface="Consolas" panose="020B0609020204030204" pitchFamily="49" charset="0"/>
-              </a:rPr>
-              <a:t>        </a:t>
-            </a:r>
-            <a:r>
-              <a:rPr lang="en-US" b="0" dirty="0">
-                <a:solidFill>
-                  <a:srgbClr val="9CDCFE"/>
-                </a:solidFill>
-                <a:effectLst/>
-                <a:latin typeface="Consolas" panose="020B0609020204030204" pitchFamily="49" charset="0"/>
-              </a:rPr>
-              <a:t>"linking"</a:t>
-            </a:r>
-            <a:r>
-              <a:rPr lang="en-US" b="0" dirty="0">
-                <a:solidFill>
-                  <a:srgbClr val="CCCCCC"/>
-                </a:solidFill>
-                <a:effectLst/>
-                <a:latin typeface="Consolas" panose="020B0609020204030204" pitchFamily="49" charset="0"/>
-              </a:rPr>
-              <a:t>: []</a:t>
-            </a:r>
-          </a:p>
-          <a:p>
-            <a:pPr>
-              <a:lnSpc>
-                <a:spcPts val="1425"/>
-              </a:lnSpc>
-            </a:pPr>
-            <a:r>
-              <a:rPr lang="en-US" b="0" dirty="0">
-                <a:solidFill>
-                  <a:srgbClr val="CCCCCC"/>
-                </a:solidFill>
-                <a:effectLst/>
-                <a:latin typeface="Consolas" panose="020B0609020204030204" pitchFamily="49" charset="0"/>
-              </a:rPr>
-              <a:t>    }</a:t>
-            </a:r>
-          </a:p>
-          <a:p>
+              <a:t>Data used in the Project</a:t>
+            </a:r>
+          </a:p>
+        </p:txBody>
+      </p:sp>
+      <p:sp>
+        <p:nvSpPr>
+          <p:cNvPr id="3" name="Content Placeholder 2">
+            <a:extLst>
+              <a:ext uri="{FF2B5EF4-FFF2-40B4-BE49-F238E27FC236}">
+                <a16:creationId xmlns:a16="http://schemas.microsoft.com/office/drawing/2014/main" id="{DF956532-B12D-1EB7-25E8-F002BFBB7C05}"/>
+              </a:ext>
+            </a:extLst>
+          </p:cNvPr>
+          <p:cNvSpPr>
+            <a:spLocks noGrp="1"/>
+          </p:cNvSpPr>
+          <p:nvPr>
+            <p:ph idx="1"/>
+          </p:nvPr>
+        </p:nvSpPr>
+        <p:spPr/>
+        <p:txBody>
+          <a:bodyPr/>
+          <a:lstStyle/>
+          <a:p>
+            <a:r>
+              <a:rPr lang="en-US" dirty="0"/>
+              <a:t>34 Groceries Receipt </a:t>
+            </a:r>
+            <a:r>
+              <a:rPr lang="en-US" dirty="0" err="1"/>
+              <a:t>Imges</a:t>
+            </a:r>
             <a:endParaRPr lang="en-US" dirty="0"/>
+          </a:p>
+          <a:p>
+            <a:r>
+              <a:rPr lang="en-US" dirty="0"/>
+              <a:t>200 Restaurant Receipt Images</a:t>
+            </a:r>
           </a:p>
         </p:txBody>
       </p:sp>
       <p:pic>
         <p:nvPicPr>
-          <p:cNvPr id="12" name="Content Placeholder 11" descr="A receipt on a fabric surface&#10;&#10;Description automatically generated">
-            <a:extLst>
-              <a:ext uri="{FF2B5EF4-FFF2-40B4-BE49-F238E27FC236}">
-                <a16:creationId xmlns:a16="http://schemas.microsoft.com/office/drawing/2014/main" id="{AAAEDE6E-D249-CEBF-08A8-25645CE31DD6}"/>
+          <p:cNvPr id="5" name="Picture 4" descr="A receipt on a table&#10;&#10;Description automatically generated">
+            <a:extLst>
+              <a:ext uri="{FF2B5EF4-FFF2-40B4-BE49-F238E27FC236}">
+                <a16:creationId xmlns:a16="http://schemas.microsoft.com/office/drawing/2014/main" id="{4AC6A815-9777-FA95-5B05-43300F5F50CD}"/>
               </a:ext>
             </a:extLst>
           </p:cNvPr>
           <p:cNvPicPr>
-            <a:picLocks noGrp="1" noChangeAspect="1"/>
+            <a:picLocks noChangeAspect="1"/>
           </p:cNvPicPr>
-          <p:nvPr>
-            <p:ph sz="half" idx="2"/>
-          </p:nvPr>
+          <p:nvPr/>
         </p:nvPicPr>
         <p:blipFill>
           <a:blip r:embed="rId2">
@@ -4072,15 +4268,90 @@
         </p:blipFill>
         <p:spPr>
           <a:xfrm>
-            <a:off x="907732" y="1584960"/>
-            <a:ext cx="3202067" cy="4269423"/>
+            <a:off x="5343851" y="3772526"/>
+            <a:ext cx="1504297" cy="2674307"/>
           </a:xfrm>
+          <a:prstGeom prst="rect">
+            <a:avLst/>
+          </a:prstGeom>
+        </p:spPr>
+      </p:pic>
+      <p:pic>
+        <p:nvPicPr>
+          <p:cNvPr id="8" name="Picture 7" descr="A receipt on a counter&#10;&#10;Description automatically generated">
+            <a:extLst>
+              <a:ext uri="{FF2B5EF4-FFF2-40B4-BE49-F238E27FC236}">
+                <a16:creationId xmlns:a16="http://schemas.microsoft.com/office/drawing/2014/main" id="{4DB49B16-680E-BCEA-565B-0D0797BFA8DA}"/>
+              </a:ext>
+            </a:extLst>
+          </p:cNvPr>
+          <p:cNvPicPr>
+            <a:picLocks noChangeAspect="1"/>
+          </p:cNvPicPr>
+          <p:nvPr/>
+        </p:nvPicPr>
+        <p:blipFill>
+          <a:blip r:embed="rId3">
+            <a:extLst>
+              <a:ext uri="{28A0092B-C50C-407E-A947-70E740481C1C}">
+                <a14:useLocalDpi xmlns:a14="http://schemas.microsoft.com/office/drawing/2010/main" val="0"/>
+              </a:ext>
+            </a:extLst>
+          </a:blip>
+          <a:stretch>
+            <a:fillRect/>
+          </a:stretch>
+        </p:blipFill>
+        <p:spPr>
+          <a:xfrm>
+            <a:off x="1714502" y="3772526"/>
+            <a:ext cx="2209796" cy="2728494"/>
+          </a:xfrm>
+          <a:prstGeom prst="rect">
+            <a:avLst/>
+          </a:prstGeom>
+        </p:spPr>
+      </p:pic>
+      <p:pic>
+        <p:nvPicPr>
+          <p:cNvPr id="10" name="Picture 9" descr="A receipt on a table&#10;&#10;Description automatically generated">
+            <a:extLst>
+              <a:ext uri="{FF2B5EF4-FFF2-40B4-BE49-F238E27FC236}">
+                <a16:creationId xmlns:a16="http://schemas.microsoft.com/office/drawing/2014/main" id="{3EC54A3A-C915-CF20-E9FC-AE141AF43C6B}"/>
+              </a:ext>
+            </a:extLst>
+          </p:cNvPr>
+          <p:cNvPicPr>
+            <a:picLocks noChangeAspect="1"/>
+          </p:cNvPicPr>
+          <p:nvPr/>
+        </p:nvPicPr>
+        <p:blipFill>
+          <a:blip r:embed="rId4">
+            <a:extLst>
+              <a:ext uri="{28A0092B-C50C-407E-A947-70E740481C1C}">
+                <a14:useLocalDpi xmlns:a14="http://schemas.microsoft.com/office/drawing/2010/main" val="0"/>
+              </a:ext>
+            </a:extLst>
+          </a:blip>
+          <a:stretch>
+            <a:fillRect/>
+          </a:stretch>
+        </p:blipFill>
+        <p:spPr>
+          <a:xfrm>
+            <a:off x="8434722" y="3712194"/>
+            <a:ext cx="2042776" cy="2734639"/>
+          </a:xfrm>
+          <a:prstGeom prst="rect">
+            <a:avLst/>
+          </a:prstGeom>
         </p:spPr>
       </p:pic>
     </p:spTree>
     <p:extLst>
       <p:ext uri="{BB962C8B-B14F-4D97-AF65-F5344CB8AC3E}">
-        <p14:creationId xmlns:p14="http://schemas.microsoft.com/office/powerpoint/2010/main" val="227909310"/>
+        <p14:creationId xmlns:p14="http://schemas.microsoft.com/office/powerpoint/2010/main" val="2977638054"/>
       </p:ext>
     </p:extLst>
   </p:cSld>
@@ -4112,7 +4383,7 @@
           <p:cNvPr id="2" name="Title 1">
             <a:extLst>
               <a:ext uri="{FF2B5EF4-FFF2-40B4-BE49-F238E27FC236}">
-                <a16:creationId xmlns:a16="http://schemas.microsoft.com/office/drawing/2014/main" id="{BED5E76B-9527-6E39-D89F-15FC2E02094C}"/>
+                <a16:creationId xmlns:a16="http://schemas.microsoft.com/office/drawing/2014/main" id="{3A452D88-3B6A-9513-4E36-7AAE77B6A471}"/>
               </a:ext>
             </a:extLst>
           </p:cNvPr>
@@ -4137,24 +4408,29 @@
       </p:sp>
       <p:sp>
         <p:nvSpPr>
-          <p:cNvPr id="4" name="Content Placeholder 3">
-            <a:extLst>
-              <a:ext uri="{FF2B5EF4-FFF2-40B4-BE49-F238E27FC236}">
-                <a16:creationId xmlns:a16="http://schemas.microsoft.com/office/drawing/2014/main" id="{7AB8F2E9-EF0C-E979-481E-61D7ADF4BF66}"/>
-              </a:ext>
-            </a:extLst>
-          </p:cNvPr>
-          <p:cNvSpPr>
-            <a:spLocks noGrp="1"/>
-          </p:cNvSpPr>
-          <p:nvPr>
-            <p:ph sz="half" idx="1"/>
-          </p:nvPr>
-        </p:nvSpPr>
-        <p:spPr/>
+          <p:cNvPr id="6" name="Content Placeholder 5">
+            <a:extLst>
+              <a:ext uri="{FF2B5EF4-FFF2-40B4-BE49-F238E27FC236}">
+                <a16:creationId xmlns:a16="http://schemas.microsoft.com/office/drawing/2014/main" id="{99B75255-541E-DEAD-DE25-90B37214A8EB}"/>
+              </a:ext>
+            </a:extLst>
+          </p:cNvPr>
+          <p:cNvSpPr>
+            <a:spLocks noGrp="1"/>
+          </p:cNvSpPr>
+          <p:nvPr>
+            <p:ph sz="quarter" idx="4"/>
+          </p:nvPr>
+        </p:nvSpPr>
+        <p:spPr>
+          <a:xfrm>
+            <a:off x="6731000" y="2355533"/>
+            <a:ext cx="5183188" cy="3684588"/>
+          </a:xfrm>
+        </p:spPr>
         <p:txBody>
           <a:bodyPr>
-            <a:normAutofit fontScale="25000" lnSpcReduction="20000"/>
+            <a:normAutofit fontScale="40000" lnSpcReduction="20000"/>
           </a:bodyPr>
           <a:lstStyle/>
           <a:p>
@@ -4188,7 +4464,7 @@
                 <a:effectLst/>
                 <a:latin typeface="Consolas" panose="020B0609020204030204" pitchFamily="49" charset="0"/>
               </a:rPr>
-              <a:t>    </a:t>
+              <a:t>        </a:t>
             </a:r>
             <a:r>
               <a:rPr lang="en-US" b="0" dirty="0">
@@ -4198,7 +4474,7 @@
                 <a:effectLst/>
                 <a:latin typeface="Consolas" panose="020B0609020204030204" pitchFamily="49" charset="0"/>
               </a:rPr>
-              <a:t>"location"</a:t>
+              <a:t>"id"</a:t>
             </a:r>
             <a:r>
               <a:rPr lang="en-US" b="0" dirty="0">
@@ -4213,12 +4489,12 @@
             <a:r>
               <a:rPr lang="en-US" b="0" dirty="0">
                 <a:solidFill>
-                  <a:srgbClr val="CE9178"/>
+                  <a:srgbClr val="B5CEA8"/>
                 </a:solidFill>
                 <a:effectLst/>
                 <a:latin typeface="Consolas" panose="020B0609020204030204" pitchFamily="49" charset="0"/>
               </a:rPr>
-              <a:t>"3201 Manawa Centre Dr, Council Bluffs, IA 51501"</a:t>
+              <a:t>0</a:t>
             </a:r>
             <a:r>
               <a:rPr lang="en-US" b="0" dirty="0">
@@ -4245,7 +4521,7 @@
                 <a:effectLst/>
                 <a:latin typeface="Consolas" panose="020B0609020204030204" pitchFamily="49" charset="0"/>
               </a:rPr>
-              <a:t>    </a:t>
+              <a:t>        </a:t>
             </a:r>
             <a:r>
               <a:rPr lang="en-US" b="0" dirty="0">
@@ -4255,7 +4531,7 @@
                 <a:effectLst/>
                 <a:latin typeface="Consolas" panose="020B0609020204030204" pitchFamily="49" charset="0"/>
               </a:rPr>
-              <a:t>"shop"</a:t>
+              <a:t>"text"</a:t>
             </a:r>
             <a:r>
               <a:rPr lang="en-US" b="0" dirty="0">
@@ -4275,7 +4551,7 @@
                 <a:effectLst/>
                 <a:latin typeface="Consolas" panose="020B0609020204030204" pitchFamily="49" charset="0"/>
               </a:rPr>
-              <a:t>"WALMART"</a:t>
+              <a:t>"2001 Greenville Ave, Dallas, TX 75206"</a:t>
             </a:r>
             <a:r>
               <a:rPr lang="en-US" b="0" dirty="0">
@@ -4302,7 +4578,7 @@
                 <a:effectLst/>
                 <a:latin typeface="Consolas" panose="020B0609020204030204" pitchFamily="49" charset="0"/>
               </a:rPr>
-              <a:t>    </a:t>
+              <a:t>        </a:t>
             </a:r>
             <a:r>
               <a:rPr lang="en-US" b="0" dirty="0">
@@ -4312,7 +4588,7 @@
                 <a:effectLst/>
                 <a:latin typeface="Consolas" panose="020B0609020204030204" pitchFamily="49" charset="0"/>
               </a:rPr>
-              <a:t>"datetime"</a:t>
+              <a:t>"label"</a:t>
             </a:r>
             <a:r>
               <a:rPr lang="en-US" b="0" dirty="0">
@@ -4332,7 +4608,7 @@
                 <a:effectLst/>
                 <a:latin typeface="Consolas" panose="020B0609020204030204" pitchFamily="49" charset="0"/>
               </a:rPr>
-              <a:t>"12-08-15 12:39:24"</a:t>
+              <a:t>"location"</a:t>
             </a:r>
             <a:r>
               <a:rPr lang="en-US" b="0" dirty="0">
@@ -4359,7 +4635,7 @@
                 <a:effectLst/>
                 <a:latin typeface="Consolas" panose="020B0609020204030204" pitchFamily="49" charset="0"/>
               </a:rPr>
-              <a:t>    </a:t>
+              <a:t>        </a:t>
             </a:r>
             <a:r>
               <a:rPr lang="en-US" b="0" dirty="0">
@@ -4369,7 +4645,7 @@
                 <a:effectLst/>
                 <a:latin typeface="Consolas" panose="020B0609020204030204" pitchFamily="49" charset="0"/>
               </a:rPr>
-              <a:t>"items"</a:t>
+              <a:t>"box"</a:t>
             </a:r>
             <a:r>
               <a:rPr lang="en-US" b="0" dirty="0">
@@ -4396,7 +4672,27 @@
                 <a:effectLst/>
                 <a:latin typeface="Consolas" panose="020B0609020204030204" pitchFamily="49" charset="0"/>
               </a:rPr>
-              <a:t>        {</a:t>
+              <a:t>            </a:t>
+            </a:r>
+            <a:r>
+              <a:rPr lang="en-US" b="0" dirty="0">
+                <a:solidFill>
+                  <a:srgbClr val="B5CEA8"/>
+                </a:solidFill>
+                <a:effectLst/>
+                <a:latin typeface="Consolas" panose="020B0609020204030204" pitchFamily="49" charset="0"/>
+              </a:rPr>
+              <a:t>100</a:t>
+            </a:r>
+            <a:r>
+              <a:rPr lang="en-US" b="0" dirty="0">
+                <a:solidFill>
+                  <a:srgbClr val="CCCCCC"/>
+                </a:solidFill>
+                <a:effectLst/>
+                <a:latin typeface="Consolas" panose="020B0609020204030204" pitchFamily="49" charset="0"/>
+              </a:rPr>
+              <a:t>,</a:t>
             </a:r>
           </a:p>
           <a:p>
@@ -4418,32 +4714,12 @@
             <a:r>
               <a:rPr lang="en-US" b="0" dirty="0">
                 <a:solidFill>
-                  <a:srgbClr val="9CDCFE"/>
+                  <a:srgbClr val="B5CEA8"/>
                 </a:solidFill>
                 <a:effectLst/>
                 <a:latin typeface="Consolas" panose="020B0609020204030204" pitchFamily="49" charset="0"/>
               </a:rPr>
-              <a:t>"name"</a:t>
-            </a:r>
-            <a:r>
-              <a:rPr lang="en-US" b="0" dirty="0">
-                <a:solidFill>
-                  <a:srgbClr val="CCCCCC"/>
-                </a:solidFill>
-                <a:effectLst/>
-                <a:latin typeface="Consolas" panose="020B0609020204030204" pitchFamily="49" charset="0"/>
-              </a:rPr>
-              <a:t>: </a:t>
-            </a:r>
-            <a:r>
-              <a:rPr lang="en-US" b="0" dirty="0">
-                <a:solidFill>
-                  <a:srgbClr val="CE9178"/>
-                </a:solidFill>
-                <a:effectLst/>
-                <a:latin typeface="Consolas" panose="020B0609020204030204" pitchFamily="49" charset="0"/>
-              </a:rPr>
-              <a:t>"ST# 01966 OP# 002033 TE# 20 TR# 05145"</a:t>
+              <a:t>200</a:t>
             </a:r>
             <a:r>
               <a:rPr lang="en-US" b="0" dirty="0">
@@ -4475,32 +4751,12 @@
             <a:r>
               <a:rPr lang="en-US" b="0" dirty="0">
                 <a:solidFill>
-                  <a:srgbClr val="9CDCFE"/>
-                </a:solidFill>
-                <a:effectLst/>
-                <a:latin typeface="Consolas" panose="020B0609020204030204" pitchFamily="49" charset="0"/>
-              </a:rPr>
-              <a:t>"quantity"</a:t>
-            </a:r>
-            <a:r>
-              <a:rPr lang="en-US" b="0" dirty="0">
-                <a:solidFill>
-                  <a:srgbClr val="CCCCCC"/>
-                </a:solidFill>
-                <a:effectLst/>
-                <a:latin typeface="Consolas" panose="020B0609020204030204" pitchFamily="49" charset="0"/>
-              </a:rPr>
-              <a:t>: </a:t>
-            </a:r>
-            <a:r>
-              <a:rPr lang="en-US" b="0" dirty="0">
-                <a:solidFill>
                   <a:srgbClr val="B5CEA8"/>
                 </a:solidFill>
                 <a:effectLst/>
                 <a:latin typeface="Consolas" panose="020B0609020204030204" pitchFamily="49" charset="0"/>
               </a:rPr>
-              <a:t>1</a:t>
+              <a:t>400</a:t>
             </a:r>
             <a:r>
               <a:rPr lang="en-US" b="0" dirty="0">
@@ -4532,22 +4788,53 @@
             <a:r>
               <a:rPr lang="en-US" b="0" dirty="0">
                 <a:solidFill>
-                  <a:srgbClr val="9CDCFE"/>
+                  <a:srgbClr val="B5CEA8"/>
                 </a:solidFill>
                 <a:effectLst/>
                 <a:latin typeface="Consolas" panose="020B0609020204030204" pitchFamily="49" charset="0"/>
               </a:rPr>
-              <a:t>"</a:t>
-            </a:r>
-            <a:r>
-              <a:rPr lang="en-US" b="0" dirty="0" err="1">
+              <a:t>220</a:t>
+            </a:r>
+            <a:endParaRPr lang="en-US" b="0" dirty="0">
+              <a:solidFill>
+                <a:srgbClr val="CCCCCC"/>
+              </a:solidFill>
+              <a:effectLst/>
+              <a:latin typeface="Consolas" panose="020B0609020204030204" pitchFamily="49" charset="0"/>
+            </a:endParaRPr>
+          </a:p>
+          <a:p>
+            <a:pPr>
+              <a:lnSpc>
+                <a:spcPts val="1425"/>
+              </a:lnSpc>
+            </a:pPr>
+            <a:r>
+              <a:rPr lang="en-US" b="0" dirty="0">
                 <a:solidFill>
-                  <a:srgbClr val="9CDCFE"/>
+                  <a:srgbClr val="CCCCCC"/>
                 </a:solidFill>
                 <a:effectLst/>
                 <a:latin typeface="Consolas" panose="020B0609020204030204" pitchFamily="49" charset="0"/>
               </a:rPr>
-              <a:t>unitprice</a:t>
+              <a:t>        ],</a:t>
+            </a:r>
+          </a:p>
+          <a:p>
+            <a:pPr>
+              <a:lnSpc>
+                <a:spcPts val="1425"/>
+              </a:lnSpc>
+            </a:pPr>
+            <a:r>
+              <a:rPr lang="en-US" b="0" dirty="0">
+                <a:solidFill>
+                  <a:srgbClr val="CCCCCC"/>
+                </a:solidFill>
+                <a:effectLst/>
+                <a:latin typeface="Consolas" panose="020B0609020204030204" pitchFamily="49" charset="0"/>
+              </a:rPr>
+              <a:t>        </a:t>
             </a:r>
             <a:r>
               <a:rPr lang="en-US" b="0" dirty="0">
@@ -4557,7 +4844,7 @@
                 <a:effectLst/>
                 <a:latin typeface="Consolas" panose="020B0609020204030204" pitchFamily="49" charset="0"/>
               </a:rPr>
-              <a:t>"</a:t>
+              <a:t>"linking"</a:t>
             </a:r>
             <a:r>
               <a:rPr lang="en-US" b="0" dirty="0">
@@ -4567,18 +4854,15 @@
                 <a:effectLst/>
                 <a:latin typeface="Consolas" panose="020B0609020204030204" pitchFamily="49" charset="0"/>
               </a:rPr>
-              <a:t>: </a:t>
-            </a:r>
-            <a:r>
-              <a:rPr lang="en-US" b="0" dirty="0">
-                <a:solidFill>
-                  <a:srgbClr val="B5CEA8"/>
-                </a:solidFill>
-                <a:effectLst/>
-                <a:latin typeface="Consolas" panose="020B0609020204030204" pitchFamily="49" charset="0"/>
-              </a:rPr>
-              <a:t>6.94</a:t>
-            </a:r>
+              <a:t>: []</a:t>
+            </a:r>
+          </a:p>
+          <a:p>
+            <a:pPr>
+              <a:lnSpc>
+                <a:spcPts val="1425"/>
+              </a:lnSpc>
+            </a:pPr>
             <a:r>
               <a:rPr lang="en-US" b="0" dirty="0">
                 <a:solidFill>
@@ -4587,243 +4871,7 @@
                 <a:effectLst/>
                 <a:latin typeface="Consolas" panose="020B0609020204030204" pitchFamily="49" charset="0"/>
               </a:rPr>
-              <a:t>,</a:t>
-            </a:r>
-          </a:p>
-          <a:p>
-            <a:pPr>
-              <a:lnSpc>
-                <a:spcPts val="1425"/>
-              </a:lnSpc>
-            </a:pPr>
-            <a:r>
-              <a:rPr lang="en-US" b="0" dirty="0">
-                <a:solidFill>
-                  <a:srgbClr val="CCCCCC"/>
-                </a:solidFill>
-                <a:effectLst/>
-                <a:latin typeface="Consolas" panose="020B0609020204030204" pitchFamily="49" charset="0"/>
-              </a:rPr>
-              <a:t>            </a:t>
-            </a:r>
-            <a:r>
-              <a:rPr lang="en-US" b="0" dirty="0">
-                <a:solidFill>
-                  <a:srgbClr val="9CDCFE"/>
-                </a:solidFill>
-                <a:effectLst/>
-                <a:latin typeface="Consolas" panose="020B0609020204030204" pitchFamily="49" charset="0"/>
-              </a:rPr>
-              <a:t>"amount"</a:t>
-            </a:r>
-            <a:r>
-              <a:rPr lang="en-US" b="0" dirty="0">
-                <a:solidFill>
-                  <a:srgbClr val="CCCCCC"/>
-                </a:solidFill>
-                <a:effectLst/>
-                <a:latin typeface="Consolas" panose="020B0609020204030204" pitchFamily="49" charset="0"/>
-              </a:rPr>
-              <a:t>: </a:t>
-            </a:r>
-            <a:r>
-              <a:rPr lang="en-US" b="0" dirty="0">
-                <a:solidFill>
-                  <a:srgbClr val="B5CEA8"/>
-                </a:solidFill>
-                <a:effectLst/>
-                <a:latin typeface="Consolas" panose="020B0609020204030204" pitchFamily="49" charset="0"/>
-              </a:rPr>
-              <a:t>6.94</a:t>
-            </a:r>
-            <a:r>
-              <a:rPr lang="en-US" b="0" dirty="0">
-                <a:solidFill>
-                  <a:srgbClr val="CCCCCC"/>
-                </a:solidFill>
-                <a:effectLst/>
-                <a:latin typeface="Consolas" panose="020B0609020204030204" pitchFamily="49" charset="0"/>
-              </a:rPr>
-              <a:t>,</a:t>
-            </a:r>
-          </a:p>
-          <a:p>
-            <a:pPr>
-              <a:lnSpc>
-                <a:spcPts val="1425"/>
-              </a:lnSpc>
-            </a:pPr>
-            <a:r>
-              <a:rPr lang="en-US" b="0" dirty="0">
-                <a:solidFill>
-                  <a:srgbClr val="CCCCCC"/>
-                </a:solidFill>
-                <a:effectLst/>
-                <a:latin typeface="Consolas" panose="020B0609020204030204" pitchFamily="49" charset="0"/>
-              </a:rPr>
-              <a:t>            </a:t>
-            </a:r>
-            <a:r>
-              <a:rPr lang="en-US" b="0" dirty="0">
-                <a:solidFill>
-                  <a:srgbClr val="9CDCFE"/>
-                </a:solidFill>
-                <a:effectLst/>
-                <a:latin typeface="Consolas" panose="020B0609020204030204" pitchFamily="49" charset="0"/>
-              </a:rPr>
-              <a:t>"category"</a:t>
-            </a:r>
-            <a:r>
-              <a:rPr lang="en-US" b="0" dirty="0">
-                <a:solidFill>
-                  <a:srgbClr val="CCCCCC"/>
-                </a:solidFill>
-                <a:effectLst/>
-                <a:latin typeface="Consolas" panose="020B0609020204030204" pitchFamily="49" charset="0"/>
-              </a:rPr>
-              <a:t>: </a:t>
-            </a:r>
-            <a:r>
-              <a:rPr lang="en-US" b="0" dirty="0">
-                <a:solidFill>
-                  <a:srgbClr val="CE9178"/>
-                </a:solidFill>
-                <a:effectLst/>
-                <a:latin typeface="Consolas" panose="020B0609020204030204" pitchFamily="49" charset="0"/>
-              </a:rPr>
-              <a:t>"</a:t>
-            </a:r>
-            <a:r>
-              <a:rPr lang="en-US" b="0" dirty="0" err="1">
-                <a:solidFill>
-                  <a:srgbClr val="CE9178"/>
-                </a:solidFill>
-                <a:effectLst/>
-                <a:latin typeface="Consolas" panose="020B0609020204030204" pitchFamily="49" charset="0"/>
-              </a:rPr>
-              <a:t>misc</a:t>
-            </a:r>
-            <a:r>
-              <a:rPr lang="en-US" b="0" dirty="0">
-                <a:solidFill>
-                  <a:srgbClr val="CE9178"/>
-                </a:solidFill>
-                <a:effectLst/>
-                <a:latin typeface="Consolas" panose="020B0609020204030204" pitchFamily="49" charset="0"/>
-              </a:rPr>
-              <a:t>"</a:t>
-            </a:r>
-            <a:endParaRPr lang="en-US" b="0" dirty="0">
-              <a:solidFill>
-                <a:srgbClr val="CCCCCC"/>
-              </a:solidFill>
-              <a:effectLst/>
-              <a:latin typeface="Consolas" panose="020B0609020204030204" pitchFamily="49" charset="0"/>
-            </a:endParaRPr>
-          </a:p>
-          <a:p>
-            <a:pPr>
-              <a:lnSpc>
-                <a:spcPts val="1425"/>
-              </a:lnSpc>
-            </a:pPr>
-            <a:r>
-              <a:rPr lang="en-US" b="0" dirty="0">
-                <a:solidFill>
-                  <a:srgbClr val="CCCCCC"/>
-                </a:solidFill>
-                <a:effectLst/>
-                <a:latin typeface="Consolas" panose="020B0609020204030204" pitchFamily="49" charset="0"/>
-              </a:rPr>
-              <a:t>        }</a:t>
-            </a:r>
-          </a:p>
-          <a:p>
-            <a:pPr>
-              <a:lnSpc>
-                <a:spcPts val="1425"/>
-              </a:lnSpc>
-            </a:pPr>
-            <a:r>
-              <a:rPr lang="en-US" b="0" dirty="0">
-                <a:solidFill>
-                  <a:srgbClr val="CCCCCC"/>
-                </a:solidFill>
-                <a:effectLst/>
-                <a:latin typeface="Consolas" panose="020B0609020204030204" pitchFamily="49" charset="0"/>
-              </a:rPr>
-              <a:t>    ],</a:t>
-            </a:r>
-          </a:p>
-          <a:p>
-            <a:pPr>
-              <a:lnSpc>
-                <a:spcPts val="1425"/>
-              </a:lnSpc>
-            </a:pPr>
-            <a:r>
-              <a:rPr lang="en-US" b="0" dirty="0">
-                <a:solidFill>
-                  <a:srgbClr val="CCCCCC"/>
-                </a:solidFill>
-                <a:effectLst/>
-                <a:latin typeface="Consolas" panose="020B0609020204030204" pitchFamily="49" charset="0"/>
-              </a:rPr>
-              <a:t>    </a:t>
-            </a:r>
-            <a:r>
-              <a:rPr lang="en-US" b="0" dirty="0">
-                <a:solidFill>
-                  <a:srgbClr val="9CDCFE"/>
-                </a:solidFill>
-                <a:effectLst/>
-                <a:latin typeface="Consolas" panose="020B0609020204030204" pitchFamily="49" charset="0"/>
-              </a:rPr>
-              <a:t>"total"</a:t>
-            </a:r>
-            <a:r>
-              <a:rPr lang="en-US" b="0" dirty="0">
-                <a:solidFill>
-                  <a:srgbClr val="CCCCCC"/>
-                </a:solidFill>
-                <a:effectLst/>
-                <a:latin typeface="Consolas" panose="020B0609020204030204" pitchFamily="49" charset="0"/>
-              </a:rPr>
-              <a:t>: </a:t>
-            </a:r>
-            <a:r>
-              <a:rPr lang="en-US" b="0" dirty="0">
-                <a:solidFill>
-                  <a:srgbClr val="B5CEA8"/>
-                </a:solidFill>
-                <a:effectLst/>
-                <a:latin typeface="Consolas" panose="020B0609020204030204" pitchFamily="49" charset="0"/>
-              </a:rPr>
-              <a:t>7.43</a:t>
-            </a:r>
-            <a:endParaRPr lang="en-US" b="0" dirty="0">
-              <a:solidFill>
-                <a:srgbClr val="CCCCCC"/>
-              </a:solidFill>
-              <a:effectLst/>
-              <a:latin typeface="Consolas" panose="020B0609020204030204" pitchFamily="49" charset="0"/>
-            </a:endParaRPr>
-          </a:p>
-          <a:p>
-            <a:pPr>
-              <a:lnSpc>
-                <a:spcPts val="1425"/>
-              </a:lnSpc>
-            </a:pPr>
-            <a:r>
-              <a:rPr lang="en-US" b="0" dirty="0">
-                <a:solidFill>
-                  <a:srgbClr val="CCCCCC"/>
-                </a:solidFill>
-                <a:effectLst/>
-                <a:latin typeface="Consolas" panose="020B0609020204030204" pitchFamily="49" charset="0"/>
-              </a:rPr>
-              <a:t>}</a:t>
+              <a:t>    }</a:t>
             </a:r>
           </a:p>
           <a:p>
@@ -4833,37 +4881,91 @@
       </p:sp>
       <p:pic>
         <p:nvPicPr>
-          <p:cNvPr id="7" name="Content Placeholder 6">
-            <a:extLst>
-              <a:ext uri="{FF2B5EF4-FFF2-40B4-BE49-F238E27FC236}">
-                <a16:creationId xmlns:a16="http://schemas.microsoft.com/office/drawing/2014/main" id="{CED27479-4239-838F-2BE7-CB4929781528}"/>
+          <p:cNvPr id="4098" name="Picture 2" descr="Screenshot demo">
+            <a:extLst>
+              <a:ext uri="{FF2B5EF4-FFF2-40B4-BE49-F238E27FC236}">
+                <a16:creationId xmlns:a16="http://schemas.microsoft.com/office/drawing/2014/main" id="{B1C06FA6-4C23-89A6-CCBE-D39ABC9C0868}"/>
               </a:ext>
             </a:extLst>
           </p:cNvPr>
           <p:cNvPicPr>
-            <a:picLocks noGrp="1" noChangeAspect="1"/>
+            <a:picLocks noChangeAspect="1" noChangeArrowheads="1"/>
           </p:cNvPicPr>
-          <p:nvPr>
-            <p:ph sz="half" idx="2"/>
-          </p:nvPr>
+          <p:nvPr/>
         </p:nvPicPr>
         <p:blipFill>
-          <a:blip r:embed="rId2"/>
+          <a:blip r:embed="rId2">
+            <a:extLst>
+              <a:ext uri="{28A0092B-C50C-407E-A947-70E740481C1C}">
+                <a14:useLocalDpi xmlns:a14="http://schemas.microsoft.com/office/drawing/2010/main" val="0"/>
+              </a:ext>
+            </a:extLst>
+          </a:blip>
+          <a:srcRect/>
           <a:stretch>
             <a:fillRect/>
           </a:stretch>
         </p:blipFill>
+        <p:spPr bwMode="auto">
+          <a:xfrm>
+            <a:off x="707708" y="2355533"/>
+            <a:ext cx="6543991" cy="3800759"/>
+          </a:xfrm>
+          <a:prstGeom prst="rect">
+            <a:avLst/>
+          </a:prstGeom>
+          <a:noFill/>
+          <a:extLst>
+            <a:ext uri="{909E8E84-426E-40DD-AFC4-6F175D3DCCD1}">
+              <a14:hiddenFill xmlns:a14="http://schemas.microsoft.com/office/drawing/2010/main">
+                <a:solidFill>
+                  <a:srgbClr val="FFFFFF"/>
+                </a:solidFill>
+              </a14:hiddenFill>
+            </a:ext>
+          </a:extLst>
+        </p:spPr>
+      </p:pic>
+      <p:sp>
+        <p:nvSpPr>
+          <p:cNvPr id="7" name="Content Placeholder 6">
+            <a:extLst>
+              <a:ext uri="{FF2B5EF4-FFF2-40B4-BE49-F238E27FC236}">
+                <a16:creationId xmlns:a16="http://schemas.microsoft.com/office/drawing/2014/main" id="{D0DC1E84-F115-0C76-F17E-10B01F148829}"/>
+              </a:ext>
+            </a:extLst>
+          </p:cNvPr>
+          <p:cNvSpPr>
+            <a:spLocks noGrp="1"/>
+          </p:cNvSpPr>
+          <p:nvPr>
+            <p:ph sz="half" idx="2"/>
+          </p:nvPr>
+        </p:nvSpPr>
         <p:spPr>
           <a:xfrm>
-            <a:off x="4618703" y="2605549"/>
-            <a:ext cx="6805340" cy="2237874"/>
+            <a:off x="707708" y="1690688"/>
+            <a:ext cx="5157787" cy="500698"/>
           </a:xfrm>
         </p:spPr>
-      </p:pic>
+        <p:txBody>
+          <a:bodyPr/>
+          <a:lstStyle/>
+          <a:p>
+            <a:pPr marL="0" indent="0">
+              <a:buNone/>
+            </a:pPr>
+            <a:r>
+              <a:rPr lang="en-US" dirty="0"/>
+              <a:t>Receipt Picture Annotation</a:t>
+            </a:r>
+          </a:p>
+        </p:txBody>
+      </p:sp>
     </p:spTree>
     <p:extLst>
       <p:ext uri="{BB962C8B-B14F-4D97-AF65-F5344CB8AC3E}">
-        <p14:creationId xmlns:p14="http://schemas.microsoft.com/office/powerpoint/2010/main" val="74778697"/>
+        <p14:creationId xmlns:p14="http://schemas.microsoft.com/office/powerpoint/2010/main" val="227909310"/>
       </p:ext>
     </p:extLst>
   </p:cSld>
@@ -4895,7 +4997,7 @@
           <p:cNvPr id="2" name="Title 1">
             <a:extLst>
               <a:ext uri="{FF2B5EF4-FFF2-40B4-BE49-F238E27FC236}">
-                <a16:creationId xmlns:a16="http://schemas.microsoft.com/office/drawing/2014/main" id="{05B5337A-3562-2B87-A8FA-E8CCBA57D2D4}"/>
+                <a16:creationId xmlns:a16="http://schemas.microsoft.com/office/drawing/2014/main" id="{BED5E76B-9527-6E39-D89F-15FC2E02094C}"/>
               </a:ext>
             </a:extLst>
           </p:cNvPr>
@@ -4913,17 +5015,47 @@
           <a:p>
             <a:r>
               <a:rPr lang="en-US" dirty="0"/>
-              <a:t>Feature Extraction using a Pretrained CV Model</a:t>
-            </a:r>
-          </a:p>
-        </p:txBody>
-      </p:sp>
-      <p:sp>
-        <p:nvSpPr>
-          <p:cNvPr id="3" name="Content Placeholder 2">
-            <a:extLst>
-              <a:ext uri="{FF2B5EF4-FFF2-40B4-BE49-F238E27FC236}">
-                <a16:creationId xmlns:a16="http://schemas.microsoft.com/office/drawing/2014/main" id="{228C738C-858B-B880-BEAB-33A82C5F6DF7}"/>
+              <a:t>Pre-processing</a:t>
+            </a:r>
+          </a:p>
+        </p:txBody>
+      </p:sp>
+      <p:pic>
+        <p:nvPicPr>
+          <p:cNvPr id="5" name="Picture 4">
+            <a:extLst>
+              <a:ext uri="{FF2B5EF4-FFF2-40B4-BE49-F238E27FC236}">
+                <a16:creationId xmlns:a16="http://schemas.microsoft.com/office/drawing/2014/main" id="{325599C5-59CB-0573-11EC-EA0DC4E1C907}"/>
+              </a:ext>
+            </a:extLst>
+          </p:cNvPr>
+          <p:cNvPicPr>
+            <a:picLocks noChangeAspect="1"/>
+          </p:cNvPicPr>
+          <p:nvPr/>
+        </p:nvPicPr>
+        <p:blipFill>
+          <a:blip r:embed="rId2"/>
+          <a:stretch>
+            <a:fillRect/>
+          </a:stretch>
+        </p:blipFill>
+        <p:spPr>
+          <a:xfrm>
+            <a:off x="599681" y="2635045"/>
+            <a:ext cx="5587446" cy="3452176"/>
+          </a:xfrm>
+          <a:prstGeom prst="rect">
+            <a:avLst/>
+          </a:prstGeom>
+        </p:spPr>
+      </p:pic>
+      <p:sp>
+        <p:nvSpPr>
+          <p:cNvPr id="8" name="Content Placeholder 7">
+            <a:extLst>
+              <a:ext uri="{FF2B5EF4-FFF2-40B4-BE49-F238E27FC236}">
+                <a16:creationId xmlns:a16="http://schemas.microsoft.com/office/drawing/2014/main" id="{DD4CD5E5-E632-A9B7-2D04-A9E8C73DFE14}"/>
               </a:ext>
             </a:extLst>
           </p:cNvPr>
@@ -4940,56 +5072,45 @@
           <a:lstStyle/>
           <a:p>
             <a:r>
-              <a:rPr lang="en-US" dirty="0" err="1"/>
-              <a:t>Fune</a:t>
-            </a:r>
-            <a:r>
               <a:rPr lang="en-US" dirty="0"/>
-              <a:t>-Tuning </a:t>
-            </a:r>
-            <a:r>
-              <a:rPr lang="en-US" dirty="0" err="1"/>
-              <a:t>pytorch</a:t>
-            </a:r>
-            <a:r>
-              <a:rPr lang="en-US" dirty="0"/>
-              <a:t> vision model for data extraction </a:t>
-            </a:r>
-          </a:p>
-          <a:p>
-            <a:endParaRPr lang="en-US" dirty="0"/>
-          </a:p>
-        </p:txBody>
-      </p:sp>
-      <p:sp>
-        <p:nvSpPr>
-          <p:cNvPr id="4" name="Content Placeholder 3">
-            <a:extLst>
-              <a:ext uri="{FF2B5EF4-FFF2-40B4-BE49-F238E27FC236}">
-                <a16:creationId xmlns:a16="http://schemas.microsoft.com/office/drawing/2014/main" id="{CE9DE236-53D4-8846-E005-5408603F0434}"/>
-              </a:ext>
-            </a:extLst>
-          </p:cNvPr>
-          <p:cNvSpPr>
-            <a:spLocks noGrp="1"/>
-          </p:cNvSpPr>
+              <a:t>Annotation and Item Labeling</a:t>
+            </a:r>
+          </a:p>
+        </p:txBody>
+      </p:sp>
+      <p:pic>
+        <p:nvPicPr>
+          <p:cNvPr id="7" name="Content Placeholder 6">
+            <a:extLst>
+              <a:ext uri="{FF2B5EF4-FFF2-40B4-BE49-F238E27FC236}">
+                <a16:creationId xmlns:a16="http://schemas.microsoft.com/office/drawing/2014/main" id="{CED27479-4239-838F-2BE7-CB4929781528}"/>
+              </a:ext>
+            </a:extLst>
+          </p:cNvPr>
+          <p:cNvPicPr>
+            <a:picLocks noGrp="1" noChangeAspect="1"/>
+          </p:cNvPicPr>
           <p:nvPr>
             <p:ph sz="half" idx="2"/>
           </p:nvPr>
-        </p:nvSpPr>
-        <p:spPr/>
-        <p:txBody>
-          <a:bodyPr/>
-          <a:lstStyle/>
-          <a:p>
-            <a:endParaRPr lang="en-US"/>
-          </a:p>
-        </p:txBody>
-      </p:sp>
+        </p:nvPicPr>
+        <p:blipFill>
+          <a:blip r:embed="rId3"/>
+          <a:stretch>
+            <a:fillRect/>
+          </a:stretch>
+        </p:blipFill>
+        <p:spPr>
+          <a:xfrm>
+            <a:off x="6330494" y="3342968"/>
+            <a:ext cx="5571394" cy="1832102"/>
+          </a:xfrm>
+        </p:spPr>
+      </p:pic>
     </p:spTree>
     <p:extLst>
       <p:ext uri="{BB962C8B-B14F-4D97-AF65-F5344CB8AC3E}">
-        <p14:creationId xmlns:p14="http://schemas.microsoft.com/office/powerpoint/2010/main" val="4249119227"/>
+        <p14:creationId xmlns:p14="http://schemas.microsoft.com/office/powerpoint/2010/main" val="74778697"/>
       </p:ext>
     </p:extLst>
   </p:cSld>
@@ -5021,7 +5142,7 @@
           <p:cNvPr id="2" name="Title 1">
             <a:extLst>
               <a:ext uri="{FF2B5EF4-FFF2-40B4-BE49-F238E27FC236}">
-                <a16:creationId xmlns:a16="http://schemas.microsoft.com/office/drawing/2014/main" id="{C64741C3-BCBF-1D59-83AD-F3A9CB017B7C}"/>
+                <a16:creationId xmlns:a16="http://schemas.microsoft.com/office/drawing/2014/main" id="{43C543B5-123D-A22A-1472-BE4533B8FA7F}"/>
               </a:ext>
             </a:extLst>
           </p:cNvPr>
@@ -5039,55 +5160,78 @@
           <a:p>
             <a:r>
               <a:rPr lang="en-US" dirty="0"/>
-              <a:t>Receipt Item Classification</a:t>
-            </a:r>
-          </a:p>
-        </p:txBody>
-      </p:sp>
-      <p:sp>
-        <p:nvSpPr>
-          <p:cNvPr id="5" name="Text Placeholder 4">
-            <a:extLst>
-              <a:ext uri="{FF2B5EF4-FFF2-40B4-BE49-F238E27FC236}">
-                <a16:creationId xmlns:a16="http://schemas.microsoft.com/office/drawing/2014/main" id="{D5EDEEB8-A88E-0492-AF0C-3492C3BC7F8B}"/>
-              </a:ext>
-            </a:extLst>
-          </p:cNvPr>
-          <p:cNvSpPr>
-            <a:spLocks noGrp="1"/>
-          </p:cNvSpPr>
-          <p:nvPr>
-            <p:ph type="body" idx="1"/>
+              <a:t>Data Extraction with Donut Model</a:t>
+            </a:r>
+          </a:p>
+        </p:txBody>
+      </p:sp>
+      <p:sp>
+        <p:nvSpPr>
+          <p:cNvPr id="3" name="Content Placeholder 2">
+            <a:extLst>
+              <a:ext uri="{FF2B5EF4-FFF2-40B4-BE49-F238E27FC236}">
+                <a16:creationId xmlns:a16="http://schemas.microsoft.com/office/drawing/2014/main" id="{843EE935-7845-B6B6-8968-46774686107C}"/>
+              </a:ext>
+            </a:extLst>
+          </p:cNvPr>
+          <p:cNvSpPr>
+            <a:spLocks noGrp="1"/>
+          </p:cNvSpPr>
+          <p:nvPr>
+            <p:ph sz="half" idx="1"/>
           </p:nvPr>
         </p:nvSpPr>
         <p:spPr>
           <a:xfrm>
-            <a:off x="839788" y="1681163"/>
-            <a:ext cx="9995360" cy="570424"/>
+            <a:off x="838200" y="1672355"/>
+            <a:ext cx="4402394" cy="3150352"/>
           </a:xfrm>
         </p:spPr>
         <p:txBody>
-          <a:bodyPr/>
-          <a:lstStyle/>
-          <a:p>
+          <a:bodyPr>
+            <a:normAutofit/>
+          </a:bodyPr>
+          <a:lstStyle/>
+          <a:p>
+            <a:endParaRPr lang="en-US" dirty="0"/>
+          </a:p>
+          <a:p>
+            <a:pPr marL="0" indent="0">
+              <a:buNone/>
+            </a:pPr>
             <a:r>
               <a:rPr lang="en-US" dirty="0"/>
-              <a:t>Classify receipt items into 9 categories: Produce, Dairy, Beverages , </a:t>
-            </a:r>
-            <a:r>
-              <a:rPr lang="en-US" dirty="0" err="1"/>
-              <a:t>etc</a:t>
-            </a:r>
+              <a:t>Donut is a pretrained model </a:t>
+            </a:r>
+            <a:r>
+              <a:rPr lang="en-US" b="1" dirty="0"/>
+              <a:t>OCR</a:t>
+            </a:r>
+            <a:r>
+              <a:rPr lang="en-US" dirty="0"/>
+              <a:t>-free Document Understanding Transformer</a:t>
+            </a:r>
+          </a:p>
+          <a:p>
+            <a:pPr marL="0" indent="0">
+              <a:buNone/>
+            </a:pPr>
             <a:endParaRPr lang="en-US" dirty="0"/>
           </a:p>
-        </p:txBody>
-      </p:sp>
-      <p:sp>
-        <p:nvSpPr>
-          <p:cNvPr id="3" name="Content Placeholder 2">
-            <a:extLst>
-              <a:ext uri="{FF2B5EF4-FFF2-40B4-BE49-F238E27FC236}">
-                <a16:creationId xmlns:a16="http://schemas.microsoft.com/office/drawing/2014/main" id="{516C654B-EEC5-A2DA-9E0E-E28C02686269}"/>
+          <a:p>
+            <a:pPr marL="0" indent="0">
+              <a:buNone/>
+            </a:pPr>
+            <a:endParaRPr lang="en-US" dirty="0"/>
+          </a:p>
+        </p:txBody>
+      </p:sp>
+      <p:sp>
+        <p:nvSpPr>
+          <p:cNvPr id="4" name="Content Placeholder 3">
+            <a:extLst>
+              <a:ext uri="{FF2B5EF4-FFF2-40B4-BE49-F238E27FC236}">
+                <a16:creationId xmlns:a16="http://schemas.microsoft.com/office/drawing/2014/main" id="{6A7797CD-689B-9E95-B601-286668199D6C}"/>
               </a:ext>
             </a:extLst>
           </p:cNvPr>
@@ -5100,103 +5244,98 @@
         </p:nvSpPr>
         <p:spPr>
           <a:xfrm>
-            <a:off x="839788" y="2753032"/>
-            <a:ext cx="4912083" cy="3436630"/>
+            <a:off x="6388511" y="1600627"/>
+            <a:ext cx="4132006" cy="3293808"/>
           </a:xfrm>
         </p:spPr>
         <p:txBody>
-          <a:bodyPr/>
-          <a:lstStyle/>
-          <a:p>
-            <a:r>
-              <a:rPr lang="en-US" dirty="0"/>
-              <a:t>Logistic Regression</a:t>
-            </a:r>
+          <a:bodyPr>
+            <a:normAutofit/>
+          </a:bodyPr>
+          <a:lstStyle/>
+          <a:p>
+            <a:endParaRPr lang="en-US" sz="2000" dirty="0"/>
           </a:p>
           <a:p>
             <a:pPr marL="0" indent="0">
               <a:buNone/>
             </a:pPr>
-            <a:endParaRPr lang="en-US" dirty="0"/>
-          </a:p>
-          <a:p>
-            <a:pPr marL="0" indent="0">
-              <a:buNone/>
-            </a:pPr>
-            <a:r>
-              <a:rPr lang="en-US" dirty="0"/>
-              <a:t>Training Data</a:t>
-            </a:r>
-          </a:p>
-        </p:txBody>
-      </p:sp>
-      <p:sp>
-        <p:nvSpPr>
-          <p:cNvPr id="4" name="Content Placeholder 3">
-            <a:extLst>
-              <a:ext uri="{FF2B5EF4-FFF2-40B4-BE49-F238E27FC236}">
-                <a16:creationId xmlns:a16="http://schemas.microsoft.com/office/drawing/2014/main" id="{9C2F2FC8-7244-EFAE-A6DD-70A4BBACCA95}"/>
-              </a:ext>
-            </a:extLst>
-          </p:cNvPr>
-          <p:cNvSpPr>
-            <a:spLocks noGrp="1"/>
-          </p:cNvSpPr>
-          <p:nvPr>
-            <p:ph sz="quarter" idx="4"/>
-          </p:nvPr>
-        </p:nvSpPr>
-        <p:spPr>
-          <a:xfrm>
-            <a:off x="6172200" y="2753032"/>
-            <a:ext cx="5183188" cy="3436629"/>
-          </a:xfrm>
-        </p:spPr>
-        <p:txBody>
-          <a:bodyPr/>
-          <a:lstStyle/>
-          <a:p>
-            <a:r>
-              <a:rPr lang="en-US" dirty="0"/>
-              <a:t>K-nearest Neighbors </a:t>
+            <a:r>
+              <a:rPr lang="en-US" sz="2000" dirty="0"/>
+              <a:t>Capabilities:</a:t>
+            </a:r>
+          </a:p>
+          <a:p>
+            <a:r>
+              <a:rPr lang="en-US" sz="2000" dirty="0"/>
+              <a:t>Image Classification</a:t>
+            </a:r>
+          </a:p>
+          <a:p>
+            <a:r>
+              <a:rPr lang="en-US" sz="2000" dirty="0"/>
+              <a:t>Visual question and answering</a:t>
+            </a:r>
+          </a:p>
+          <a:p>
+            <a:r>
+              <a:rPr lang="en-US" sz="2000" dirty="0"/>
+              <a:t>OCR Document Understanding</a:t>
             </a:r>
           </a:p>
         </p:txBody>
       </p:sp>
       <p:pic>
         <p:nvPicPr>
-          <p:cNvPr id="10" name="Picture 9">
-            <a:extLst>
-              <a:ext uri="{FF2B5EF4-FFF2-40B4-BE49-F238E27FC236}">
-                <a16:creationId xmlns:a16="http://schemas.microsoft.com/office/drawing/2014/main" id="{F7D93C47-69A1-1BCA-003C-CC90D24F3D66}"/>
+          <p:cNvPr id="1026" name="Picture 2" descr="drawing">
+            <a:extLst>
+              <a:ext uri="{FF2B5EF4-FFF2-40B4-BE49-F238E27FC236}">
+                <a16:creationId xmlns:a16="http://schemas.microsoft.com/office/drawing/2014/main" id="{C30616D0-4571-9E43-B695-F411EF0F7A3C}"/>
               </a:ext>
             </a:extLst>
           </p:cNvPr>
           <p:cNvPicPr>
-            <a:picLocks noChangeAspect="1"/>
+            <a:picLocks noChangeAspect="1" noChangeArrowheads="1"/>
           </p:cNvPicPr>
           <p:nvPr/>
         </p:nvPicPr>
         <p:blipFill>
-          <a:blip r:embed="rId2"/>
+          <a:blip r:embed="rId2">
+            <a:extLst>
+              <a:ext uri="{28A0092B-C50C-407E-A947-70E740481C1C}">
+                <a14:useLocalDpi xmlns:a14="http://schemas.microsoft.com/office/drawing/2010/main" val="0"/>
+              </a:ext>
+            </a:extLst>
+          </a:blip>
+          <a:srcRect/>
           <a:stretch>
             <a:fillRect/>
           </a:stretch>
         </p:blipFill>
-        <p:spPr>
+        <p:spPr bwMode="auto">
           <a:xfrm>
-            <a:off x="1075825" y="4232514"/>
-            <a:ext cx="7068536" cy="2324424"/>
+            <a:off x="666136" y="3831389"/>
+            <a:ext cx="11181735" cy="2661486"/>
           </a:xfrm>
           <a:prstGeom prst="rect">
             <a:avLst/>
           </a:prstGeom>
+          <a:noFill/>
+          <a:extLst>
+            <a:ext uri="{909E8E84-426E-40DD-AFC4-6F175D3DCCD1}">
+              <a14:hiddenFill xmlns:a14="http://schemas.microsoft.com/office/drawing/2010/main">
+                <a:solidFill>
+                  <a:srgbClr val="FFFFFF"/>
+                </a:solidFill>
+              </a14:hiddenFill>
+            </a:ext>
+          </a:extLst>
         </p:spPr>
       </p:pic>
     </p:spTree>
     <p:extLst>
       <p:ext uri="{BB962C8B-B14F-4D97-AF65-F5344CB8AC3E}">
-        <p14:creationId xmlns:p14="http://schemas.microsoft.com/office/powerpoint/2010/main" val="392741181"/>
+        <p14:creationId xmlns:p14="http://schemas.microsoft.com/office/powerpoint/2010/main" val="4232379147"/>
       </p:ext>
     </p:extLst>
   </p:cSld>
@@ -5228,7 +5367,7 @@
           <p:cNvPr id="2" name="Title 1">
             <a:extLst>
               <a:ext uri="{FF2B5EF4-FFF2-40B4-BE49-F238E27FC236}">
-                <a16:creationId xmlns:a16="http://schemas.microsoft.com/office/drawing/2014/main" id="{BD19CAFA-0FED-1A65-9205-9C9F1811E87B}"/>
+                <a16:creationId xmlns:a16="http://schemas.microsoft.com/office/drawing/2014/main" id="{05B5337A-3562-2B87-A8FA-E8CCBA57D2D4}"/>
               </a:ext>
             </a:extLst>
           </p:cNvPr>
@@ -5241,84 +5380,112 @@
         </p:nvSpPr>
         <p:spPr>
           <a:xfrm>
-            <a:off x="839788" y="275303"/>
-            <a:ext cx="10379250" cy="1415385"/>
+            <a:off x="838199" y="521110"/>
+            <a:ext cx="10626213" cy="875072"/>
           </a:xfrm>
         </p:spPr>
         <p:txBody>
           <a:bodyPr>
-            <a:normAutofit/>
+            <a:normAutofit fontScale="90000"/>
           </a:bodyPr>
           <a:lstStyle/>
           <a:p>
             <a:r>
-              <a:rPr lang="en-US" sz="3600" dirty="0"/>
-              <a:t>Logistic </a:t>
-            </a:r>
-            <a:r>
-              <a:rPr lang="en-US" sz="3600" dirty="0" err="1"/>
-              <a:t>Regresssion</a:t>
-            </a:r>
-            <a:r>
-              <a:rPr lang="en-US" sz="3600" dirty="0"/>
-              <a:t> NN without Text Processing</a:t>
-            </a:r>
-          </a:p>
-        </p:txBody>
-      </p:sp>
-      <p:sp>
-        <p:nvSpPr>
-          <p:cNvPr id="4" name="Content Placeholder 3">
-            <a:extLst>
-              <a:ext uri="{FF2B5EF4-FFF2-40B4-BE49-F238E27FC236}">
-                <a16:creationId xmlns:a16="http://schemas.microsoft.com/office/drawing/2014/main" id="{AEF680F1-A137-2606-2A99-689C177A204F}"/>
-              </a:ext>
-            </a:extLst>
-          </p:cNvPr>
-          <p:cNvSpPr>
-            <a:spLocks noGrp="1"/>
-          </p:cNvSpPr>
-          <p:nvPr>
-            <p:ph sz="half" idx="2"/>
+              <a:rPr lang="en-US" dirty="0"/>
+              <a:t>Fine-tuning Donut Model </a:t>
+            </a:r>
+            <a:br>
+              <a:rPr lang="en-US" dirty="0"/>
+            </a:br>
+            <a:br>
+              <a:rPr lang="en-US" dirty="0"/>
+            </a:br>
+            <a:r>
+              <a:rPr lang="en-US" sz="2400" dirty="0"/>
+              <a:t>with Hugging Face Transformers library</a:t>
+            </a:r>
+          </a:p>
+        </p:txBody>
+      </p:sp>
+      <p:sp>
+        <p:nvSpPr>
+          <p:cNvPr id="3" name="Content Placeholder 2">
+            <a:extLst>
+              <a:ext uri="{FF2B5EF4-FFF2-40B4-BE49-F238E27FC236}">
+                <a16:creationId xmlns:a16="http://schemas.microsoft.com/office/drawing/2014/main" id="{228C738C-858B-B880-BEAB-33A82C5F6DF7}"/>
+              </a:ext>
+            </a:extLst>
+          </p:cNvPr>
+          <p:cNvSpPr>
+            <a:spLocks noGrp="1"/>
+          </p:cNvSpPr>
+          <p:nvPr>
+            <p:ph sz="half" idx="1"/>
           </p:nvPr>
         </p:nvSpPr>
         <p:spPr>
           <a:xfrm>
-            <a:off x="839788" y="1690688"/>
-            <a:ext cx="5157787" cy="4498975"/>
+            <a:off x="838200" y="1917290"/>
+            <a:ext cx="4756355" cy="4259673"/>
           </a:xfrm>
         </p:spPr>
         <p:txBody>
-          <a:bodyPr>
-            <a:normAutofit lnSpcReduction="10000"/>
-          </a:bodyPr>
+          <a:bodyPr/>
           <a:lstStyle/>
           <a:p>
             <a:pPr marL="0" indent="0">
               <a:buNone/>
             </a:pPr>
             <a:r>
-              <a:rPr lang="en-US" b="1" dirty="0"/>
-              <a:t>Model Description </a:t>
-            </a:r>
-          </a:p>
-          <a:p>
-            <a:r>
               <a:rPr lang="en-US" dirty="0"/>
-              <a:t>No. of Hidden Layers: 64</a:t>
-            </a:r>
-          </a:p>
-          <a:p>
-            <a:r>
-              <a:rPr lang="en-US" dirty="0"/>
-              <a:t>Learning Rate: 0.01</a:t>
-            </a:r>
-          </a:p>
-          <a:p>
-            <a:r>
-              <a:rPr lang="en-US" dirty="0"/>
-              <a:t>No of Epochs: 100</a:t>
-            </a:r>
+              <a:t>Input</a:t>
+            </a:r>
+          </a:p>
+          <a:p>
+            <a:endParaRPr lang="en-US" dirty="0"/>
+          </a:p>
+          <a:p>
+            <a:endParaRPr lang="en-US" dirty="0"/>
+          </a:p>
+        </p:txBody>
+      </p:sp>
+      <p:sp>
+        <p:nvSpPr>
+          <p:cNvPr id="4" name="Content Placeholder 3">
+            <a:extLst>
+              <a:ext uri="{FF2B5EF4-FFF2-40B4-BE49-F238E27FC236}">
+                <a16:creationId xmlns:a16="http://schemas.microsoft.com/office/drawing/2014/main" id="{CE9DE236-53D4-8846-E005-5408603F0434}"/>
+              </a:ext>
+            </a:extLst>
+          </p:cNvPr>
+          <p:cNvSpPr>
+            <a:spLocks noGrp="1"/>
+          </p:cNvSpPr>
+          <p:nvPr>
+            <p:ph sz="half" idx="2"/>
+          </p:nvPr>
+        </p:nvSpPr>
+        <p:spPr>
+          <a:xfrm>
+            <a:off x="6172200" y="1917289"/>
+            <a:ext cx="5181600" cy="4259673"/>
+          </a:xfrm>
+        </p:spPr>
+        <p:txBody>
+          <a:bodyPr/>
+          <a:lstStyle/>
+          <a:p>
+            <a:pPr marL="0" indent="0">
+              <a:buNone/>
+            </a:pPr>
+            <a:r>
+              <a:rPr lang="en-US" dirty="0" err="1"/>
+              <a:t>Ouput</a:t>
+            </a:r>
+            <a:endParaRPr lang="en-US" dirty="0"/>
+          </a:p>
+          <a:p>
+            <a:endParaRPr lang="en-US" dirty="0"/>
           </a:p>
           <a:p>
             <a:pPr marL="0" indent="0">
@@ -5331,54 +5498,25 @@
               <a:buNone/>
             </a:pPr>
             <a:r>
-              <a:rPr lang="en-US" b="1" dirty="0"/>
-              <a:t>Performance</a:t>
-            </a:r>
-          </a:p>
-          <a:p>
-            <a:pPr marL="0" indent="0">
-              <a:buNone/>
-            </a:pPr>
-            <a:r>
               <a:rPr lang="en-US" dirty="0"/>
-              <a:t>Accuracy: 40%</a:t>
-            </a:r>
-          </a:p>
-          <a:p>
-            <a:pPr marL="0" indent="0">
-              <a:buNone/>
-            </a:pPr>
-            <a:r>
-              <a:rPr lang="en-US" dirty="0"/>
-              <a:t>Precision:</a:t>
-            </a:r>
-          </a:p>
-          <a:p>
-            <a:pPr marL="0" indent="0">
-              <a:buNone/>
-            </a:pPr>
-            <a:r>
-              <a:rPr lang="en-US" dirty="0"/>
-              <a:t>Recall: </a:t>
+              <a:t> </a:t>
             </a:r>
           </a:p>
         </p:txBody>
       </p:sp>
       <p:pic>
         <p:nvPicPr>
-          <p:cNvPr id="10" name="Content Placeholder 9">
-            <a:extLst>
-              <a:ext uri="{FF2B5EF4-FFF2-40B4-BE49-F238E27FC236}">
-                <a16:creationId xmlns:a16="http://schemas.microsoft.com/office/drawing/2014/main" id="{4B2F3F62-8785-3EF3-9DFF-843AFDF34A77}"/>
+          <p:cNvPr id="8" name="Picture 7">
+            <a:extLst>
+              <a:ext uri="{FF2B5EF4-FFF2-40B4-BE49-F238E27FC236}">
+                <a16:creationId xmlns:a16="http://schemas.microsoft.com/office/drawing/2014/main" id="{E7DFEA61-3CC1-5E0F-3D43-0549F8224642}"/>
               </a:ext>
             </a:extLst>
           </p:cNvPr>
           <p:cNvPicPr>
-            <a:picLocks noGrp="1" noChangeAspect="1"/>
+            <a:picLocks noChangeAspect="1"/>
           </p:cNvPicPr>
-          <p:nvPr>
-            <p:ph sz="quarter" idx="4"/>
-          </p:nvPr>
+          <p:nvPr/>
         </p:nvPicPr>
         <p:blipFill>
           <a:blip r:embed="rId2"/>
@@ -5388,15 +5526,48 @@
         </p:blipFill>
         <p:spPr>
           <a:xfrm>
-            <a:off x="6308550" y="2123768"/>
-            <a:ext cx="5418660" cy="4065895"/>
+            <a:off x="958572" y="2438566"/>
+            <a:ext cx="2895674" cy="2927106"/>
           </a:xfrm>
+          <a:prstGeom prst="rect">
+            <a:avLst/>
+          </a:prstGeom>
+        </p:spPr>
+      </p:pic>
+      <p:pic>
+        <p:nvPicPr>
+          <p:cNvPr id="10" name="Picture 9">
+            <a:extLst>
+              <a:ext uri="{FF2B5EF4-FFF2-40B4-BE49-F238E27FC236}">
+                <a16:creationId xmlns:a16="http://schemas.microsoft.com/office/drawing/2014/main" id="{DD0F35C3-9418-C966-5CE2-87FE4304C320}"/>
+              </a:ext>
+            </a:extLst>
+          </p:cNvPr>
+          <p:cNvPicPr>
+            <a:picLocks noChangeAspect="1"/>
+          </p:cNvPicPr>
+          <p:nvPr/>
+        </p:nvPicPr>
+        <p:blipFill>
+          <a:blip r:embed="rId3"/>
+          <a:stretch>
+            <a:fillRect/>
+          </a:stretch>
+        </p:blipFill>
+        <p:spPr>
+          <a:xfrm>
+            <a:off x="6172200" y="2592248"/>
+            <a:ext cx="5760467" cy="2909753"/>
+          </a:xfrm>
+          <a:prstGeom prst="rect">
+            <a:avLst/>
+          </a:prstGeom>
         </p:spPr>
       </p:pic>
     </p:spTree>
     <p:extLst>
       <p:ext uri="{BB962C8B-B14F-4D97-AF65-F5344CB8AC3E}">
-        <p14:creationId xmlns:p14="http://schemas.microsoft.com/office/powerpoint/2010/main" val="2650955776"/>
+        <p14:creationId xmlns:p14="http://schemas.microsoft.com/office/powerpoint/2010/main" val="4249119227"/>
       </p:ext>
     </p:extLst>
   </p:cSld>
@@ -5428,7 +5599,7 @@
           <p:cNvPr id="2" name="Title 1">
             <a:extLst>
               <a:ext uri="{FF2B5EF4-FFF2-40B4-BE49-F238E27FC236}">
-                <a16:creationId xmlns:a16="http://schemas.microsoft.com/office/drawing/2014/main" id="{66C0D1E2-56AE-89FC-33AB-907CFC436B65}"/>
+                <a16:creationId xmlns:a16="http://schemas.microsoft.com/office/drawing/2014/main" id="{C94157B4-2249-130D-9A6D-1A9B834B8545}"/>
               </a:ext>
             </a:extLst>
           </p:cNvPr>
@@ -5446,33 +5617,88 @@
           <a:p>
             <a:r>
               <a:rPr lang="en-US" dirty="0"/>
-              <a:t>Classification With K-NN Algorithm</a:t>
-            </a:r>
-          </a:p>
-        </p:txBody>
-      </p:sp>
-      <p:sp>
-        <p:nvSpPr>
-          <p:cNvPr id="3" name="Text Placeholder 2">
-            <a:extLst>
-              <a:ext uri="{FF2B5EF4-FFF2-40B4-BE49-F238E27FC236}">
-                <a16:creationId xmlns:a16="http://schemas.microsoft.com/office/drawing/2014/main" id="{344DFDBC-A4F3-4091-7F7F-ADBD61DDBA16}"/>
-              </a:ext>
-            </a:extLst>
-          </p:cNvPr>
-          <p:cNvSpPr>
-            <a:spLocks noGrp="1"/>
-          </p:cNvSpPr>
-          <p:nvPr>
-            <p:ph type="body" idx="1"/>
-          </p:nvPr>
-        </p:nvSpPr>
-        <p:spPr/>
-        <p:txBody>
-          <a:bodyPr/>
-          <a:lstStyle/>
-          <a:p>
-            <a:endParaRPr lang="en-US"/>
+              <a:t>Training and Results</a:t>
+            </a:r>
+          </a:p>
+        </p:txBody>
+      </p:sp>
+      <p:sp>
+        <p:nvSpPr>
+          <p:cNvPr id="3" name="Content Placeholder 2">
+            <a:extLst>
+              <a:ext uri="{FF2B5EF4-FFF2-40B4-BE49-F238E27FC236}">
+                <a16:creationId xmlns:a16="http://schemas.microsoft.com/office/drawing/2014/main" id="{A71BE5F4-C01D-1B66-759C-7B9623DBAB0A}"/>
+              </a:ext>
+            </a:extLst>
+          </p:cNvPr>
+          <p:cNvSpPr>
+            <a:spLocks noGrp="1"/>
+          </p:cNvSpPr>
+          <p:nvPr>
+            <p:ph sz="half" idx="1"/>
+          </p:nvPr>
+        </p:nvSpPr>
+        <p:spPr>
+          <a:xfrm>
+            <a:off x="838200" y="1825625"/>
+            <a:ext cx="6899786" cy="4351338"/>
+          </a:xfrm>
+        </p:spPr>
+        <p:txBody>
+          <a:bodyPr>
+            <a:normAutofit/>
+          </a:bodyPr>
+          <a:lstStyle/>
+          <a:p>
+            <a:r>
+              <a:rPr lang="en-US" b="1" dirty="0"/>
+              <a:t>Calculation of Accuracy</a:t>
+            </a:r>
+          </a:p>
+          <a:p>
+            <a:pPr marL="0" indent="0">
+              <a:buNone/>
+            </a:pPr>
+            <a:endParaRPr lang="en-US" dirty="0"/>
+          </a:p>
+          <a:p>
+            <a:pPr marL="0" indent="0">
+              <a:buNone/>
+            </a:pPr>
+            <a:r>
+              <a:rPr lang="en-US" dirty="0"/>
+              <a:t>Compare the predicted value for each key in the dictionary to check if they are equal. </a:t>
+            </a:r>
+          </a:p>
+          <a:p>
+            <a:pPr marL="0" indent="0">
+              <a:buNone/>
+            </a:pPr>
+            <a:endParaRPr lang="en-US" dirty="0"/>
+          </a:p>
+          <a:p>
+            <a:r>
+              <a:rPr lang="en-US" dirty="0"/>
+              <a:t>Only exact string matches are considering as truthy</a:t>
+            </a:r>
+          </a:p>
+          <a:p>
+            <a:r>
+              <a:rPr lang="en-US" dirty="0"/>
+              <a:t>Accuracy of 75% is quite good</a:t>
+            </a:r>
+          </a:p>
+          <a:p>
+            <a:pPr marL="0" indent="0">
+              <a:buNone/>
+            </a:pPr>
+            <a:endParaRPr lang="en-US" dirty="0"/>
+          </a:p>
+          <a:p>
+            <a:pPr marL="0" indent="0">
+              <a:buNone/>
+            </a:pPr>
+            <a:endParaRPr lang="en-US" dirty="0"/>
           </a:p>
         </p:txBody>
       </p:sp>
@@ -5481,7 +5707,7 @@
           <p:cNvPr id="4" name="Content Placeholder 3">
             <a:extLst>
               <a:ext uri="{FF2B5EF4-FFF2-40B4-BE49-F238E27FC236}">
-                <a16:creationId xmlns:a16="http://schemas.microsoft.com/office/drawing/2014/main" id="{AF262310-4A24-DC63-DF4D-AD61CF2F5EAD}"/>
+                <a16:creationId xmlns:a16="http://schemas.microsoft.com/office/drawing/2014/main" id="{570478F0-1795-C8E3-CFFB-67D1EFF9239D}"/>
               </a:ext>
             </a:extLst>
           </p:cNvPr>
@@ -5492,69 +5718,34 @@
             <p:ph sz="half" idx="2"/>
           </p:nvPr>
         </p:nvSpPr>
-        <p:spPr/>
-        <p:txBody>
-          <a:bodyPr/>
-          <a:lstStyle/>
-          <a:p>
+        <p:spPr>
+          <a:xfrm>
+            <a:off x="7737986" y="3342968"/>
+            <a:ext cx="3615813" cy="1563330"/>
+          </a:xfrm>
+        </p:spPr>
+        <p:txBody>
+          <a:bodyPr>
+            <a:normAutofit/>
+          </a:bodyPr>
+          <a:lstStyle/>
+          <a:p>
+            <a:pPr algn="ctr"/>
+            <a:r>
+              <a:rPr lang="en-US" b="1" dirty="0"/>
+              <a:t>Accuracy: 75%</a:t>
+            </a:r>
+          </a:p>
+          <a:p>
+            <a:pPr algn="ctr"/>
             <a:endParaRPr lang="en-US" dirty="0"/>
-          </a:p>
-        </p:txBody>
-      </p:sp>
-      <p:sp>
-        <p:nvSpPr>
-          <p:cNvPr id="5" name="Text Placeholder 4">
-            <a:extLst>
-              <a:ext uri="{FF2B5EF4-FFF2-40B4-BE49-F238E27FC236}">
-                <a16:creationId xmlns:a16="http://schemas.microsoft.com/office/drawing/2014/main" id="{709175DE-7E6E-1D18-D740-60DE976C2C10}"/>
-              </a:ext>
-            </a:extLst>
-          </p:cNvPr>
-          <p:cNvSpPr>
-            <a:spLocks noGrp="1"/>
-          </p:cNvSpPr>
-          <p:nvPr>
-            <p:ph type="body" sz="quarter" idx="3"/>
-          </p:nvPr>
-        </p:nvSpPr>
-        <p:spPr/>
-        <p:txBody>
-          <a:bodyPr/>
-          <a:lstStyle/>
-          <a:p>
-            <a:endParaRPr lang="en-US"/>
-          </a:p>
-        </p:txBody>
-      </p:sp>
-      <p:sp>
-        <p:nvSpPr>
-          <p:cNvPr id="6" name="Content Placeholder 5">
-            <a:extLst>
-              <a:ext uri="{FF2B5EF4-FFF2-40B4-BE49-F238E27FC236}">
-                <a16:creationId xmlns:a16="http://schemas.microsoft.com/office/drawing/2014/main" id="{A48B14A8-574C-8D58-24AF-00A85833729F}"/>
-              </a:ext>
-            </a:extLst>
-          </p:cNvPr>
-          <p:cNvSpPr>
-            <a:spLocks noGrp="1"/>
-          </p:cNvSpPr>
-          <p:nvPr>
-            <p:ph sz="quarter" idx="4"/>
-          </p:nvPr>
-        </p:nvSpPr>
-        <p:spPr/>
-        <p:txBody>
-          <a:bodyPr/>
-          <a:lstStyle/>
-          <a:p>
-            <a:endParaRPr lang="en-US"/>
           </a:p>
         </p:txBody>
       </p:sp>
     </p:spTree>
     <p:extLst>
       <p:ext uri="{BB962C8B-B14F-4D97-AF65-F5344CB8AC3E}">
-        <p14:creationId xmlns:p14="http://schemas.microsoft.com/office/powerpoint/2010/main" val="497266998"/>
+        <p14:creationId xmlns:p14="http://schemas.microsoft.com/office/powerpoint/2010/main" val="1004614558"/>
       </p:ext>
     </p:extLst>
   </p:cSld>
@@ -5586,7 +5777,7 @@
           <p:cNvPr id="2" name="Title 1">
             <a:extLst>
               <a:ext uri="{FF2B5EF4-FFF2-40B4-BE49-F238E27FC236}">
-                <a16:creationId xmlns:a16="http://schemas.microsoft.com/office/drawing/2014/main" id="{E2FB605B-5887-6C82-A942-1F8238CBDF9F}"/>
+                <a16:creationId xmlns:a16="http://schemas.microsoft.com/office/drawing/2014/main" id="{C64741C3-BCBF-1D59-83AD-F3A9CB017B7C}"/>
               </a:ext>
             </a:extLst>
           </p:cNvPr>
@@ -5604,32 +5795,45 @@
           <a:p>
             <a:r>
               <a:rPr lang="en-US" dirty="0"/>
-              <a:t>Finding Similar Items with K-means Clustering</a:t>
-            </a:r>
-          </a:p>
-        </p:txBody>
-      </p:sp>
-      <p:sp>
-        <p:nvSpPr>
-          <p:cNvPr id="3" name="Content Placeholder 2">
-            <a:extLst>
-              <a:ext uri="{FF2B5EF4-FFF2-40B4-BE49-F238E27FC236}">
-                <a16:creationId xmlns:a16="http://schemas.microsoft.com/office/drawing/2014/main" id="{847FC3E3-D025-5925-9045-EF71912315EF}"/>
-              </a:ext>
-            </a:extLst>
-          </p:cNvPr>
-          <p:cNvSpPr>
-            <a:spLocks noGrp="1"/>
-          </p:cNvSpPr>
-          <p:nvPr>
-            <p:ph sz="half" idx="1"/>
-          </p:nvPr>
-        </p:nvSpPr>
-        <p:spPr/>
-        <p:txBody>
-          <a:bodyPr/>
-          <a:lstStyle/>
-          <a:p>
+              <a:t>Receipt Item Classification</a:t>
+            </a:r>
+          </a:p>
+        </p:txBody>
+      </p:sp>
+      <p:sp>
+        <p:nvSpPr>
+          <p:cNvPr id="5" name="Text Placeholder 4">
+            <a:extLst>
+              <a:ext uri="{FF2B5EF4-FFF2-40B4-BE49-F238E27FC236}">
+                <a16:creationId xmlns:a16="http://schemas.microsoft.com/office/drawing/2014/main" id="{D5EDEEB8-A88E-0492-AF0C-3492C3BC7F8B}"/>
+              </a:ext>
+            </a:extLst>
+          </p:cNvPr>
+          <p:cNvSpPr>
+            <a:spLocks noGrp="1"/>
+          </p:cNvSpPr>
+          <p:nvPr>
+            <p:ph type="body" idx="1"/>
+          </p:nvPr>
+        </p:nvSpPr>
+        <p:spPr>
+          <a:xfrm>
+            <a:off x="839788" y="1681163"/>
+            <a:ext cx="9995360" cy="570424"/>
+          </a:xfrm>
+        </p:spPr>
+        <p:txBody>
+          <a:bodyPr/>
+          <a:lstStyle/>
+          <a:p>
+            <a:r>
+              <a:rPr lang="en-US" dirty="0"/>
+              <a:t>Classify receipt items into 9 categories: Produce, Dairy, Beverages , </a:t>
+            </a:r>
+            <a:r>
+              <a:rPr lang="en-US" dirty="0" err="1"/>
+              <a:t>etc</a:t>
+            </a:r>
             <a:endParaRPr lang="en-US" dirty="0"/>
           </a:p>
         </p:txBody>
@@ -5639,30 +5843,135 @@
           <p:cNvPr id="4" name="Content Placeholder 3">
             <a:extLst>
               <a:ext uri="{FF2B5EF4-FFF2-40B4-BE49-F238E27FC236}">
-                <a16:creationId xmlns:a16="http://schemas.microsoft.com/office/drawing/2014/main" id="{B307F09C-C945-57C5-C499-6CD29DD774E1}"/>
-              </a:ext>
-            </a:extLst>
-          </p:cNvPr>
-          <p:cNvSpPr>
-            <a:spLocks noGrp="1"/>
-          </p:cNvSpPr>
-          <p:nvPr>
-            <p:ph sz="half" idx="2"/>
-          </p:nvPr>
-        </p:nvSpPr>
-        <p:spPr/>
-        <p:txBody>
-          <a:bodyPr/>
-          <a:lstStyle/>
-          <a:p>
-            <a:endParaRPr lang="en-US"/>
-          </a:p>
-        </p:txBody>
-      </p:sp>
+                <a16:creationId xmlns:a16="http://schemas.microsoft.com/office/drawing/2014/main" id="{9C2F2FC8-7244-EFAE-A6DD-70A4BBACCA95}"/>
+              </a:ext>
+            </a:extLst>
+          </p:cNvPr>
+          <p:cNvSpPr>
+            <a:spLocks noGrp="1"/>
+          </p:cNvSpPr>
+          <p:nvPr>
+            <p:ph sz="quarter" idx="4"/>
+          </p:nvPr>
+        </p:nvSpPr>
+        <p:spPr>
+          <a:xfrm>
+            <a:off x="839788" y="2599246"/>
+            <a:ext cx="4449967" cy="3477089"/>
+          </a:xfrm>
+        </p:spPr>
+        <p:txBody>
+          <a:bodyPr>
+            <a:normAutofit/>
+          </a:bodyPr>
+          <a:lstStyle/>
+          <a:p>
+            <a:pPr marL="0" indent="0">
+              <a:buNone/>
+            </a:pPr>
+            <a:r>
+              <a:rPr lang="en-US" b="1" u="sng" dirty="0"/>
+              <a:t>Classification Algorithms</a:t>
+            </a:r>
+          </a:p>
+          <a:p>
+            <a:r>
+              <a:rPr lang="en-US" dirty="0"/>
+              <a:t>K-Nearest Neighbors</a:t>
+            </a:r>
+          </a:p>
+          <a:p>
+            <a:r>
+              <a:rPr lang="en-US" dirty="0"/>
+              <a:t>Logistic Regression(RNN)</a:t>
+            </a:r>
+          </a:p>
+          <a:p>
+            <a:pPr marL="0" indent="0">
+              <a:buNone/>
+            </a:pPr>
+            <a:r>
+              <a:rPr lang="en-US" b="1" u="sng" dirty="0"/>
+              <a:t>Dataset Size</a:t>
+            </a:r>
+          </a:p>
+          <a:p>
+            <a:r>
+              <a:rPr lang="en-US" dirty="0"/>
+              <a:t>Training: 540</a:t>
+            </a:r>
+          </a:p>
+          <a:p>
+            <a:r>
+              <a:rPr lang="en-US" dirty="0"/>
+              <a:t>Testing/Validation: 135</a:t>
+            </a:r>
+          </a:p>
+          <a:p>
+            <a:endParaRPr lang="en-US" dirty="0"/>
+          </a:p>
+          <a:p>
+            <a:pPr marL="0" indent="0">
+              <a:buNone/>
+            </a:pPr>
+            <a:endParaRPr lang="en-US" dirty="0"/>
+          </a:p>
+          <a:p>
+            <a:endParaRPr lang="en-US" dirty="0"/>
+          </a:p>
+        </p:txBody>
+      </p:sp>
+      <p:pic>
+        <p:nvPicPr>
+          <p:cNvPr id="3074" name="Picture 2">
+            <a:extLst>
+              <a:ext uri="{FF2B5EF4-FFF2-40B4-BE49-F238E27FC236}">
+                <a16:creationId xmlns:a16="http://schemas.microsoft.com/office/drawing/2014/main" id="{C6DD799C-BC10-DDC2-EE9E-FE1B5D2339FE}"/>
+              </a:ext>
+            </a:extLst>
+          </p:cNvPr>
+          <p:cNvPicPr>
+            <a:picLocks noChangeAspect="1" noChangeArrowheads="1"/>
+          </p:cNvPicPr>
+          <p:nvPr/>
+        </p:nvPicPr>
+        <p:blipFill>
+          <a:blip r:embed="rId2">
+            <a:extLst>
+              <a:ext uri="{28A0092B-C50C-407E-A947-70E740481C1C}">
+                <a14:useLocalDpi xmlns:a14="http://schemas.microsoft.com/office/drawing/2010/main" val="0"/>
+              </a:ext>
+            </a:extLst>
+          </a:blip>
+          <a:srcRect/>
+          <a:stretch>
+            <a:fillRect/>
+          </a:stretch>
+        </p:blipFill>
+        <p:spPr bwMode="auto">
+          <a:xfrm>
+            <a:off x="6269293" y="2251587"/>
+            <a:ext cx="4123403" cy="4481960"/>
+          </a:xfrm>
+          <a:prstGeom prst="rect">
+            <a:avLst/>
+          </a:prstGeom>
+          <a:noFill/>
+          <a:extLst>
+            <a:ext uri="{909E8E84-426E-40DD-AFC4-6F175D3DCCD1}">
+              <a14:hiddenFill xmlns:a14="http://schemas.microsoft.com/office/drawing/2010/main">
+                <a:solidFill>
+                  <a:srgbClr val="FFFFFF"/>
+                </a:solidFill>
+              </a14:hiddenFill>
+            </a:ext>
+          </a:extLst>
+        </p:spPr>
+      </p:pic>
     </p:spTree>
     <p:extLst>
       <p:ext uri="{BB962C8B-B14F-4D97-AF65-F5344CB8AC3E}">
-        <p14:creationId xmlns:p14="http://schemas.microsoft.com/office/powerpoint/2010/main" val="2492020109"/>
+        <p14:creationId xmlns:p14="http://schemas.microsoft.com/office/powerpoint/2010/main" val="392741181"/>
       </p:ext>
     </p:extLst>
   </p:cSld>

--- a/Receipt_Images_Processing.pptx
+++ b/Receipt_Images_Processing.pptx
@@ -271,7 +271,7 @@
           <a:p>
             <a:fld id="{084BA2CE-A671-4136-BECD-053B2241B2EC}" type="datetimeFigureOut">
               <a:rPr lang="en-US" smtClean="0"/>
-              <a:t>1/5/2025</a:t>
+              <a:t>1/6/2025</a:t>
             </a:fld>
             <a:endParaRPr lang="en-US"/>
           </a:p>
@@ -469,7 +469,7 @@
           <a:p>
             <a:fld id="{084BA2CE-A671-4136-BECD-053B2241B2EC}" type="datetimeFigureOut">
               <a:rPr lang="en-US" smtClean="0"/>
-              <a:t>1/5/2025</a:t>
+              <a:t>1/6/2025</a:t>
             </a:fld>
             <a:endParaRPr lang="en-US"/>
           </a:p>
@@ -677,7 +677,7 @@
           <a:p>
             <a:fld id="{084BA2CE-A671-4136-BECD-053B2241B2EC}" type="datetimeFigureOut">
               <a:rPr lang="en-US" smtClean="0"/>
-              <a:t>1/5/2025</a:t>
+              <a:t>1/6/2025</a:t>
             </a:fld>
             <a:endParaRPr lang="en-US"/>
           </a:p>
@@ -875,7 +875,7 @@
           <a:p>
             <a:fld id="{084BA2CE-A671-4136-BECD-053B2241B2EC}" type="datetimeFigureOut">
               <a:rPr lang="en-US" smtClean="0"/>
-              <a:t>1/5/2025</a:t>
+              <a:t>1/6/2025</a:t>
             </a:fld>
             <a:endParaRPr lang="en-US"/>
           </a:p>
@@ -1150,7 +1150,7 @@
           <a:p>
             <a:fld id="{084BA2CE-A671-4136-BECD-053B2241B2EC}" type="datetimeFigureOut">
               <a:rPr lang="en-US" smtClean="0"/>
-              <a:t>1/5/2025</a:t>
+              <a:t>1/6/2025</a:t>
             </a:fld>
             <a:endParaRPr lang="en-US"/>
           </a:p>
@@ -1415,7 +1415,7 @@
           <a:p>
             <a:fld id="{084BA2CE-A671-4136-BECD-053B2241B2EC}" type="datetimeFigureOut">
               <a:rPr lang="en-US" smtClean="0"/>
-              <a:t>1/5/2025</a:t>
+              <a:t>1/6/2025</a:t>
             </a:fld>
             <a:endParaRPr lang="en-US"/>
           </a:p>
@@ -1827,7 +1827,7 @@
           <a:p>
             <a:fld id="{084BA2CE-A671-4136-BECD-053B2241B2EC}" type="datetimeFigureOut">
               <a:rPr lang="en-US" smtClean="0"/>
-              <a:t>1/5/2025</a:t>
+              <a:t>1/6/2025</a:t>
             </a:fld>
             <a:endParaRPr lang="en-US"/>
           </a:p>
@@ -1968,7 +1968,7 @@
           <a:p>
             <a:fld id="{084BA2CE-A671-4136-BECD-053B2241B2EC}" type="datetimeFigureOut">
               <a:rPr lang="en-US" smtClean="0"/>
-              <a:t>1/5/2025</a:t>
+              <a:t>1/6/2025</a:t>
             </a:fld>
             <a:endParaRPr lang="en-US"/>
           </a:p>
@@ -2081,7 +2081,7 @@
           <a:p>
             <a:fld id="{084BA2CE-A671-4136-BECD-053B2241B2EC}" type="datetimeFigureOut">
               <a:rPr lang="en-US" smtClean="0"/>
-              <a:t>1/5/2025</a:t>
+              <a:t>1/6/2025</a:t>
             </a:fld>
             <a:endParaRPr lang="en-US"/>
           </a:p>
@@ -2392,7 +2392,7 @@
           <a:p>
             <a:fld id="{084BA2CE-A671-4136-BECD-053B2241B2EC}" type="datetimeFigureOut">
               <a:rPr lang="en-US" smtClean="0"/>
-              <a:t>1/5/2025</a:t>
+              <a:t>1/6/2025</a:t>
             </a:fld>
             <a:endParaRPr lang="en-US"/>
           </a:p>
@@ -2680,7 +2680,7 @@
           <a:p>
             <a:fld id="{084BA2CE-A671-4136-BECD-053B2241B2EC}" type="datetimeFigureOut">
               <a:rPr lang="en-US" smtClean="0"/>
-              <a:t>1/5/2025</a:t>
+              <a:t>1/6/2025</a:t>
             </a:fld>
             <a:endParaRPr lang="en-US"/>
           </a:p>
@@ -2921,7 +2921,7 @@
           <a:p>
             <a:fld id="{084BA2CE-A671-4136-BECD-053B2241B2EC}" type="datetimeFigureOut">
               <a:rPr lang="en-US" smtClean="0"/>
-              <a:t>1/5/2025</a:t>
+              <a:t>1/6/2025</a:t>
             </a:fld>
             <a:endParaRPr lang="en-US"/>
           </a:p>
@@ -3361,7 +3361,7 @@
           <a:p>
             <a:r>
               <a:rPr lang="en-US" dirty="0"/>
-              <a:t>Receipt Data Extraction and Item Classification</a:t>
+              <a:t>Receipt Data Extraction and Classification</a:t>
             </a:r>
           </a:p>
         </p:txBody>
@@ -3850,7 +3850,7 @@
           <a:p>
             <a:r>
               <a:rPr lang="en-US" dirty="0"/>
-              <a:t>Clustering: Retrieving Similar Receipts</a:t>
+              <a:t>Clustering all Items with K-Means</a:t>
             </a:r>
           </a:p>
         </p:txBody>
@@ -3878,7 +3878,46 @@
           <a:p>
             <a:r>
               <a:rPr lang="en-US" dirty="0"/>
-              <a:t>K-Means</a:t>
+              <a:t>Number of Clusters and total average distance </a:t>
+            </a:r>
+          </a:p>
+          <a:p>
+            <a:r>
+              <a:rPr lang="en-US" dirty="0"/>
+              <a:t>Chosen K: 40 clusters</a:t>
+            </a:r>
+          </a:p>
+          <a:p>
+            <a:pPr marL="0" indent="0">
+              <a:buNone/>
+            </a:pPr>
+            <a:endParaRPr lang="en-US" b="1" u="sng" dirty="0"/>
+          </a:p>
+          <a:p>
+            <a:pPr marL="0" indent="0">
+              <a:buNone/>
+            </a:pPr>
+            <a:r>
+              <a:rPr lang="en-US" b="1" u="sng" dirty="0"/>
+              <a:t>Finding Similar Items</a:t>
+            </a:r>
+          </a:p>
+          <a:p>
+            <a:pPr marL="514350" indent="-514350">
+              <a:buAutoNum type="arabicPeriod"/>
+            </a:pPr>
+            <a:r>
+              <a:rPr lang="en-US" dirty="0"/>
+              <a:t>Calculate the cluster of the Item</a:t>
+            </a:r>
+          </a:p>
+          <a:p>
+            <a:pPr marL="514350" indent="-514350">
+              <a:buAutoNum type="arabicPeriod"/>
+            </a:pPr>
+            <a:r>
+              <a:rPr lang="en-US" dirty="0"/>
+              <a:t>Get Items in that cluster</a:t>
             </a:r>
           </a:p>
         </p:txBody>
@@ -3899,7 +3938,12 @@
             <p:ph sz="half" idx="2"/>
           </p:nvPr>
         </p:nvSpPr>
-        <p:spPr/>
+        <p:spPr>
+          <a:xfrm>
+            <a:off x="6096000" y="1463040"/>
+            <a:ext cx="5105400" cy="4266883"/>
+          </a:xfrm>
+        </p:spPr>
         <p:txBody>
           <a:bodyPr/>
           <a:lstStyle/>
@@ -3909,8 +3953,61 @@
             </a:pPr>
             <a:endParaRPr lang="en-US" dirty="0"/>
           </a:p>
-        </p:txBody>
-      </p:sp>
+          <a:p>
+            <a:pPr marL="0" indent="0">
+              <a:buNone/>
+            </a:pPr>
+            <a:endParaRPr lang="en-US" dirty="0"/>
+          </a:p>
+        </p:txBody>
+      </p:sp>
+      <p:pic>
+        <p:nvPicPr>
+          <p:cNvPr id="1028" name="Picture 4">
+            <a:extLst>
+              <a:ext uri="{FF2B5EF4-FFF2-40B4-BE49-F238E27FC236}">
+                <a16:creationId xmlns:a16="http://schemas.microsoft.com/office/drawing/2014/main" id="{BEA1A264-C0AB-9C53-EBAA-F6D77513C0A3}"/>
+              </a:ext>
+            </a:extLst>
+          </p:cNvPr>
+          <p:cNvPicPr>
+            <a:picLocks noChangeAspect="1" noChangeArrowheads="1"/>
+          </p:cNvPicPr>
+          <p:nvPr/>
+        </p:nvPicPr>
+        <p:blipFill>
+          <a:blip r:embed="rId2">
+            <a:extLst>
+              <a:ext uri="{28A0092B-C50C-407E-A947-70E740481C1C}">
+                <a14:useLocalDpi xmlns:a14="http://schemas.microsoft.com/office/drawing/2010/main" val="0"/>
+              </a:ext>
+            </a:extLst>
+          </a:blip>
+          <a:srcRect/>
+          <a:stretch>
+            <a:fillRect/>
+          </a:stretch>
+        </p:blipFill>
+        <p:spPr bwMode="auto">
+          <a:xfrm>
+            <a:off x="6588433" y="1690688"/>
+            <a:ext cx="4455160" cy="4893519"/>
+          </a:xfrm>
+          <a:prstGeom prst="rect">
+            <a:avLst/>
+          </a:prstGeom>
+          <a:noFill/>
+          <a:extLst>
+            <a:ext uri="{909E8E84-426E-40DD-AFC4-6F175D3DCCD1}">
+              <a14:hiddenFill xmlns:a14="http://schemas.microsoft.com/office/drawing/2010/main">
+                <a:solidFill>
+                  <a:srgbClr val="FFFFFF"/>
+                </a:solidFill>
+              </a14:hiddenFill>
+            </a:ext>
+          </a:extLst>
+        </p:spPr>
+      </p:pic>
     </p:spTree>
     <p:extLst>
       <p:ext uri="{BB962C8B-B14F-4D97-AF65-F5344CB8AC3E}">
@@ -3964,7 +4061,7 @@
           <a:p>
             <a:r>
               <a:rPr lang="en-US" dirty="0"/>
-              <a:t>Retrieving Similar Items</a:t>
+              <a:t>Clustering Receipt Images</a:t>
             </a:r>
           </a:p>
         </p:txBody>
@@ -3992,36 +4089,84 @@
           <a:p>
             <a:r>
               <a:rPr lang="en-US" dirty="0"/>
-              <a:t>Given an item, retrieve similar items </a:t>
-            </a:r>
-          </a:p>
-        </p:txBody>
-      </p:sp>
-      <p:sp>
-        <p:nvSpPr>
-          <p:cNvPr id="4" name="Content Placeholder 3">
-            <a:extLst>
-              <a:ext uri="{FF2B5EF4-FFF2-40B4-BE49-F238E27FC236}">
-                <a16:creationId xmlns:a16="http://schemas.microsoft.com/office/drawing/2014/main" id="{6D184B92-FEDC-7504-362D-F06A0F85D921}"/>
-              </a:ext>
-            </a:extLst>
-          </p:cNvPr>
-          <p:cNvSpPr>
-            <a:spLocks noGrp="1"/>
-          </p:cNvSpPr>
+              <a:t>Extract the text from receipts</a:t>
+            </a:r>
+          </a:p>
+          <a:p>
+            <a:r>
+              <a:rPr lang="en-US" dirty="0"/>
+              <a:t>Vectorize them </a:t>
+            </a:r>
+          </a:p>
+          <a:p>
+            <a:r>
+              <a:rPr lang="en-US" dirty="0"/>
+              <a:t>Cluster the vectorized texts with K-means</a:t>
+            </a:r>
+          </a:p>
+          <a:p>
+            <a:r>
+              <a:rPr lang="en-US" dirty="0"/>
+              <a:t>K: 11 Clusters</a:t>
+            </a:r>
+          </a:p>
+          <a:p>
+            <a:r>
+              <a:rPr lang="en-US" dirty="0"/>
+              <a:t>Find similar receipt given an Image or Text extracted from the receipt</a:t>
+            </a:r>
+          </a:p>
+        </p:txBody>
+      </p:sp>
+      <p:pic>
+        <p:nvPicPr>
+          <p:cNvPr id="2050" name="Picture 2">
+            <a:extLst>
+              <a:ext uri="{FF2B5EF4-FFF2-40B4-BE49-F238E27FC236}">
+                <a16:creationId xmlns:a16="http://schemas.microsoft.com/office/drawing/2014/main" id="{C03FC032-739F-93CE-246B-99EA3AE0448E}"/>
+              </a:ext>
+            </a:extLst>
+          </p:cNvPr>
+          <p:cNvPicPr>
+            <a:picLocks noGrp="1" noChangeAspect="1" noChangeArrowheads="1"/>
+          </p:cNvPicPr>
           <p:nvPr>
             <p:ph sz="half" idx="2"/>
           </p:nvPr>
-        </p:nvSpPr>
-        <p:spPr/>
-        <p:txBody>
-          <a:bodyPr/>
-          <a:lstStyle/>
-          <a:p>
-            <a:endParaRPr lang="en-US" dirty="0"/>
-          </a:p>
-        </p:txBody>
-      </p:sp>
+        </p:nvPicPr>
+        <p:blipFill>
+          <a:blip r:embed="rId2">
+            <a:extLst>
+              <a:ext uri="{28A0092B-C50C-407E-A947-70E740481C1C}">
+                <a14:useLocalDpi xmlns:a14="http://schemas.microsoft.com/office/drawing/2010/main" val="0"/>
+              </a:ext>
+            </a:extLst>
+          </a:blip>
+          <a:srcRect/>
+          <a:stretch>
+            <a:fillRect/>
+          </a:stretch>
+        </p:blipFill>
+        <p:spPr bwMode="auto">
+          <a:xfrm>
+            <a:off x="5699498" y="2164408"/>
+            <a:ext cx="5991057" cy="3219163"/>
+          </a:xfrm>
+          <a:prstGeom prst="rect">
+            <a:avLst/>
+          </a:prstGeom>
+          <a:noFill/>
+          <a:extLst>
+            <a:ext uri="{909E8E84-426E-40DD-AFC4-6F175D3DCCD1}">
+              <a14:hiddenFill xmlns:a14="http://schemas.microsoft.com/office/drawing/2010/main">
+                <a:solidFill>
+                  <a:srgbClr val="FFFFFF"/>
+                </a:solidFill>
+              </a14:hiddenFill>
+            </a:ext>
+          </a:extLst>
+        </p:spPr>
+      </p:pic>
     </p:spTree>
     <p:extLst>
       <p:ext uri="{BB962C8B-B14F-4D97-AF65-F5344CB8AC3E}">
@@ -5183,8 +5328,8 @@
         </p:nvSpPr>
         <p:spPr>
           <a:xfrm>
-            <a:off x="838200" y="1672355"/>
-            <a:ext cx="4402394" cy="3150352"/>
+            <a:off x="838200" y="1600627"/>
+            <a:ext cx="4569542" cy="3222080"/>
           </a:xfrm>
         </p:spPr>
         <p:txBody>
@@ -5205,11 +5350,7 @@
             </a:r>
             <a:r>
               <a:rPr lang="en-US" b="1" dirty="0"/>
-              <a:t>OCR</a:t>
-            </a:r>
-            <a:r>
-              <a:rPr lang="en-US" dirty="0"/>
-              <a:t>-free Document Understanding Transformer</a:t>
+              <a:t>Document Understanding Transformer</a:t>
             </a:r>
           </a:p>
           <a:p>
@@ -5261,8 +5402,12 @@
               <a:buNone/>
             </a:pPr>
             <a:r>
+              <a:rPr lang="en-US" sz="2000" b="1" dirty="0"/>
+              <a:t>Capabilities</a:t>
+            </a:r>
+            <a:r>
               <a:rPr lang="en-US" sz="2000" dirty="0"/>
-              <a:t>Capabilities:</a:t>
+              <a:t>:</a:t>
             </a:r>
           </a:p>
           <a:p>
@@ -5685,7 +5830,7 @@
           <a:p>
             <a:r>
               <a:rPr lang="en-US" dirty="0"/>
-              <a:t>Accuracy of 75% is quite good</a:t>
+              <a:t>Accuracy of 59.33% is quite good since only string matches is considered</a:t>
             </a:r>
           </a:p>
           <a:p>
@@ -5733,11 +5878,13 @@
             <a:pPr algn="ctr"/>
             <a:r>
               <a:rPr lang="en-US" b="1" dirty="0"/>
-              <a:t>Accuracy: 75%</a:t>
-            </a:r>
-          </a:p>
-          <a:p>
-            <a:pPr algn="ctr"/>
+              <a:t>Accuracy: 59.33%</a:t>
+            </a:r>
+          </a:p>
+          <a:p>
+            <a:pPr marL="0" indent="0" algn="ctr">
+              <a:buNone/>
+            </a:pPr>
             <a:endParaRPr lang="en-US" dirty="0"/>
           </a:p>
         </p:txBody>
